--- a/Neural Networks.pptx
+++ b/Neural Networks.pptx
@@ -267,7 +267,7 @@
   </p:defaultTextStyle>
   <p:extLst>
     <p:ext uri="{EFAFB233-063F-42B5-8137-9DF3F51BA10A}">
-      <p15:sldGuideLst xmlns:ahyp="http://schemas.microsoft.com/office/drawing/2018/hyperlinkcolor" xmlns:p15="http://schemas.microsoft.com/office/powerpoint/2012/main" xmlns:p14="http://schemas.microsoft.com/office/powerpoint/2010/main" xmlns:com="http://schemas.openxmlformats.org/drawingml/2006/compatibility" xmlns:pvml="urn:schemas-microsoft-com:office:powerpoint" xmlns:v="urn:schemas-microsoft-com:vml" xmlns:o="urn:schemas-microsoft-com:office:office" xmlns:dgm="http://schemas.openxmlformats.org/drawingml/2006/diagram" xmlns:c="http://schemas.openxmlformats.org/drawingml/2006/chart" xmlns:mv="urn:schemas-microsoft-com:mac:vml" xmlns:mc="http://schemas.openxmlformats.org/markup-compatibility/2006" xmlns="">
+      <p15:sldGuideLst xmlns="" xmlns:mc="http://schemas.openxmlformats.org/markup-compatibility/2006" xmlns:mv="urn:schemas-microsoft-com:mac:vml" xmlns:c="http://schemas.openxmlformats.org/drawingml/2006/chart" xmlns:dgm="http://schemas.openxmlformats.org/drawingml/2006/diagram" xmlns:o="urn:schemas-microsoft-com:office:office" xmlns:v="urn:schemas-microsoft-com:vml" xmlns:pvml="urn:schemas-microsoft-com:office:powerpoint" xmlns:com="http://schemas.openxmlformats.org/drawingml/2006/compatibility" xmlns:p14="http://schemas.microsoft.com/office/powerpoint/2010/main" xmlns:p15="http://schemas.microsoft.com/office/powerpoint/2012/main" xmlns:ahyp="http://schemas.microsoft.com/office/drawing/2018/hyperlinkcolor">
         <p15:guide id="1" orient="horz" pos="340">
           <p15:clr>
             <a:srgbClr val="9AA0A6"/>
@@ -36644,7 +36644,7 @@
   </p:txStyles>
   <p:extLst>
     <p:ext uri="{27BBF7A9-308A-43DC-89C8-2F10F3537804}">
-      <p15:sldGuideLst xmlns:ahyp="http://schemas.microsoft.com/office/drawing/2018/hyperlinkcolor" xmlns:p15="http://schemas.microsoft.com/office/powerpoint/2012/main" xmlns:p14="http://schemas.microsoft.com/office/powerpoint/2010/main" xmlns:com="http://schemas.openxmlformats.org/drawingml/2006/compatibility" xmlns:pvml="urn:schemas-microsoft-com:office:powerpoint" xmlns:v="urn:schemas-microsoft-com:vml" xmlns:o="urn:schemas-microsoft-com:office:office" xmlns:dgm="http://schemas.openxmlformats.org/drawingml/2006/diagram" xmlns:c="http://schemas.openxmlformats.org/drawingml/2006/chart" xmlns:mv="urn:schemas-microsoft-com:mac:vml" xmlns:mc="http://schemas.openxmlformats.org/markup-compatibility/2006" xmlns="">
+      <p15:sldGuideLst xmlns="" xmlns:mc="http://schemas.openxmlformats.org/markup-compatibility/2006" xmlns:mv="urn:schemas-microsoft-com:mac:vml" xmlns:c="http://schemas.openxmlformats.org/drawingml/2006/chart" xmlns:dgm="http://schemas.openxmlformats.org/drawingml/2006/diagram" xmlns:o="urn:schemas-microsoft-com:office:office" xmlns:v="urn:schemas-microsoft-com:vml" xmlns:pvml="urn:schemas-microsoft-com:office:powerpoint" xmlns:com="http://schemas.openxmlformats.org/drawingml/2006/compatibility" xmlns:p14="http://schemas.microsoft.com/office/powerpoint/2010/main" xmlns:p15="http://schemas.microsoft.com/office/powerpoint/2012/main" xmlns:ahyp="http://schemas.microsoft.com/office/drawing/2018/hyperlinkcolor">
         <p15:guide id="1" orient="horz" pos="1620">
           <p15:clr>
             <a:srgbClr val="EA4335"/>
@@ -40506,7 +40506,7 @@
         </p:nvSpPr>
         <p:spPr>
           <a:xfrm>
-            <a:off x="6595008" y="3284220"/>
+            <a:off x="6595007" y="3450474"/>
             <a:ext cx="1642212" cy="716280"/>
           </a:xfrm>
           <a:prstGeom prst="rect">
@@ -40521,60 +40521,8 @@
           <a:p>
             <a:pPr marL="0" lvl="0" indent="0" algn="ctr"/>
             <a:r>
-              <a:rPr lang="es-ES" sz="1050" dirty="0" err="1" smtClean="0"/>
-              <a:t>Generate</a:t>
-            </a:r>
-            <a:r>
-              <a:rPr lang="es-ES" sz="1050" dirty="0" smtClean="0"/>
-              <a:t> error </a:t>
-            </a:r>
-            <a:r>
-              <a:rPr lang="es-ES" sz="1050" dirty="0" err="1" smtClean="0"/>
-              <a:t>plots</a:t>
-            </a:r>
-            <a:r>
-              <a:rPr lang="es-ES" sz="1050" dirty="0" smtClean="0"/>
-              <a:t> </a:t>
-            </a:r>
-            <a:r>
-              <a:rPr lang="es-ES" sz="1050" dirty="0" err="1" smtClean="0"/>
-              <a:t>to</a:t>
-            </a:r>
-            <a:r>
-              <a:rPr lang="es-ES" sz="1050" dirty="0" smtClean="0"/>
-              <a:t> </a:t>
-            </a:r>
-            <a:r>
-              <a:rPr lang="es-ES" sz="1050" dirty="0" err="1" smtClean="0"/>
-              <a:t>choose</a:t>
-            </a:r>
-            <a:r>
-              <a:rPr lang="es-ES" sz="1050" dirty="0" smtClean="0"/>
-              <a:t> </a:t>
-            </a:r>
-            <a:r>
-              <a:rPr lang="es-ES" sz="1050" dirty="0" err="1" smtClean="0"/>
-              <a:t>the</a:t>
-            </a:r>
-            <a:r>
-              <a:rPr lang="es-ES" sz="1050" dirty="0" smtClean="0"/>
-              <a:t> </a:t>
-            </a:r>
-            <a:r>
-              <a:rPr lang="es-ES" sz="1050" dirty="0" err="1" smtClean="0"/>
-              <a:t>best</a:t>
-            </a:r>
-            <a:r>
-              <a:rPr lang="es-ES" sz="1050" dirty="0" smtClean="0"/>
-              <a:t> </a:t>
-            </a:r>
-            <a:r>
-              <a:rPr lang="es-ES" sz="1050" dirty="0" err="1" smtClean="0"/>
-              <a:t>settings</a:t>
-            </a:r>
-            <a:r>
-              <a:rPr lang="es-ES" sz="1050" dirty="0" smtClean="0"/>
-              <a:t>.</a:t>
+              <a:rPr lang="en-US" sz="1050" dirty="0"/>
+              <a:t>Generate a plot to show the evolution of the training error and the validation error at each training epoch</a:t>
             </a:r>
             <a:endParaRPr sz="1050" dirty="0"/>
           </a:p>

--- a/Neural Networks.pptx
+++ b/Neural Networks.pptx
@@ -5,7 +5,7 @@
     <p:sldMasterId id="2147483671" r:id="rId1"/>
   </p:sldMasterIdLst>
   <p:notesMasterIdLst>
-    <p:notesMasterId r:id="rId14"/>
+    <p:notesMasterId r:id="rId17"/>
   </p:notesMasterIdLst>
   <p:sldIdLst>
     <p:sldId id="256" r:id="rId2"/>
@@ -13,27 +13,30 @@
     <p:sldId id="310" r:id="rId4"/>
     <p:sldId id="259" r:id="rId5"/>
     <p:sldId id="311" r:id="rId6"/>
-    <p:sldId id="312" r:id="rId7"/>
-    <p:sldId id="317" r:id="rId8"/>
-    <p:sldId id="313" r:id="rId9"/>
-    <p:sldId id="314" r:id="rId10"/>
-    <p:sldId id="315" r:id="rId11"/>
-    <p:sldId id="316" r:id="rId12"/>
-    <p:sldId id="318" r:id="rId13"/>
+    <p:sldId id="319" r:id="rId7"/>
+    <p:sldId id="320" r:id="rId8"/>
+    <p:sldId id="312" r:id="rId9"/>
+    <p:sldId id="321" r:id="rId10"/>
+    <p:sldId id="317" r:id="rId11"/>
+    <p:sldId id="315" r:id="rId12"/>
+    <p:sldId id="316" r:id="rId13"/>
+    <p:sldId id="313" r:id="rId14"/>
+    <p:sldId id="314" r:id="rId15"/>
+    <p:sldId id="318" r:id="rId16"/>
   </p:sldIdLst>
   <p:sldSz cx="9144000" cy="5143500" type="screen16x9"/>
   <p:notesSz cx="6858000" cy="9144000"/>
   <p:embeddedFontLst>
     <p:embeddedFont>
-      <p:font typeface="Bebas Neue" charset="0"/>
-      <p:regular r:id="rId15"/>
+      <p:font typeface="Bebas Neue" panose="020B0604020202020204" charset="0"/>
+      <p:regular r:id="rId18"/>
     </p:embeddedFont>
     <p:embeddedFont>
-      <p:font typeface="Roboto" charset="0"/>
-      <p:regular r:id="rId16"/>
-      <p:bold r:id="rId17"/>
-      <p:italic r:id="rId18"/>
-      <p:boldItalic r:id="rId19"/>
+      <p:font typeface="Roboto" panose="020B0604020202020204" charset="0"/>
+      <p:regular r:id="rId19"/>
+      <p:bold r:id="rId20"/>
+      <p:italic r:id="rId21"/>
+      <p:boldItalic r:id="rId22"/>
     </p:embeddedFont>
   </p:embeddedFontLst>
   <p:defaultTextStyle>
@@ -267,7 +270,7 @@
   </p:defaultTextStyle>
   <p:extLst>
     <p:ext uri="{EFAFB233-063F-42B5-8137-9DF3F51BA10A}">
-      <p15:sldGuideLst xmlns="" xmlns:mc="http://schemas.openxmlformats.org/markup-compatibility/2006" xmlns:mv="urn:schemas-microsoft-com:mac:vml" xmlns:c="http://schemas.openxmlformats.org/drawingml/2006/chart" xmlns:dgm="http://schemas.openxmlformats.org/drawingml/2006/diagram" xmlns:o="urn:schemas-microsoft-com:office:office" xmlns:v="urn:schemas-microsoft-com:vml" xmlns:pvml="urn:schemas-microsoft-com:office:powerpoint" xmlns:com="http://schemas.openxmlformats.org/drawingml/2006/compatibility" xmlns:p14="http://schemas.microsoft.com/office/powerpoint/2010/main" xmlns:p15="http://schemas.microsoft.com/office/powerpoint/2012/main" xmlns:ahyp="http://schemas.microsoft.com/office/drawing/2018/hyperlinkcolor">
+      <p15:sldGuideLst xmlns:ahyp="http://schemas.microsoft.com/office/drawing/2018/hyperlinkcolor" xmlns:p15="http://schemas.microsoft.com/office/powerpoint/2012/main" xmlns:p14="http://schemas.microsoft.com/office/powerpoint/2010/main" xmlns:com="http://schemas.openxmlformats.org/drawingml/2006/compatibility" xmlns:pvml="urn:schemas-microsoft-com:office:powerpoint" xmlns:v="urn:schemas-microsoft-com:vml" xmlns:o="urn:schemas-microsoft-com:office:office" xmlns:dgm="http://schemas.openxmlformats.org/drawingml/2006/diagram" xmlns:c="http://schemas.openxmlformats.org/drawingml/2006/chart" xmlns:mv="urn:schemas-microsoft-com:mac:vml" xmlns:mc="http://schemas.openxmlformats.org/markup-compatibility/2006" xmlns="">
         <p15:guide id="1" orient="horz" pos="340">
           <p15:clr>
             <a:srgbClr val="9AA0A6"/>
@@ -36644,7 +36647,7 @@
   </p:txStyles>
   <p:extLst>
     <p:ext uri="{27BBF7A9-308A-43DC-89C8-2F10F3537804}">
-      <p15:sldGuideLst xmlns="" xmlns:mc="http://schemas.openxmlformats.org/markup-compatibility/2006" xmlns:mv="urn:schemas-microsoft-com:mac:vml" xmlns:c="http://schemas.openxmlformats.org/drawingml/2006/chart" xmlns:dgm="http://schemas.openxmlformats.org/drawingml/2006/diagram" xmlns:o="urn:schemas-microsoft-com:office:office" xmlns:v="urn:schemas-microsoft-com:vml" xmlns:pvml="urn:schemas-microsoft-com:office:powerpoint" xmlns:com="http://schemas.openxmlformats.org/drawingml/2006/compatibility" xmlns:p14="http://schemas.microsoft.com/office/powerpoint/2010/main" xmlns:p15="http://schemas.microsoft.com/office/powerpoint/2012/main" xmlns:ahyp="http://schemas.microsoft.com/office/drawing/2018/hyperlinkcolor">
+      <p15:sldGuideLst xmlns:ahyp="http://schemas.microsoft.com/office/drawing/2018/hyperlinkcolor" xmlns:p15="http://schemas.microsoft.com/office/powerpoint/2012/main" xmlns:p14="http://schemas.microsoft.com/office/powerpoint/2010/main" xmlns:com="http://schemas.openxmlformats.org/drawingml/2006/compatibility" xmlns:pvml="urn:schemas-microsoft-com:office:powerpoint" xmlns:v="urn:schemas-microsoft-com:vml" xmlns:o="urn:schemas-microsoft-com:office:office" xmlns:dgm="http://schemas.openxmlformats.org/drawingml/2006/diagram" xmlns:c="http://schemas.openxmlformats.org/drawingml/2006/chart" xmlns:mv="urn:schemas-microsoft-com:mac:vml" xmlns:mc="http://schemas.openxmlformats.org/markup-compatibility/2006" xmlns="">
         <p15:guide id="1" orient="horz" pos="1620">
           <p15:clr>
             <a:srgbClr val="EA4335"/>
@@ -37893,22 +37896,52 @@
             <a:spLocks noGrp="1"/>
           </p:cNvSpPr>
           <p:nvPr>
-            <p:ph type="title" idx="4294967295"/>
+            <p:ph type="title"/>
+          </p:nvPr>
+        </p:nvSpPr>
+        <p:spPr/>
+        <p:txBody>
+          <a:bodyPr/>
+          <a:lstStyle/>
+          <a:p>
+            <a:r>
+              <a:rPr lang="es-ES" dirty="0" smtClean="0"/>
+              <a:t>ERROR PLOTS</a:t>
+            </a:r>
+            <a:endParaRPr lang="es-ES" dirty="0"/>
+          </a:p>
+        </p:txBody>
+      </p:sp>
+      <p:sp>
+        <p:nvSpPr>
+          <p:cNvPr id="13" name="12 Marcador de texto"/>
+          <p:cNvSpPr>
+            <a:spLocks noGrp="1"/>
+          </p:cNvSpPr>
+          <p:nvPr>
+            <p:ph type="body" idx="1"/>
           </p:nvPr>
         </p:nvSpPr>
         <p:spPr>
           <a:xfrm>
-            <a:off x="684790" y="198293"/>
-            <a:ext cx="7704137" cy="488950"/>
+            <a:off x="720000" y="1655618"/>
+            <a:ext cx="7704000" cy="413193"/>
           </a:xfrm>
         </p:spPr>
         <p:txBody>
           <a:bodyPr/>
           <a:lstStyle/>
           <a:p>
+            <a:pPr marL="127000" indent="0">
+              <a:buNone/>
+            </a:pPr>
+            <a:r>
+              <a:rPr lang="es-ES" dirty="0" smtClean="0"/>
+              <a:t>To </a:t>
+            </a:r>
             <a:r>
               <a:rPr lang="es-ES" dirty="0" err="1" smtClean="0"/>
-              <a:t>elliott</a:t>
+              <a:t>check</a:t>
             </a:r>
             <a:r>
               <a:rPr lang="es-ES" dirty="0" smtClean="0"/>
@@ -37916,37 +37949,377 @@
             </a:r>
             <a:r>
               <a:rPr lang="es-ES" dirty="0" err="1" smtClean="0"/>
-              <a:t>symmetric</a:t>
+              <a:t>which</a:t>
             </a:r>
-            <a:endParaRPr lang="es-ES" dirty="0"/>
+            <a:r>
+              <a:rPr lang="es-ES" dirty="0" smtClean="0"/>
+              <a:t> </a:t>
+            </a:r>
+            <a:r>
+              <a:rPr lang="es-ES" dirty="0" err="1" smtClean="0"/>
+              <a:t>is</a:t>
+            </a:r>
+            <a:r>
+              <a:rPr lang="es-ES" dirty="0" smtClean="0"/>
+              <a:t> </a:t>
+            </a:r>
+            <a:r>
+              <a:rPr lang="es-ES" dirty="0" err="1" smtClean="0"/>
+              <a:t>the</a:t>
+            </a:r>
+            <a:r>
+              <a:rPr lang="es-ES" dirty="0" smtClean="0"/>
+              <a:t> </a:t>
+            </a:r>
+            <a:r>
+              <a:rPr lang="es-ES" dirty="0" err="1" smtClean="0"/>
+              <a:t>best</a:t>
+            </a:r>
+            <a:r>
+              <a:rPr lang="es-ES" dirty="0" smtClean="0"/>
+              <a:t> </a:t>
+            </a:r>
+            <a:r>
+              <a:rPr lang="es-ES" dirty="0" err="1" smtClean="0"/>
+              <a:t>setting</a:t>
+            </a:r>
+            <a:r>
+              <a:rPr lang="es-ES" dirty="0" smtClean="0"/>
+              <a:t> </a:t>
+            </a:r>
+            <a:r>
+              <a:rPr lang="es-ES" dirty="0" err="1" smtClean="0"/>
+              <a:t>for</a:t>
+            </a:r>
+            <a:r>
+              <a:rPr lang="es-ES" dirty="0" smtClean="0"/>
+              <a:t> </a:t>
+            </a:r>
+            <a:r>
+              <a:rPr lang="es-ES" dirty="0" err="1" smtClean="0"/>
+              <a:t>the</a:t>
+            </a:r>
+            <a:r>
+              <a:rPr lang="es-ES" dirty="0" smtClean="0"/>
+              <a:t> neural </a:t>
+            </a:r>
+            <a:r>
+              <a:rPr lang="es-ES" dirty="0" err="1" smtClean="0"/>
+              <a:t>network</a:t>
+            </a:r>
+            <a:r>
+              <a:rPr lang="es-ES" dirty="0" smtClean="0"/>
+              <a:t>, </a:t>
+            </a:r>
+            <a:r>
+              <a:rPr lang="es-ES" dirty="0" err="1" smtClean="0"/>
+              <a:t>we</a:t>
+            </a:r>
+            <a:r>
+              <a:rPr lang="es-ES" dirty="0" smtClean="0"/>
+              <a:t> </a:t>
+            </a:r>
+            <a:r>
+              <a:rPr lang="es-ES" dirty="0" err="1" smtClean="0"/>
+              <a:t>have</a:t>
+            </a:r>
+            <a:r>
+              <a:rPr lang="es-ES" dirty="0" smtClean="0"/>
+              <a:t> done </a:t>
+            </a:r>
+            <a:r>
+              <a:rPr lang="es-ES" dirty="0" err="1" smtClean="0"/>
+              <a:t>several</a:t>
+            </a:r>
+            <a:r>
+              <a:rPr lang="es-ES" dirty="0" smtClean="0"/>
+              <a:t> error </a:t>
+            </a:r>
+            <a:r>
+              <a:rPr lang="es-ES" dirty="0" err="1" smtClean="0"/>
+              <a:t>plots</a:t>
+            </a:r>
+            <a:r>
+              <a:rPr lang="es-ES" dirty="0" smtClean="0"/>
+              <a:t> </a:t>
+            </a:r>
+            <a:r>
+              <a:rPr lang="es-ES" dirty="0" err="1" smtClean="0"/>
+              <a:t>with</a:t>
+            </a:r>
+            <a:r>
+              <a:rPr lang="es-ES" dirty="0" smtClean="0"/>
+              <a:t> </a:t>
+            </a:r>
+            <a:r>
+              <a:rPr lang="es-ES" dirty="0" err="1" smtClean="0"/>
+              <a:t>different</a:t>
+            </a:r>
+            <a:r>
+              <a:rPr lang="es-ES" dirty="0" smtClean="0"/>
+              <a:t> </a:t>
+            </a:r>
+            <a:r>
+              <a:rPr lang="es-ES" dirty="0" err="1" smtClean="0"/>
+              <a:t>activation</a:t>
+            </a:r>
+            <a:r>
+              <a:rPr lang="es-ES" dirty="0" smtClean="0"/>
+              <a:t> </a:t>
+            </a:r>
+            <a:r>
+              <a:rPr lang="es-ES" dirty="0" err="1" smtClean="0"/>
+              <a:t>functions</a:t>
+            </a:r>
+            <a:r>
+              <a:rPr lang="es-ES" dirty="0" smtClean="0"/>
+              <a:t> and </a:t>
+            </a:r>
+            <a:r>
+              <a:rPr lang="es-ES" dirty="0" err="1" smtClean="0"/>
+              <a:t>number</a:t>
+            </a:r>
+            <a:r>
+              <a:rPr lang="es-ES" dirty="0" smtClean="0"/>
+              <a:t> of </a:t>
+            </a:r>
+            <a:r>
+              <a:rPr lang="es-ES" dirty="0" err="1" smtClean="0"/>
+              <a:t>neurons</a:t>
+            </a:r>
+            <a:r>
+              <a:rPr lang="es-ES" dirty="0" smtClean="0"/>
+              <a:t> in </a:t>
+            </a:r>
+            <a:r>
+              <a:rPr lang="es-ES" dirty="0" err="1" smtClean="0"/>
+              <a:t>the</a:t>
+            </a:r>
+            <a:r>
+              <a:rPr lang="es-ES" dirty="0" smtClean="0"/>
+              <a:t> </a:t>
+            </a:r>
+            <a:r>
+              <a:rPr lang="es-ES" dirty="0" err="1" smtClean="0"/>
+              <a:t>hidden</a:t>
+            </a:r>
+            <a:r>
+              <a:rPr lang="es-ES" dirty="0" smtClean="0"/>
+              <a:t> </a:t>
+            </a:r>
+            <a:r>
+              <a:rPr lang="es-ES" dirty="0" err="1" smtClean="0"/>
+              <a:t>layer</a:t>
+            </a:r>
+            <a:r>
+              <a:rPr lang="es-ES" dirty="0" smtClean="0"/>
+              <a:t>. </a:t>
+            </a:r>
+            <a:r>
+              <a:rPr lang="es-ES" dirty="0" err="1" smtClean="0"/>
+              <a:t>The</a:t>
+            </a:r>
+            <a:r>
+              <a:rPr lang="es-ES" dirty="0" smtClean="0"/>
+              <a:t> </a:t>
+            </a:r>
+            <a:r>
+              <a:rPr lang="es-ES" dirty="0" err="1" smtClean="0"/>
+              <a:t>number</a:t>
+            </a:r>
+            <a:r>
+              <a:rPr lang="es-ES" dirty="0" smtClean="0"/>
+              <a:t> of </a:t>
+            </a:r>
+            <a:r>
+              <a:rPr lang="es-ES" dirty="0" err="1" smtClean="0"/>
+              <a:t>neurons</a:t>
+            </a:r>
+            <a:r>
+              <a:rPr lang="es-ES" dirty="0" smtClean="0"/>
+              <a:t> in </a:t>
+            </a:r>
+            <a:r>
+              <a:rPr lang="es-ES" dirty="0" err="1" smtClean="0"/>
+              <a:t>the</a:t>
+            </a:r>
+            <a:r>
+              <a:rPr lang="es-ES" dirty="0" smtClean="0"/>
+              <a:t> </a:t>
+            </a:r>
+            <a:r>
+              <a:rPr lang="es-ES" dirty="0" err="1" smtClean="0"/>
+              <a:t>hidden</a:t>
+            </a:r>
+            <a:r>
+              <a:rPr lang="es-ES" dirty="0" smtClean="0"/>
+              <a:t> </a:t>
+            </a:r>
+            <a:r>
+              <a:rPr lang="es-ES" dirty="0" err="1" smtClean="0"/>
+              <a:t>layer</a:t>
+            </a:r>
+            <a:r>
+              <a:rPr lang="es-ES" dirty="0" smtClean="0"/>
+              <a:t> </a:t>
+            </a:r>
+            <a:r>
+              <a:rPr lang="es-ES" dirty="0" err="1" smtClean="0"/>
+              <a:t>goes</a:t>
+            </a:r>
+            <a:r>
+              <a:rPr lang="es-ES" dirty="0" smtClean="0"/>
+              <a:t> </a:t>
+            </a:r>
+            <a:r>
+              <a:rPr lang="es-ES" dirty="0" err="1" smtClean="0"/>
+              <a:t>fro</a:t>
+            </a:r>
+            <a:r>
+              <a:rPr lang="es-ES" dirty="0" err="1" smtClean="0"/>
+              <a:t>m</a:t>
+            </a:r>
+            <a:r>
+              <a:rPr lang="es-ES" dirty="0" smtClean="0"/>
+              <a:t> 4 up to 10. </a:t>
+            </a:r>
+            <a:r>
+              <a:rPr lang="en" dirty="0" smtClean="0"/>
+              <a:t>We</a:t>
+            </a:r>
+            <a:r>
+              <a:rPr lang="es-ES" dirty="0" smtClean="0"/>
+              <a:t> </a:t>
+            </a:r>
+            <a:r>
+              <a:rPr lang="es-ES" dirty="0" err="1" smtClean="0"/>
+              <a:t>have</a:t>
+            </a:r>
+            <a:r>
+              <a:rPr lang="es-ES" dirty="0" smtClean="0"/>
+              <a:t> </a:t>
+            </a:r>
+            <a:r>
+              <a:rPr lang="es-ES" dirty="0" err="1" smtClean="0"/>
+              <a:t>chosen</a:t>
+            </a:r>
+            <a:r>
+              <a:rPr lang="es-ES" dirty="0" smtClean="0"/>
+              <a:t> </a:t>
+            </a:r>
+            <a:r>
+              <a:rPr lang="es-ES" dirty="0" err="1" smtClean="0"/>
+              <a:t>between</a:t>
+            </a:r>
+            <a:r>
+              <a:rPr lang="es-ES" dirty="0" smtClean="0"/>
+              <a:t> </a:t>
+            </a:r>
+            <a:r>
+              <a:rPr lang="es-ES" dirty="0" err="1" smtClean="0"/>
+              <a:t>two</a:t>
+            </a:r>
+            <a:r>
+              <a:rPr lang="es-ES" dirty="0" smtClean="0"/>
+              <a:t> </a:t>
+            </a:r>
+            <a:r>
+              <a:rPr lang="es-ES" dirty="0" err="1" smtClean="0"/>
+              <a:t>different</a:t>
+            </a:r>
+            <a:r>
+              <a:rPr lang="es-ES" dirty="0" smtClean="0"/>
+              <a:t> </a:t>
+            </a:r>
+            <a:r>
+              <a:rPr lang="es-ES" dirty="0" err="1" smtClean="0"/>
+              <a:t>activation</a:t>
+            </a:r>
+            <a:r>
+              <a:rPr lang="es-ES" dirty="0" smtClean="0"/>
+              <a:t> </a:t>
+            </a:r>
+            <a:r>
+              <a:rPr lang="es-ES" dirty="0" err="1" smtClean="0"/>
+              <a:t>functions</a:t>
+            </a:r>
+            <a:r>
+              <a:rPr lang="es-ES" dirty="0" smtClean="0"/>
+              <a:t>:</a:t>
+            </a:r>
+          </a:p>
+          <a:p>
+            <a:pPr marL="127000" indent="0">
+              <a:buNone/>
+            </a:pPr>
+            <a:endParaRPr lang="es-ES" dirty="0" smtClean="0"/>
+          </a:p>
+          <a:p>
+            <a:pPr marL="127000" indent="0">
+              <a:buNone/>
+            </a:pPr>
+            <a:r>
+              <a:rPr lang="es-ES" dirty="0"/>
+              <a:t>	</a:t>
+            </a:r>
           </a:p>
         </p:txBody>
       </p:sp>
-      <p:pic>
-        <p:nvPicPr>
-          <p:cNvPr id="4098" name="Picture 2"/>
-          <p:cNvPicPr>
-            <a:picLocks noChangeAspect="1" noChangeArrowheads="1"/>
-          </p:cNvPicPr>
+      <p:sp>
+        <p:nvSpPr>
+          <p:cNvPr id="2" name="1 Flecha derecha"/>
+          <p:cNvSpPr/>
           <p:nvPr/>
-        </p:nvPicPr>
-        <p:blipFill>
-          <a:blip r:embed="rId2">
-            <a:extLst>
-              <a:ext uri="{28A0092B-C50C-407E-A947-70E740481C1C}">
-                <a14:useLocalDpi xmlns:a14="http://schemas.microsoft.com/office/drawing/2010/main" val="0"/>
-              </a:ext>
-            </a:extLst>
-          </a:blip>
-          <a:srcRect/>
-          <a:stretch>
-            <a:fillRect/>
-          </a:stretch>
-        </p:blipFill>
-        <p:spPr bwMode="auto">
+        </p:nvSpPr>
+        <p:spPr>
           <a:xfrm>
-            <a:off x="937750" y="879050"/>
-            <a:ext cx="2998096" cy="1834609"/>
+            <a:off x="1241669" y="2364316"/>
+            <a:ext cx="401782" cy="318655"/>
+          </a:xfrm>
+          <a:prstGeom prst="rightArrow">
+            <a:avLst/>
+          </a:prstGeom>
+          <a:solidFill>
+            <a:schemeClr val="accent4"/>
+          </a:solidFill>
+        </p:spPr>
+        <p:style>
+          <a:lnRef idx="2">
+            <a:schemeClr val="accent1">
+              <a:shade val="50000"/>
+            </a:schemeClr>
+          </a:lnRef>
+          <a:fillRef idx="1">
+            <a:schemeClr val="accent1"/>
+          </a:fillRef>
+          <a:effectRef idx="0">
+            <a:schemeClr val="accent1"/>
+          </a:effectRef>
+          <a:fontRef idx="minor">
+            <a:schemeClr val="lt1"/>
+          </a:fontRef>
+        </p:style>
+        <p:txBody>
+          <a:bodyPr rtlCol="0" anchor="ctr"/>
+          <a:lstStyle/>
+          <a:p>
+            <a:pPr algn="ctr"/>
+            <a:endParaRPr lang="es-ES"/>
+          </a:p>
+        </p:txBody>
+      </p:sp>
+      <p:sp>
+        <p:nvSpPr>
+          <p:cNvPr id="5" name="12 Marcador de texto"/>
+          <p:cNvSpPr txBox="1">
+            <a:spLocks/>
+          </p:cNvSpPr>
+          <p:nvPr/>
+        </p:nvSpPr>
+        <p:spPr>
+          <a:xfrm>
+            <a:off x="1752163" y="2382246"/>
+            <a:ext cx="2882182" cy="282796"/>
           </a:xfrm>
           <a:prstGeom prst="rect">
             <a:avLst/>
@@ -37955,62 +38328,347 @@
           <a:ln>
             <a:noFill/>
           </a:ln>
-          <a:effectLst/>
-          <a:extLst>
-            <a:ext uri="{909E8E84-426E-40DD-AFC4-6F175D3DCCD1}">
-              <a14:hiddenFill xmlns:a14="http://schemas.microsoft.com/office/drawing/2010/main">
+        </p:spPr>
+        <p:txBody>
+          <a:bodyPr spcFirstLastPara="1" wrap="square" lIns="0" tIns="0" rIns="0" bIns="0" anchor="t" anchorCtr="0">
+            <a:noAutofit/>
+          </a:bodyPr>
+          <a:lstStyle>
+            <a:defPPr marR="0" lvl="0" algn="l" rtl="0">
+              <a:lnSpc>
+                <a:spcPct val="100000"/>
+              </a:lnSpc>
+              <a:spcBef>
+                <a:spcPts val="0"/>
+              </a:spcBef>
+              <a:spcAft>
+                <a:spcPts val="0"/>
+              </a:spcAft>
+            </a:defPPr>
+            <a:lvl1pPr marL="457200" marR="0" lvl="0" indent="-330200" algn="l" rtl="0">
+              <a:lnSpc>
+                <a:spcPct val="100000"/>
+              </a:lnSpc>
+              <a:spcBef>
+                <a:spcPts val="0"/>
+              </a:spcBef>
+              <a:spcAft>
+                <a:spcPts val="0"/>
+              </a:spcAft>
+              <a:buClr>
+                <a:schemeClr val="dk2"/>
+              </a:buClr>
+              <a:buSzPts val="1600"/>
+              <a:buFont typeface="Roboto"/>
+              <a:buChar char="●"/>
+              <a:defRPr sz="1200" b="0" i="0" u="none" strike="noStrike" cap="none">
                 <a:solidFill>
-                  <a:schemeClr val="accent1"/>
+                  <a:schemeClr val="dk1"/>
                 </a:solidFill>
-              </a14:hiddenFill>
-            </a:ext>
-            <a:ext uri="{91240B29-F687-4F45-9708-019B960494DF}">
-              <a14:hiddenLine xmlns:a14="http://schemas.microsoft.com/office/drawing/2010/main" w="9525">
+                <a:latin typeface="Roboto"/>
+                <a:ea typeface="Roboto"/>
+                <a:cs typeface="Roboto"/>
+                <a:sym typeface="Roboto"/>
+              </a:defRPr>
+            </a:lvl1pPr>
+            <a:lvl2pPr marL="914400" marR="0" lvl="1" indent="-330200" algn="l" rtl="0">
+              <a:lnSpc>
+                <a:spcPct val="115000"/>
+              </a:lnSpc>
+              <a:spcBef>
+                <a:spcPts val="1600"/>
+              </a:spcBef>
+              <a:spcAft>
+                <a:spcPts val="0"/>
+              </a:spcAft>
+              <a:buClr>
+                <a:schemeClr val="dk1"/>
+              </a:buClr>
+              <a:buSzPts val="1600"/>
+              <a:buFont typeface="Roboto"/>
+              <a:buChar char="○"/>
+              <a:defRPr sz="1600" b="0" i="0" u="none" strike="noStrike" cap="none">
                 <a:solidFill>
-                  <a:schemeClr val="tx1"/>
+                  <a:schemeClr val="dk1"/>
                 </a:solidFill>
-                <a:miter lim="800000"/>
-                <a:headEnd/>
-                <a:tailEnd/>
-              </a14:hiddenLine>
-            </a:ext>
-            <a:ext uri="{AF507438-7753-43E0-B8FC-AC1667EBCBE1}">
-              <a14:hiddenEffects xmlns:a14="http://schemas.microsoft.com/office/drawing/2010/main">
-                <a:effectLst>
-                  <a:outerShdw dist="35921" dir="2700000" algn="ctr" rotWithShape="0">
-                    <a:schemeClr val="bg2"/>
-                  </a:outerShdw>
-                </a:effectLst>
-              </a14:hiddenEffects>
-            </a:ext>
-          </a:extLst>
+                <a:latin typeface="Roboto"/>
+                <a:ea typeface="Roboto"/>
+                <a:cs typeface="Roboto"/>
+                <a:sym typeface="Roboto"/>
+              </a:defRPr>
+            </a:lvl2pPr>
+            <a:lvl3pPr marL="1371600" marR="0" lvl="2" indent="-330200" algn="l" rtl="0">
+              <a:lnSpc>
+                <a:spcPct val="115000"/>
+              </a:lnSpc>
+              <a:spcBef>
+                <a:spcPts val="1600"/>
+              </a:spcBef>
+              <a:spcAft>
+                <a:spcPts val="0"/>
+              </a:spcAft>
+              <a:buClr>
+                <a:schemeClr val="dk1"/>
+              </a:buClr>
+              <a:buSzPts val="1600"/>
+              <a:buFont typeface="Roboto"/>
+              <a:buChar char="■"/>
+              <a:defRPr sz="1600" b="0" i="0" u="none" strike="noStrike" cap="none">
+                <a:solidFill>
+                  <a:schemeClr val="dk1"/>
+                </a:solidFill>
+                <a:latin typeface="Roboto"/>
+                <a:ea typeface="Roboto"/>
+                <a:cs typeface="Roboto"/>
+                <a:sym typeface="Roboto"/>
+              </a:defRPr>
+            </a:lvl3pPr>
+            <a:lvl4pPr marL="1828800" marR="0" lvl="3" indent="-330200" algn="l" rtl="0">
+              <a:lnSpc>
+                <a:spcPct val="115000"/>
+              </a:lnSpc>
+              <a:spcBef>
+                <a:spcPts val="1600"/>
+              </a:spcBef>
+              <a:spcAft>
+                <a:spcPts val="0"/>
+              </a:spcAft>
+              <a:buClr>
+                <a:schemeClr val="dk1"/>
+              </a:buClr>
+              <a:buSzPts val="1600"/>
+              <a:buFont typeface="Roboto"/>
+              <a:buChar char="●"/>
+              <a:defRPr sz="1600" b="0" i="0" u="none" strike="noStrike" cap="none">
+                <a:solidFill>
+                  <a:schemeClr val="dk1"/>
+                </a:solidFill>
+                <a:latin typeface="Roboto"/>
+                <a:ea typeface="Roboto"/>
+                <a:cs typeface="Roboto"/>
+                <a:sym typeface="Roboto"/>
+              </a:defRPr>
+            </a:lvl4pPr>
+            <a:lvl5pPr marL="2286000" marR="0" lvl="4" indent="-330200" algn="l" rtl="0">
+              <a:lnSpc>
+                <a:spcPct val="115000"/>
+              </a:lnSpc>
+              <a:spcBef>
+                <a:spcPts val="1600"/>
+              </a:spcBef>
+              <a:spcAft>
+                <a:spcPts val="0"/>
+              </a:spcAft>
+              <a:buClr>
+                <a:schemeClr val="dk1"/>
+              </a:buClr>
+              <a:buSzPts val="1600"/>
+              <a:buFont typeface="Roboto"/>
+              <a:buChar char="○"/>
+              <a:defRPr sz="1600" b="0" i="0" u="none" strike="noStrike" cap="none">
+                <a:solidFill>
+                  <a:schemeClr val="dk1"/>
+                </a:solidFill>
+                <a:latin typeface="Roboto"/>
+                <a:ea typeface="Roboto"/>
+                <a:cs typeface="Roboto"/>
+                <a:sym typeface="Roboto"/>
+              </a:defRPr>
+            </a:lvl5pPr>
+            <a:lvl6pPr marL="2743200" marR="0" lvl="5" indent="-330200" algn="l" rtl="0">
+              <a:lnSpc>
+                <a:spcPct val="115000"/>
+              </a:lnSpc>
+              <a:spcBef>
+                <a:spcPts val="1600"/>
+              </a:spcBef>
+              <a:spcAft>
+                <a:spcPts val="0"/>
+              </a:spcAft>
+              <a:buClr>
+                <a:schemeClr val="dk1"/>
+              </a:buClr>
+              <a:buSzPts val="1600"/>
+              <a:buFont typeface="Roboto"/>
+              <a:buChar char="■"/>
+              <a:defRPr sz="1600" b="0" i="0" u="none" strike="noStrike" cap="none">
+                <a:solidFill>
+                  <a:schemeClr val="dk1"/>
+                </a:solidFill>
+                <a:latin typeface="Roboto"/>
+                <a:ea typeface="Roboto"/>
+                <a:cs typeface="Roboto"/>
+                <a:sym typeface="Roboto"/>
+              </a:defRPr>
+            </a:lvl6pPr>
+            <a:lvl7pPr marL="3200400" marR="0" lvl="6" indent="-330200" algn="l" rtl="0">
+              <a:lnSpc>
+                <a:spcPct val="115000"/>
+              </a:lnSpc>
+              <a:spcBef>
+                <a:spcPts val="1600"/>
+              </a:spcBef>
+              <a:spcAft>
+                <a:spcPts val="0"/>
+              </a:spcAft>
+              <a:buClr>
+                <a:schemeClr val="dk1"/>
+              </a:buClr>
+              <a:buSzPts val="1600"/>
+              <a:buFont typeface="Roboto"/>
+              <a:buChar char="●"/>
+              <a:defRPr sz="1600" b="0" i="0" u="none" strike="noStrike" cap="none">
+                <a:solidFill>
+                  <a:schemeClr val="dk1"/>
+                </a:solidFill>
+                <a:latin typeface="Roboto"/>
+                <a:ea typeface="Roboto"/>
+                <a:cs typeface="Roboto"/>
+                <a:sym typeface="Roboto"/>
+              </a:defRPr>
+            </a:lvl7pPr>
+            <a:lvl8pPr marL="3657600" marR="0" lvl="7" indent="-330200" algn="l" rtl="0">
+              <a:lnSpc>
+                <a:spcPct val="115000"/>
+              </a:lnSpc>
+              <a:spcBef>
+                <a:spcPts val="1600"/>
+              </a:spcBef>
+              <a:spcAft>
+                <a:spcPts val="0"/>
+              </a:spcAft>
+              <a:buClr>
+                <a:schemeClr val="dk1"/>
+              </a:buClr>
+              <a:buSzPts val="1600"/>
+              <a:buFont typeface="Roboto"/>
+              <a:buChar char="○"/>
+              <a:defRPr sz="1600" b="0" i="0" u="none" strike="noStrike" cap="none">
+                <a:solidFill>
+                  <a:schemeClr val="dk1"/>
+                </a:solidFill>
+                <a:latin typeface="Roboto"/>
+                <a:ea typeface="Roboto"/>
+                <a:cs typeface="Roboto"/>
+                <a:sym typeface="Roboto"/>
+              </a:defRPr>
+            </a:lvl8pPr>
+            <a:lvl9pPr marL="4114800" marR="0" lvl="8" indent="-330200" algn="l" rtl="0">
+              <a:lnSpc>
+                <a:spcPct val="115000"/>
+              </a:lnSpc>
+              <a:spcBef>
+                <a:spcPts val="1600"/>
+              </a:spcBef>
+              <a:spcAft>
+                <a:spcPts val="1600"/>
+              </a:spcAft>
+              <a:buClr>
+                <a:schemeClr val="dk1"/>
+              </a:buClr>
+              <a:buSzPts val="1600"/>
+              <a:buFont typeface="Roboto"/>
+              <a:buChar char="■"/>
+              <a:defRPr sz="1600" b="0" i="0" u="none" strike="noStrike" cap="none">
+                <a:solidFill>
+                  <a:schemeClr val="dk1"/>
+                </a:solidFill>
+                <a:latin typeface="Roboto"/>
+                <a:ea typeface="Roboto"/>
+                <a:cs typeface="Roboto"/>
+                <a:sym typeface="Roboto"/>
+              </a:defRPr>
+            </a:lvl9pPr>
+          </a:lstStyle>
+          <a:p>
+            <a:pPr marL="127000" indent="0">
+              <a:buFont typeface="Roboto"/>
+              <a:buNone/>
+            </a:pPr>
+            <a:r>
+              <a:rPr lang="es-ES" sz="1800" dirty="0" err="1" smtClean="0">
+                <a:latin typeface="Bebas Neue" charset="0"/>
+              </a:rPr>
+              <a:t>Activation</a:t>
+            </a:r>
+            <a:r>
+              <a:rPr lang="es-ES" sz="1800" dirty="0" smtClean="0">
+                <a:latin typeface="Bebas Neue" charset="0"/>
+              </a:rPr>
+              <a:t> ELLIOTT SYMMETRIC</a:t>
+            </a:r>
+            <a:endParaRPr lang="es-ES" sz="1800" dirty="0" smtClean="0">
+              <a:latin typeface="Bebas Neue" charset="0"/>
+            </a:endParaRPr>
+          </a:p>
+          <a:p>
+            <a:pPr marL="127000" indent="0">
+              <a:buFont typeface="Roboto"/>
+              <a:buNone/>
+            </a:pPr>
+            <a:r>
+              <a:rPr lang="es-ES" dirty="0" smtClean="0"/>
+              <a:t>	</a:t>
+            </a:r>
+            <a:endParaRPr lang="es-ES" dirty="0"/>
+          </a:p>
+        </p:txBody>
+      </p:sp>
+      <p:sp>
+        <p:nvSpPr>
+          <p:cNvPr id="6" name="5 Flecha derecha"/>
+          <p:cNvSpPr/>
+          <p:nvPr/>
+        </p:nvSpPr>
+        <p:spPr>
+          <a:xfrm>
+            <a:off x="1241669" y="2775393"/>
+            <a:ext cx="401782" cy="318655"/>
+          </a:xfrm>
+          <a:prstGeom prst="rightArrow">
+            <a:avLst/>
+          </a:prstGeom>
+          <a:solidFill>
+            <a:schemeClr val="accent4"/>
+          </a:solidFill>
         </p:spPr>
-      </p:pic>
-      <p:pic>
-        <p:nvPicPr>
-          <p:cNvPr id="4099" name="Picture 3"/>
-          <p:cNvPicPr>
-            <a:picLocks noChangeAspect="1" noChangeArrowheads="1"/>
-          </p:cNvPicPr>
+        <p:style>
+          <a:lnRef idx="2">
+            <a:schemeClr val="accent1">
+              <a:shade val="50000"/>
+            </a:schemeClr>
+          </a:lnRef>
+          <a:fillRef idx="1">
+            <a:schemeClr val="accent1"/>
+          </a:fillRef>
+          <a:effectRef idx="0">
+            <a:schemeClr val="accent1"/>
+          </a:effectRef>
+          <a:fontRef idx="minor">
+            <a:schemeClr val="lt1"/>
+          </a:fontRef>
+        </p:style>
+        <p:txBody>
+          <a:bodyPr rtlCol="0" anchor="ctr"/>
+          <a:lstStyle/>
+          <a:p>
+            <a:pPr algn="ctr"/>
+            <a:endParaRPr lang="es-ES"/>
+          </a:p>
+        </p:txBody>
+      </p:sp>
+      <p:sp>
+        <p:nvSpPr>
+          <p:cNvPr id="7" name="12 Marcador de texto"/>
+          <p:cNvSpPr txBox="1">
+            <a:spLocks/>
+          </p:cNvSpPr>
           <p:nvPr/>
-        </p:nvPicPr>
-        <p:blipFill>
-          <a:blip r:embed="rId3">
-            <a:extLst>
-              <a:ext uri="{28A0092B-C50C-407E-A947-70E740481C1C}">
-                <a14:useLocalDpi xmlns:a14="http://schemas.microsoft.com/office/drawing/2010/main" val="0"/>
-              </a:ext>
-            </a:extLst>
-          </a:blip>
-          <a:srcRect/>
-          <a:stretch>
-            <a:fillRect/>
-          </a:stretch>
-        </p:blipFill>
-        <p:spPr bwMode="auto">
+        </p:nvSpPr>
+        <p:spPr>
           <a:xfrm>
-            <a:off x="4754678" y="879050"/>
-            <a:ext cx="3295201" cy="1834609"/>
+            <a:off x="1752163" y="2793322"/>
+            <a:ext cx="1905438" cy="282796"/>
           </a:xfrm>
           <a:prstGeom prst="rect">
             <a:avLst/>
@@ -38019,62 +38677,315 @@
           <a:ln>
             <a:noFill/>
           </a:ln>
-          <a:effectLst/>
-          <a:extLst>
-            <a:ext uri="{909E8E84-426E-40DD-AFC4-6F175D3DCCD1}">
-              <a14:hiddenFill xmlns:a14="http://schemas.microsoft.com/office/drawing/2010/main">
+        </p:spPr>
+        <p:txBody>
+          <a:bodyPr spcFirstLastPara="1" wrap="square" lIns="0" tIns="0" rIns="0" bIns="0" anchor="t" anchorCtr="0">
+            <a:noAutofit/>
+          </a:bodyPr>
+          <a:lstStyle>
+            <a:defPPr marR="0" lvl="0" algn="l" rtl="0">
+              <a:lnSpc>
+                <a:spcPct val="100000"/>
+              </a:lnSpc>
+              <a:spcBef>
+                <a:spcPts val="0"/>
+              </a:spcBef>
+              <a:spcAft>
+                <a:spcPts val="0"/>
+              </a:spcAft>
+            </a:defPPr>
+            <a:lvl1pPr marL="457200" marR="0" lvl="0" indent="-330200" algn="l" rtl="0">
+              <a:lnSpc>
+                <a:spcPct val="100000"/>
+              </a:lnSpc>
+              <a:spcBef>
+                <a:spcPts val="0"/>
+              </a:spcBef>
+              <a:spcAft>
+                <a:spcPts val="0"/>
+              </a:spcAft>
+              <a:buClr>
+                <a:schemeClr val="dk2"/>
+              </a:buClr>
+              <a:buSzPts val="1600"/>
+              <a:buFont typeface="Roboto"/>
+              <a:buChar char="●"/>
+              <a:defRPr sz="1200" b="0" i="0" u="none" strike="noStrike" cap="none">
                 <a:solidFill>
-                  <a:schemeClr val="accent1"/>
+                  <a:schemeClr val="dk1"/>
                 </a:solidFill>
-              </a14:hiddenFill>
-            </a:ext>
-            <a:ext uri="{91240B29-F687-4F45-9708-019B960494DF}">
-              <a14:hiddenLine xmlns:a14="http://schemas.microsoft.com/office/drawing/2010/main" w="9525">
+                <a:latin typeface="Roboto"/>
+                <a:ea typeface="Roboto"/>
+                <a:cs typeface="Roboto"/>
+                <a:sym typeface="Roboto"/>
+              </a:defRPr>
+            </a:lvl1pPr>
+            <a:lvl2pPr marL="914400" marR="0" lvl="1" indent="-330200" algn="l" rtl="0">
+              <a:lnSpc>
+                <a:spcPct val="115000"/>
+              </a:lnSpc>
+              <a:spcBef>
+                <a:spcPts val="1600"/>
+              </a:spcBef>
+              <a:spcAft>
+                <a:spcPts val="0"/>
+              </a:spcAft>
+              <a:buClr>
+                <a:schemeClr val="dk1"/>
+              </a:buClr>
+              <a:buSzPts val="1600"/>
+              <a:buFont typeface="Roboto"/>
+              <a:buChar char="○"/>
+              <a:defRPr sz="1600" b="0" i="0" u="none" strike="noStrike" cap="none">
                 <a:solidFill>
-                  <a:schemeClr val="tx1"/>
+                  <a:schemeClr val="dk1"/>
                 </a:solidFill>
-                <a:miter lim="800000"/>
-                <a:headEnd/>
-                <a:tailEnd/>
-              </a14:hiddenLine>
-            </a:ext>
-            <a:ext uri="{AF507438-7753-43E0-B8FC-AC1667EBCBE1}">
-              <a14:hiddenEffects xmlns:a14="http://schemas.microsoft.com/office/drawing/2010/main">
-                <a:effectLst>
-                  <a:outerShdw dist="35921" dir="2700000" algn="ctr" rotWithShape="0">
-                    <a:schemeClr val="bg2"/>
-                  </a:outerShdw>
-                </a:effectLst>
-              </a14:hiddenEffects>
-            </a:ext>
-          </a:extLst>
-        </p:spPr>
-      </p:pic>
-      <p:pic>
-        <p:nvPicPr>
-          <p:cNvPr id="4100" name="Picture 4"/>
-          <p:cNvPicPr>
-            <a:picLocks noChangeAspect="1" noChangeArrowheads="1"/>
-          </p:cNvPicPr>
+                <a:latin typeface="Roboto"/>
+                <a:ea typeface="Roboto"/>
+                <a:cs typeface="Roboto"/>
+                <a:sym typeface="Roboto"/>
+              </a:defRPr>
+            </a:lvl2pPr>
+            <a:lvl3pPr marL="1371600" marR="0" lvl="2" indent="-330200" algn="l" rtl="0">
+              <a:lnSpc>
+                <a:spcPct val="115000"/>
+              </a:lnSpc>
+              <a:spcBef>
+                <a:spcPts val="1600"/>
+              </a:spcBef>
+              <a:spcAft>
+                <a:spcPts val="0"/>
+              </a:spcAft>
+              <a:buClr>
+                <a:schemeClr val="dk1"/>
+              </a:buClr>
+              <a:buSzPts val="1600"/>
+              <a:buFont typeface="Roboto"/>
+              <a:buChar char="■"/>
+              <a:defRPr sz="1600" b="0" i="0" u="none" strike="noStrike" cap="none">
+                <a:solidFill>
+                  <a:schemeClr val="dk1"/>
+                </a:solidFill>
+                <a:latin typeface="Roboto"/>
+                <a:ea typeface="Roboto"/>
+                <a:cs typeface="Roboto"/>
+                <a:sym typeface="Roboto"/>
+              </a:defRPr>
+            </a:lvl3pPr>
+            <a:lvl4pPr marL="1828800" marR="0" lvl="3" indent="-330200" algn="l" rtl="0">
+              <a:lnSpc>
+                <a:spcPct val="115000"/>
+              </a:lnSpc>
+              <a:spcBef>
+                <a:spcPts val="1600"/>
+              </a:spcBef>
+              <a:spcAft>
+                <a:spcPts val="0"/>
+              </a:spcAft>
+              <a:buClr>
+                <a:schemeClr val="dk1"/>
+              </a:buClr>
+              <a:buSzPts val="1600"/>
+              <a:buFont typeface="Roboto"/>
+              <a:buChar char="●"/>
+              <a:defRPr sz="1600" b="0" i="0" u="none" strike="noStrike" cap="none">
+                <a:solidFill>
+                  <a:schemeClr val="dk1"/>
+                </a:solidFill>
+                <a:latin typeface="Roboto"/>
+                <a:ea typeface="Roboto"/>
+                <a:cs typeface="Roboto"/>
+                <a:sym typeface="Roboto"/>
+              </a:defRPr>
+            </a:lvl4pPr>
+            <a:lvl5pPr marL="2286000" marR="0" lvl="4" indent="-330200" algn="l" rtl="0">
+              <a:lnSpc>
+                <a:spcPct val="115000"/>
+              </a:lnSpc>
+              <a:spcBef>
+                <a:spcPts val="1600"/>
+              </a:spcBef>
+              <a:spcAft>
+                <a:spcPts val="0"/>
+              </a:spcAft>
+              <a:buClr>
+                <a:schemeClr val="dk1"/>
+              </a:buClr>
+              <a:buSzPts val="1600"/>
+              <a:buFont typeface="Roboto"/>
+              <a:buChar char="○"/>
+              <a:defRPr sz="1600" b="0" i="0" u="none" strike="noStrike" cap="none">
+                <a:solidFill>
+                  <a:schemeClr val="dk1"/>
+                </a:solidFill>
+                <a:latin typeface="Roboto"/>
+                <a:ea typeface="Roboto"/>
+                <a:cs typeface="Roboto"/>
+                <a:sym typeface="Roboto"/>
+              </a:defRPr>
+            </a:lvl5pPr>
+            <a:lvl6pPr marL="2743200" marR="0" lvl="5" indent="-330200" algn="l" rtl="0">
+              <a:lnSpc>
+                <a:spcPct val="115000"/>
+              </a:lnSpc>
+              <a:spcBef>
+                <a:spcPts val="1600"/>
+              </a:spcBef>
+              <a:spcAft>
+                <a:spcPts val="0"/>
+              </a:spcAft>
+              <a:buClr>
+                <a:schemeClr val="dk1"/>
+              </a:buClr>
+              <a:buSzPts val="1600"/>
+              <a:buFont typeface="Roboto"/>
+              <a:buChar char="■"/>
+              <a:defRPr sz="1600" b="0" i="0" u="none" strike="noStrike" cap="none">
+                <a:solidFill>
+                  <a:schemeClr val="dk1"/>
+                </a:solidFill>
+                <a:latin typeface="Roboto"/>
+                <a:ea typeface="Roboto"/>
+                <a:cs typeface="Roboto"/>
+                <a:sym typeface="Roboto"/>
+              </a:defRPr>
+            </a:lvl6pPr>
+            <a:lvl7pPr marL="3200400" marR="0" lvl="6" indent="-330200" algn="l" rtl="0">
+              <a:lnSpc>
+                <a:spcPct val="115000"/>
+              </a:lnSpc>
+              <a:spcBef>
+                <a:spcPts val="1600"/>
+              </a:spcBef>
+              <a:spcAft>
+                <a:spcPts val="0"/>
+              </a:spcAft>
+              <a:buClr>
+                <a:schemeClr val="dk1"/>
+              </a:buClr>
+              <a:buSzPts val="1600"/>
+              <a:buFont typeface="Roboto"/>
+              <a:buChar char="●"/>
+              <a:defRPr sz="1600" b="0" i="0" u="none" strike="noStrike" cap="none">
+                <a:solidFill>
+                  <a:schemeClr val="dk1"/>
+                </a:solidFill>
+                <a:latin typeface="Roboto"/>
+                <a:ea typeface="Roboto"/>
+                <a:cs typeface="Roboto"/>
+                <a:sym typeface="Roboto"/>
+              </a:defRPr>
+            </a:lvl7pPr>
+            <a:lvl8pPr marL="3657600" marR="0" lvl="7" indent="-330200" algn="l" rtl="0">
+              <a:lnSpc>
+                <a:spcPct val="115000"/>
+              </a:lnSpc>
+              <a:spcBef>
+                <a:spcPts val="1600"/>
+              </a:spcBef>
+              <a:spcAft>
+                <a:spcPts val="0"/>
+              </a:spcAft>
+              <a:buClr>
+                <a:schemeClr val="dk1"/>
+              </a:buClr>
+              <a:buSzPts val="1600"/>
+              <a:buFont typeface="Roboto"/>
+              <a:buChar char="○"/>
+              <a:defRPr sz="1600" b="0" i="0" u="none" strike="noStrike" cap="none">
+                <a:solidFill>
+                  <a:schemeClr val="dk1"/>
+                </a:solidFill>
+                <a:latin typeface="Roboto"/>
+                <a:ea typeface="Roboto"/>
+                <a:cs typeface="Roboto"/>
+                <a:sym typeface="Roboto"/>
+              </a:defRPr>
+            </a:lvl8pPr>
+            <a:lvl9pPr marL="4114800" marR="0" lvl="8" indent="-330200" algn="l" rtl="0">
+              <a:lnSpc>
+                <a:spcPct val="115000"/>
+              </a:lnSpc>
+              <a:spcBef>
+                <a:spcPts val="1600"/>
+              </a:spcBef>
+              <a:spcAft>
+                <a:spcPts val="1600"/>
+              </a:spcAft>
+              <a:buClr>
+                <a:schemeClr val="dk1"/>
+              </a:buClr>
+              <a:buSzPts val="1600"/>
+              <a:buFont typeface="Roboto"/>
+              <a:buChar char="■"/>
+              <a:defRPr sz="1600" b="0" i="0" u="none" strike="noStrike" cap="none">
+                <a:solidFill>
+                  <a:schemeClr val="dk1"/>
+                </a:solidFill>
+                <a:latin typeface="Roboto"/>
+                <a:ea typeface="Roboto"/>
+                <a:cs typeface="Roboto"/>
+                <a:sym typeface="Roboto"/>
+              </a:defRPr>
+            </a:lvl9pPr>
+          </a:lstStyle>
+          <a:p>
+            <a:pPr marL="127000" indent="0">
+              <a:buNone/>
+            </a:pPr>
+            <a:r>
+              <a:rPr lang="es-ES" sz="1800" dirty="0" err="1" smtClean="0">
+                <a:latin typeface="Bebas Neue" charset="0"/>
+              </a:rPr>
+              <a:t>Activation</a:t>
+            </a:r>
+            <a:r>
+              <a:rPr lang="es-ES" sz="1800" dirty="0" smtClean="0">
+                <a:latin typeface="Bebas Neue" charset="0"/>
+              </a:rPr>
+              <a:t> </a:t>
+            </a:r>
+            <a:r>
+              <a:rPr lang="es-ES" sz="1800" dirty="0">
+                <a:latin typeface="Bebas Neue" charset="0"/>
+              </a:rPr>
+              <a:t>LOGARITHM </a:t>
+            </a:r>
+          </a:p>
+          <a:p>
+            <a:pPr marL="127000" indent="0">
+              <a:buFont typeface="Roboto"/>
+              <a:buNone/>
+            </a:pPr>
+            <a:endParaRPr lang="es-ES" sz="1800" dirty="0" smtClean="0">
+              <a:latin typeface="Bebas Neue" charset="0"/>
+            </a:endParaRPr>
+          </a:p>
+          <a:p>
+            <a:pPr marL="127000" indent="0">
+              <a:buFont typeface="Roboto"/>
+              <a:buNone/>
+            </a:pPr>
+            <a:r>
+              <a:rPr lang="es-ES" dirty="0" smtClean="0"/>
+              <a:t>	</a:t>
+            </a:r>
+            <a:endParaRPr lang="es-ES" dirty="0"/>
+          </a:p>
+        </p:txBody>
+      </p:sp>
+      <p:sp>
+        <p:nvSpPr>
+          <p:cNvPr id="8" name="12 Marcador de texto"/>
+          <p:cNvSpPr txBox="1">
+            <a:spLocks/>
+          </p:cNvSpPr>
           <p:nvPr/>
-        </p:nvPicPr>
-        <p:blipFill>
-          <a:blip r:embed="rId4">
-            <a:extLst>
-              <a:ext uri="{28A0092B-C50C-407E-A947-70E740481C1C}">
-                <a14:useLocalDpi xmlns:a14="http://schemas.microsoft.com/office/drawing/2010/main" val="0"/>
-              </a:ext>
-            </a:extLst>
-          </a:blip>
-          <a:srcRect/>
-          <a:stretch>
-            <a:fillRect/>
-          </a:stretch>
-        </p:blipFill>
-        <p:spPr bwMode="auto">
+        </p:nvSpPr>
+        <p:spPr>
           <a:xfrm>
-            <a:off x="897782" y="2943376"/>
-            <a:ext cx="3078032" cy="1834609"/>
+            <a:off x="782345" y="3076118"/>
+            <a:ext cx="7704000" cy="373710"/>
           </a:xfrm>
           <a:prstGeom prst="rect">
             <a:avLst/>
@@ -38083,105 +38994,407 @@
           <a:ln>
             <a:noFill/>
           </a:ln>
-          <a:effectLst/>
-          <a:extLst>
-            <a:ext uri="{909E8E84-426E-40DD-AFC4-6F175D3DCCD1}">
-              <a14:hiddenFill xmlns:a14="http://schemas.microsoft.com/office/drawing/2010/main">
+        </p:spPr>
+        <p:txBody>
+          <a:bodyPr spcFirstLastPara="1" wrap="square" lIns="0" tIns="0" rIns="0" bIns="0" anchor="t" anchorCtr="0">
+            <a:noAutofit/>
+          </a:bodyPr>
+          <a:lstStyle>
+            <a:defPPr marR="0" lvl="0" algn="l" rtl="0">
+              <a:lnSpc>
+                <a:spcPct val="100000"/>
+              </a:lnSpc>
+              <a:spcBef>
+                <a:spcPts val="0"/>
+              </a:spcBef>
+              <a:spcAft>
+                <a:spcPts val="0"/>
+              </a:spcAft>
+            </a:defPPr>
+            <a:lvl1pPr marL="457200" marR="0" lvl="0" indent="-330200" algn="l" rtl="0">
+              <a:lnSpc>
+                <a:spcPct val="100000"/>
+              </a:lnSpc>
+              <a:spcBef>
+                <a:spcPts val="0"/>
+              </a:spcBef>
+              <a:spcAft>
+                <a:spcPts val="0"/>
+              </a:spcAft>
+              <a:buClr>
+                <a:schemeClr val="dk2"/>
+              </a:buClr>
+              <a:buSzPts val="1600"/>
+              <a:buFont typeface="Roboto"/>
+              <a:buChar char="●"/>
+              <a:defRPr sz="1200" b="0" i="0" u="none" strike="noStrike" cap="none">
                 <a:solidFill>
-                  <a:schemeClr val="accent1"/>
+                  <a:schemeClr val="dk1"/>
                 </a:solidFill>
-              </a14:hiddenFill>
-            </a:ext>
-            <a:ext uri="{91240B29-F687-4F45-9708-019B960494DF}">
-              <a14:hiddenLine xmlns:a14="http://schemas.microsoft.com/office/drawing/2010/main" w="9525">
+                <a:latin typeface="Roboto"/>
+                <a:ea typeface="Roboto"/>
+                <a:cs typeface="Roboto"/>
+                <a:sym typeface="Roboto"/>
+              </a:defRPr>
+            </a:lvl1pPr>
+            <a:lvl2pPr marL="914400" marR="0" lvl="1" indent="-330200" algn="l" rtl="0">
+              <a:lnSpc>
+                <a:spcPct val="115000"/>
+              </a:lnSpc>
+              <a:spcBef>
+                <a:spcPts val="1600"/>
+              </a:spcBef>
+              <a:spcAft>
+                <a:spcPts val="0"/>
+              </a:spcAft>
+              <a:buClr>
+                <a:schemeClr val="dk1"/>
+              </a:buClr>
+              <a:buSzPts val="1600"/>
+              <a:buFont typeface="Roboto"/>
+              <a:buChar char="○"/>
+              <a:defRPr sz="1600" b="0" i="0" u="none" strike="noStrike" cap="none">
                 <a:solidFill>
-                  <a:schemeClr val="tx1"/>
+                  <a:schemeClr val="dk1"/>
                 </a:solidFill>
-                <a:miter lim="800000"/>
-                <a:headEnd/>
-                <a:tailEnd/>
-              </a14:hiddenLine>
-            </a:ext>
-            <a:ext uri="{AF507438-7753-43E0-B8FC-AC1667EBCBE1}">
-              <a14:hiddenEffects xmlns:a14="http://schemas.microsoft.com/office/drawing/2010/main">
-                <a:effectLst>
-                  <a:outerShdw dist="35921" dir="2700000" algn="ctr" rotWithShape="0">
-                    <a:schemeClr val="bg2"/>
-                  </a:outerShdw>
-                </a:effectLst>
-              </a14:hiddenEffects>
-            </a:ext>
-          </a:extLst>
-        </p:spPr>
-      </p:pic>
-      <p:pic>
-        <p:nvPicPr>
-          <p:cNvPr id="4101" name="Picture 5"/>
-          <p:cNvPicPr>
-            <a:picLocks noChangeAspect="1" noChangeArrowheads="1"/>
-          </p:cNvPicPr>
-          <p:nvPr/>
-        </p:nvPicPr>
-        <p:blipFill>
-          <a:blip r:embed="rId5">
-            <a:extLst>
-              <a:ext uri="{28A0092B-C50C-407E-A947-70E740481C1C}">
-                <a14:useLocalDpi xmlns:a14="http://schemas.microsoft.com/office/drawing/2010/main" val="0"/>
-              </a:ext>
-            </a:extLst>
-          </a:blip>
-          <a:srcRect/>
-          <a:stretch>
-            <a:fillRect/>
-          </a:stretch>
-        </p:blipFill>
-        <p:spPr bwMode="auto">
-          <a:xfrm>
-            <a:off x="4922083" y="2943376"/>
-            <a:ext cx="2960390" cy="1834609"/>
-          </a:xfrm>
-          <a:prstGeom prst="rect">
-            <a:avLst/>
-          </a:prstGeom>
-          <a:noFill/>
-          <a:ln>
-            <a:noFill/>
-          </a:ln>
-          <a:effectLst/>
-          <a:extLst>
-            <a:ext uri="{909E8E84-426E-40DD-AFC4-6F175D3DCCD1}">
-              <a14:hiddenFill xmlns:a14="http://schemas.microsoft.com/office/drawing/2010/main">
+                <a:latin typeface="Roboto"/>
+                <a:ea typeface="Roboto"/>
+                <a:cs typeface="Roboto"/>
+                <a:sym typeface="Roboto"/>
+              </a:defRPr>
+            </a:lvl2pPr>
+            <a:lvl3pPr marL="1371600" marR="0" lvl="2" indent="-330200" algn="l" rtl="0">
+              <a:lnSpc>
+                <a:spcPct val="115000"/>
+              </a:lnSpc>
+              <a:spcBef>
+                <a:spcPts val="1600"/>
+              </a:spcBef>
+              <a:spcAft>
+                <a:spcPts val="0"/>
+              </a:spcAft>
+              <a:buClr>
+                <a:schemeClr val="dk1"/>
+              </a:buClr>
+              <a:buSzPts val="1600"/>
+              <a:buFont typeface="Roboto"/>
+              <a:buChar char="■"/>
+              <a:defRPr sz="1600" b="0" i="0" u="none" strike="noStrike" cap="none">
                 <a:solidFill>
-                  <a:schemeClr val="accent1"/>
+                  <a:schemeClr val="dk1"/>
                 </a:solidFill>
-              </a14:hiddenFill>
-            </a:ext>
-            <a:ext uri="{91240B29-F687-4F45-9708-019B960494DF}">
-              <a14:hiddenLine xmlns:a14="http://schemas.microsoft.com/office/drawing/2010/main" w="9525">
+                <a:latin typeface="Roboto"/>
+                <a:ea typeface="Roboto"/>
+                <a:cs typeface="Roboto"/>
+                <a:sym typeface="Roboto"/>
+              </a:defRPr>
+            </a:lvl3pPr>
+            <a:lvl4pPr marL="1828800" marR="0" lvl="3" indent="-330200" algn="l" rtl="0">
+              <a:lnSpc>
+                <a:spcPct val="115000"/>
+              </a:lnSpc>
+              <a:spcBef>
+                <a:spcPts val="1600"/>
+              </a:spcBef>
+              <a:spcAft>
+                <a:spcPts val="0"/>
+              </a:spcAft>
+              <a:buClr>
+                <a:schemeClr val="dk1"/>
+              </a:buClr>
+              <a:buSzPts val="1600"/>
+              <a:buFont typeface="Roboto"/>
+              <a:buChar char="●"/>
+              <a:defRPr sz="1600" b="0" i="0" u="none" strike="noStrike" cap="none">
                 <a:solidFill>
-                  <a:schemeClr val="tx1"/>
+                  <a:schemeClr val="dk1"/>
                 </a:solidFill>
-                <a:miter lim="800000"/>
-                <a:headEnd/>
-                <a:tailEnd/>
-              </a14:hiddenLine>
-            </a:ext>
-            <a:ext uri="{AF507438-7753-43E0-B8FC-AC1667EBCBE1}">
-              <a14:hiddenEffects xmlns:a14="http://schemas.microsoft.com/office/drawing/2010/main">
-                <a:effectLst>
-                  <a:outerShdw dist="35921" dir="2700000" algn="ctr" rotWithShape="0">
-                    <a:schemeClr val="bg2"/>
-                  </a:outerShdw>
-                </a:effectLst>
-              </a14:hiddenEffects>
-            </a:ext>
-          </a:extLst>
-        </p:spPr>
-      </p:pic>
+                <a:latin typeface="Roboto"/>
+                <a:ea typeface="Roboto"/>
+                <a:cs typeface="Roboto"/>
+                <a:sym typeface="Roboto"/>
+              </a:defRPr>
+            </a:lvl4pPr>
+            <a:lvl5pPr marL="2286000" marR="0" lvl="4" indent="-330200" algn="l" rtl="0">
+              <a:lnSpc>
+                <a:spcPct val="115000"/>
+              </a:lnSpc>
+              <a:spcBef>
+                <a:spcPts val="1600"/>
+              </a:spcBef>
+              <a:spcAft>
+                <a:spcPts val="0"/>
+              </a:spcAft>
+              <a:buClr>
+                <a:schemeClr val="dk1"/>
+              </a:buClr>
+              <a:buSzPts val="1600"/>
+              <a:buFont typeface="Roboto"/>
+              <a:buChar char="○"/>
+              <a:defRPr sz="1600" b="0" i="0" u="none" strike="noStrike" cap="none">
+                <a:solidFill>
+                  <a:schemeClr val="dk1"/>
+                </a:solidFill>
+                <a:latin typeface="Roboto"/>
+                <a:ea typeface="Roboto"/>
+                <a:cs typeface="Roboto"/>
+                <a:sym typeface="Roboto"/>
+              </a:defRPr>
+            </a:lvl5pPr>
+            <a:lvl6pPr marL="2743200" marR="0" lvl="5" indent="-330200" algn="l" rtl="0">
+              <a:lnSpc>
+                <a:spcPct val="115000"/>
+              </a:lnSpc>
+              <a:spcBef>
+                <a:spcPts val="1600"/>
+              </a:spcBef>
+              <a:spcAft>
+                <a:spcPts val="0"/>
+              </a:spcAft>
+              <a:buClr>
+                <a:schemeClr val="dk1"/>
+              </a:buClr>
+              <a:buSzPts val="1600"/>
+              <a:buFont typeface="Roboto"/>
+              <a:buChar char="■"/>
+              <a:defRPr sz="1600" b="0" i="0" u="none" strike="noStrike" cap="none">
+                <a:solidFill>
+                  <a:schemeClr val="dk1"/>
+                </a:solidFill>
+                <a:latin typeface="Roboto"/>
+                <a:ea typeface="Roboto"/>
+                <a:cs typeface="Roboto"/>
+                <a:sym typeface="Roboto"/>
+              </a:defRPr>
+            </a:lvl6pPr>
+            <a:lvl7pPr marL="3200400" marR="0" lvl="6" indent="-330200" algn="l" rtl="0">
+              <a:lnSpc>
+                <a:spcPct val="115000"/>
+              </a:lnSpc>
+              <a:spcBef>
+                <a:spcPts val="1600"/>
+              </a:spcBef>
+              <a:spcAft>
+                <a:spcPts val="0"/>
+              </a:spcAft>
+              <a:buClr>
+                <a:schemeClr val="dk1"/>
+              </a:buClr>
+              <a:buSzPts val="1600"/>
+              <a:buFont typeface="Roboto"/>
+              <a:buChar char="●"/>
+              <a:defRPr sz="1600" b="0" i="0" u="none" strike="noStrike" cap="none">
+                <a:solidFill>
+                  <a:schemeClr val="dk1"/>
+                </a:solidFill>
+                <a:latin typeface="Roboto"/>
+                <a:ea typeface="Roboto"/>
+                <a:cs typeface="Roboto"/>
+                <a:sym typeface="Roboto"/>
+              </a:defRPr>
+            </a:lvl7pPr>
+            <a:lvl8pPr marL="3657600" marR="0" lvl="7" indent="-330200" algn="l" rtl="0">
+              <a:lnSpc>
+                <a:spcPct val="115000"/>
+              </a:lnSpc>
+              <a:spcBef>
+                <a:spcPts val="1600"/>
+              </a:spcBef>
+              <a:spcAft>
+                <a:spcPts val="0"/>
+              </a:spcAft>
+              <a:buClr>
+                <a:schemeClr val="dk1"/>
+              </a:buClr>
+              <a:buSzPts val="1600"/>
+              <a:buFont typeface="Roboto"/>
+              <a:buChar char="○"/>
+              <a:defRPr sz="1600" b="0" i="0" u="none" strike="noStrike" cap="none">
+                <a:solidFill>
+                  <a:schemeClr val="dk1"/>
+                </a:solidFill>
+                <a:latin typeface="Roboto"/>
+                <a:ea typeface="Roboto"/>
+                <a:cs typeface="Roboto"/>
+                <a:sym typeface="Roboto"/>
+              </a:defRPr>
+            </a:lvl8pPr>
+            <a:lvl9pPr marL="4114800" marR="0" lvl="8" indent="-330200" algn="l" rtl="0">
+              <a:lnSpc>
+                <a:spcPct val="115000"/>
+              </a:lnSpc>
+              <a:spcBef>
+                <a:spcPts val="1600"/>
+              </a:spcBef>
+              <a:spcAft>
+                <a:spcPts val="1600"/>
+              </a:spcAft>
+              <a:buClr>
+                <a:schemeClr val="dk1"/>
+              </a:buClr>
+              <a:buSzPts val="1600"/>
+              <a:buFont typeface="Roboto"/>
+              <a:buChar char="■"/>
+              <a:defRPr sz="1600" b="0" i="0" u="none" strike="noStrike" cap="none">
+                <a:solidFill>
+                  <a:schemeClr val="dk1"/>
+                </a:solidFill>
+                <a:latin typeface="Roboto"/>
+                <a:ea typeface="Roboto"/>
+                <a:cs typeface="Roboto"/>
+                <a:sym typeface="Roboto"/>
+              </a:defRPr>
+            </a:lvl9pPr>
+          </a:lstStyle>
+          <a:p>
+            <a:pPr marL="127000" indent="0">
+              <a:buFont typeface="Roboto"/>
+              <a:buNone/>
+            </a:pPr>
+            <a:endParaRPr lang="es-ES" dirty="0" smtClean="0"/>
+          </a:p>
+          <a:p>
+            <a:pPr marL="127000" indent="0">
+              <a:buFont typeface="Roboto"/>
+              <a:buNone/>
+            </a:pPr>
+            <a:r>
+              <a:rPr lang="es-ES" dirty="0" err="1" smtClean="0"/>
+              <a:t>After</a:t>
+            </a:r>
+            <a:r>
+              <a:rPr lang="es-ES" dirty="0" smtClean="0"/>
+              <a:t> </a:t>
+            </a:r>
+            <a:r>
+              <a:rPr lang="es-ES" dirty="0" err="1" smtClean="0"/>
+              <a:t>seeing</a:t>
+            </a:r>
+            <a:r>
+              <a:rPr lang="es-ES" dirty="0" smtClean="0"/>
+              <a:t> </a:t>
+            </a:r>
+            <a:r>
+              <a:rPr lang="es-ES" dirty="0" err="1" smtClean="0"/>
+              <a:t>all</a:t>
+            </a:r>
+            <a:r>
+              <a:rPr lang="es-ES" dirty="0" smtClean="0"/>
+              <a:t> </a:t>
+            </a:r>
+            <a:r>
+              <a:rPr lang="es-ES" dirty="0" err="1" smtClean="0"/>
+              <a:t>possible</a:t>
+            </a:r>
+            <a:r>
+              <a:rPr lang="es-ES" dirty="0" smtClean="0"/>
+              <a:t> </a:t>
+            </a:r>
+            <a:r>
+              <a:rPr lang="es-ES" dirty="0" err="1" smtClean="0"/>
+              <a:t>plots</a:t>
+            </a:r>
+            <a:r>
+              <a:rPr lang="es-ES" dirty="0" smtClean="0"/>
+              <a:t>, </a:t>
+            </a:r>
+            <a:r>
+              <a:rPr lang="es-ES" dirty="0" err="1" smtClean="0"/>
+              <a:t>we</a:t>
+            </a:r>
+            <a:r>
+              <a:rPr lang="es-ES" dirty="0" smtClean="0"/>
+              <a:t> </a:t>
+            </a:r>
+            <a:r>
+              <a:rPr lang="es-ES" dirty="0" err="1" smtClean="0"/>
+              <a:t>choose</a:t>
+            </a:r>
+            <a:r>
+              <a:rPr lang="es-ES" dirty="0" smtClean="0"/>
+              <a:t> </a:t>
+            </a:r>
+            <a:r>
+              <a:rPr lang="es-ES" dirty="0" err="1" smtClean="0"/>
+              <a:t>the</a:t>
+            </a:r>
+            <a:r>
+              <a:rPr lang="es-ES" dirty="0" smtClean="0"/>
+              <a:t> </a:t>
+            </a:r>
+            <a:r>
+              <a:rPr lang="es-ES" dirty="0" err="1" smtClean="0"/>
+              <a:t>one</a:t>
+            </a:r>
+            <a:r>
+              <a:rPr lang="es-ES" dirty="0" smtClean="0"/>
+              <a:t> </a:t>
+            </a:r>
+            <a:r>
+              <a:rPr lang="es-ES" dirty="0" err="1" smtClean="0"/>
+              <a:t>which</a:t>
+            </a:r>
+            <a:r>
+              <a:rPr lang="es-ES" dirty="0"/>
+              <a:t> </a:t>
+            </a:r>
+            <a:r>
+              <a:rPr lang="es-ES" dirty="0" err="1" smtClean="0"/>
+              <a:t>adapts</a:t>
+            </a:r>
+            <a:r>
+              <a:rPr lang="es-ES" dirty="0" smtClean="0"/>
+              <a:t> </a:t>
+            </a:r>
+            <a:r>
+              <a:rPr lang="es-ES" dirty="0" err="1" smtClean="0"/>
+              <a:t>better</a:t>
+            </a:r>
+            <a:r>
+              <a:rPr lang="es-ES" dirty="0" smtClean="0"/>
+              <a:t> to </a:t>
+            </a:r>
+            <a:r>
+              <a:rPr lang="es-ES" dirty="0" err="1" smtClean="0"/>
+              <a:t>our</a:t>
+            </a:r>
+            <a:r>
+              <a:rPr lang="es-ES" dirty="0" smtClean="0"/>
+              <a:t> </a:t>
+            </a:r>
+            <a:r>
+              <a:rPr lang="es-ES" dirty="0" err="1" smtClean="0"/>
+              <a:t>requirements</a:t>
+            </a:r>
+            <a:r>
+              <a:rPr lang="es-ES" dirty="0" smtClean="0"/>
+              <a:t>.</a:t>
+            </a:r>
+          </a:p>
+          <a:p>
+            <a:pPr marL="127000" indent="0">
+              <a:buFont typeface="Roboto"/>
+              <a:buNone/>
+            </a:pPr>
+            <a:endParaRPr lang="es-ES" dirty="0" smtClean="0"/>
+          </a:p>
+          <a:p>
+            <a:pPr marL="127000" indent="0">
+              <a:buFont typeface="Roboto"/>
+              <a:buNone/>
+            </a:pPr>
+            <a:r>
+              <a:rPr lang="es-ES" dirty="0" smtClean="0"/>
+              <a:t>	</a:t>
+            </a:r>
+            <a:endParaRPr lang="es-ES" dirty="0"/>
+          </a:p>
+        </p:txBody>
+      </p:sp>
     </p:spTree>
     <p:extLst>
       <p:ext uri="{BB962C8B-B14F-4D97-AF65-F5344CB8AC3E}">
-        <p14:creationId xmlns:p14="http://schemas.microsoft.com/office/powerpoint/2010/main" val="3519841439"/>
+        <p14:creationId xmlns:p14="http://schemas.microsoft.com/office/powerpoint/2010/main" val="4019915314"/>
       </p:ext>
     </p:extLst>
   </p:cSld>
@@ -38237,6 +39450,14 @@
           <a:p>
             <a:r>
               <a:rPr lang="es-ES" dirty="0" err="1" smtClean="0"/>
+              <a:t>Activation</a:t>
+            </a:r>
+            <a:r>
+              <a:rPr lang="es-ES" dirty="0" smtClean="0"/>
+              <a:t> </a:t>
+            </a:r>
+            <a:r>
+              <a:rPr lang="es-ES" dirty="0" err="1" smtClean="0"/>
               <a:t>elliott</a:t>
             </a:r>
             <a:r>
@@ -38253,7 +39474,7 @@
       </p:sp>
       <p:pic>
         <p:nvPicPr>
-          <p:cNvPr id="5122" name="Picture 2"/>
+          <p:cNvPr id="7" name="Picture 2"/>
           <p:cNvPicPr>
             <a:picLocks noChangeAspect="1" noChangeArrowheads="1"/>
           </p:cNvPicPr>
@@ -38274,8 +39495,8 @@
         </p:blipFill>
         <p:spPr bwMode="auto">
           <a:xfrm>
-            <a:off x="1069367" y="879051"/>
-            <a:ext cx="2915996" cy="1834608"/>
+            <a:off x="439948" y="832799"/>
+            <a:ext cx="3985403" cy="1915838"/>
           </a:xfrm>
           <a:prstGeom prst="rect">
             <a:avLst/>
@@ -38284,7 +39505,6 @@
           <a:ln>
             <a:noFill/>
           </a:ln>
-          <a:effectLst/>
           <a:extLst>
             <a:ext uri="{909E8E84-426E-40DD-AFC4-6F175D3DCCD1}">
               <a14:hiddenFill xmlns:a14="http://schemas.microsoft.com/office/drawing/2010/main">
@@ -38303,21 +39523,12 @@
                 <a:tailEnd/>
               </a14:hiddenLine>
             </a:ext>
-            <a:ext uri="{AF507438-7753-43E0-B8FC-AC1667EBCBE1}">
-              <a14:hiddenEffects xmlns:a14="http://schemas.microsoft.com/office/drawing/2010/main">
-                <a:effectLst>
-                  <a:outerShdw dist="35921" dir="2700000" algn="ctr" rotWithShape="0">
-                    <a:schemeClr val="bg2"/>
-                  </a:outerShdw>
-                </a:effectLst>
-              </a14:hiddenEffects>
-            </a:ext>
           </a:extLst>
         </p:spPr>
       </p:pic>
       <p:pic>
         <p:nvPicPr>
-          <p:cNvPr id="5123" name="Picture 3"/>
+          <p:cNvPr id="2050" name="Picture 2"/>
           <p:cNvPicPr>
             <a:picLocks noChangeAspect="1" noChangeArrowheads="1"/>
           </p:cNvPicPr>
@@ -38338,8 +39549,8 @@
         </p:blipFill>
         <p:spPr bwMode="auto">
           <a:xfrm>
-            <a:off x="4664622" y="879050"/>
-            <a:ext cx="2932937" cy="1834607"/>
+            <a:off x="4710021" y="832798"/>
+            <a:ext cx="3985403" cy="1915837"/>
           </a:xfrm>
           <a:prstGeom prst="rect">
             <a:avLst/>
@@ -38348,7 +39559,6 @@
           <a:ln>
             <a:noFill/>
           </a:ln>
-          <a:effectLst/>
           <a:extLst>
             <a:ext uri="{909E8E84-426E-40DD-AFC4-6F175D3DCCD1}">
               <a14:hiddenFill xmlns:a14="http://schemas.microsoft.com/office/drawing/2010/main">
@@ -38367,21 +39577,12 @@
                 <a:tailEnd/>
               </a14:hiddenLine>
             </a:ext>
-            <a:ext uri="{AF507438-7753-43E0-B8FC-AC1667EBCBE1}">
-              <a14:hiddenEffects xmlns:a14="http://schemas.microsoft.com/office/drawing/2010/main">
-                <a:effectLst>
-                  <a:outerShdw dist="35921" dir="2700000" algn="ctr" rotWithShape="0">
-                    <a:schemeClr val="bg2"/>
-                  </a:outerShdw>
-                </a:effectLst>
-              </a14:hiddenEffects>
-            </a:ext>
           </a:extLst>
         </p:spPr>
       </p:pic>
       <p:pic>
         <p:nvPicPr>
-          <p:cNvPr id="5124" name="Picture 4"/>
+          <p:cNvPr id="2051" name="Picture 3"/>
           <p:cNvPicPr>
             <a:picLocks noChangeAspect="1" noChangeArrowheads="1"/>
           </p:cNvPicPr>
@@ -38402,8 +39603,8 @@
         </p:blipFill>
         <p:spPr bwMode="auto">
           <a:xfrm>
-            <a:off x="2773475" y="2910932"/>
-            <a:ext cx="3095327" cy="1834606"/>
+            <a:off x="439947" y="2911763"/>
+            <a:ext cx="3985404" cy="1915838"/>
           </a:xfrm>
           <a:prstGeom prst="rect">
             <a:avLst/>
@@ -38412,7 +39613,6 @@
           <a:ln>
             <a:noFill/>
           </a:ln>
-          <a:effectLst/>
           <a:extLst>
             <a:ext uri="{909E8E84-426E-40DD-AFC4-6F175D3DCCD1}">
               <a14:hiddenFill xmlns:a14="http://schemas.microsoft.com/office/drawing/2010/main">
@@ -38431,14 +39631,302 @@
                 <a:tailEnd/>
               </a14:hiddenLine>
             </a:ext>
-            <a:ext uri="{AF507438-7753-43E0-B8FC-AC1667EBCBE1}">
-              <a14:hiddenEffects xmlns:a14="http://schemas.microsoft.com/office/drawing/2010/main">
-                <a:effectLst>
-                  <a:outerShdw dist="35921" dir="2700000" algn="ctr" rotWithShape="0">
-                    <a:schemeClr val="bg2"/>
-                  </a:outerShdw>
-                </a:effectLst>
-              </a14:hiddenEffects>
+          </a:extLst>
+        </p:spPr>
+      </p:pic>
+      <p:pic>
+        <p:nvPicPr>
+          <p:cNvPr id="2052" name="Picture 4"/>
+          <p:cNvPicPr>
+            <a:picLocks noChangeAspect="1" noChangeArrowheads="1"/>
+          </p:cNvPicPr>
+          <p:nvPr/>
+        </p:nvPicPr>
+        <p:blipFill>
+          <a:blip r:embed="rId5">
+            <a:extLst>
+              <a:ext uri="{28A0092B-C50C-407E-A947-70E740481C1C}">
+                <a14:useLocalDpi xmlns:a14="http://schemas.microsoft.com/office/drawing/2010/main" val="0"/>
+              </a:ext>
+            </a:extLst>
+          </a:blip>
+          <a:srcRect/>
+          <a:stretch>
+            <a:fillRect/>
+          </a:stretch>
+        </p:blipFill>
+        <p:spPr bwMode="auto">
+          <a:xfrm>
+            <a:off x="4710022" y="2911763"/>
+            <a:ext cx="3985403" cy="1915838"/>
+          </a:xfrm>
+          <a:prstGeom prst="rect">
+            <a:avLst/>
+          </a:prstGeom>
+          <a:noFill/>
+          <a:ln>
+            <a:noFill/>
+          </a:ln>
+          <a:extLst>
+            <a:ext uri="{909E8E84-426E-40DD-AFC4-6F175D3DCCD1}">
+              <a14:hiddenFill xmlns:a14="http://schemas.microsoft.com/office/drawing/2010/main">
+                <a:solidFill>
+                  <a:schemeClr val="accent1"/>
+                </a:solidFill>
+              </a14:hiddenFill>
+            </a:ext>
+            <a:ext uri="{91240B29-F687-4F45-9708-019B960494DF}">
+              <a14:hiddenLine xmlns:a14="http://schemas.microsoft.com/office/drawing/2010/main" w="9525">
+                <a:solidFill>
+                  <a:schemeClr val="tx1"/>
+                </a:solidFill>
+                <a:miter lim="800000"/>
+                <a:headEnd/>
+                <a:tailEnd/>
+              </a14:hiddenLine>
+            </a:ext>
+          </a:extLst>
+        </p:spPr>
+      </p:pic>
+    </p:spTree>
+    <p:extLst>
+      <p:ext uri="{BB962C8B-B14F-4D97-AF65-F5344CB8AC3E}">
+        <p14:creationId xmlns:p14="http://schemas.microsoft.com/office/powerpoint/2010/main" val="3519841439"/>
+      </p:ext>
+    </p:extLst>
+  </p:cSld>
+  <p:clrMapOvr>
+    <a:masterClrMapping/>
+  </p:clrMapOvr>
+  <p:timing>
+    <p:tnLst>
+      <p:par>
+        <p:cTn id="1" dur="indefinite" restart="never" nodeType="tmRoot"/>
+      </p:par>
+    </p:tnLst>
+  </p:timing>
+</p:sld>
+</file>
+
+<file path=ppt/slides/slide12.xml><?xml version="1.0" encoding="utf-8"?>
+<p:sld xmlns:a="http://schemas.openxmlformats.org/drawingml/2006/main" xmlns:r="http://schemas.openxmlformats.org/officeDocument/2006/relationships" xmlns:p="http://schemas.openxmlformats.org/presentationml/2006/main">
+  <p:cSld>
+    <p:spTree>
+      <p:nvGrpSpPr>
+        <p:cNvPr id="1" name=""/>
+        <p:cNvGrpSpPr/>
+        <p:nvPr/>
+      </p:nvGrpSpPr>
+      <p:grpSpPr>
+        <a:xfrm>
+          <a:off x="0" y="0"/>
+          <a:ext cx="0" cy="0"/>
+          <a:chOff x="0" y="0"/>
+          <a:chExt cx="0" cy="0"/>
+        </a:xfrm>
+      </p:grpSpPr>
+      <p:sp>
+        <p:nvSpPr>
+          <p:cNvPr id="12" name="11 Título"/>
+          <p:cNvSpPr>
+            <a:spLocks noGrp="1"/>
+          </p:cNvSpPr>
+          <p:nvPr>
+            <p:ph type="title" idx="4294967295"/>
+          </p:nvPr>
+        </p:nvSpPr>
+        <p:spPr>
+          <a:xfrm>
+            <a:off x="684790" y="198293"/>
+            <a:ext cx="7704137" cy="488950"/>
+          </a:xfrm>
+        </p:spPr>
+        <p:txBody>
+          <a:bodyPr/>
+          <a:lstStyle/>
+          <a:p>
+            <a:r>
+              <a:rPr lang="es-ES" dirty="0" err="1" smtClean="0"/>
+              <a:t>Activation</a:t>
+            </a:r>
+            <a:r>
+              <a:rPr lang="es-ES" dirty="0" smtClean="0"/>
+              <a:t> </a:t>
+            </a:r>
+            <a:r>
+              <a:rPr lang="es-ES" dirty="0" err="1" smtClean="0"/>
+              <a:t>elliott</a:t>
+            </a:r>
+            <a:r>
+              <a:rPr lang="es-ES" dirty="0" smtClean="0"/>
+              <a:t> </a:t>
+            </a:r>
+            <a:r>
+              <a:rPr lang="es-ES" dirty="0" err="1" smtClean="0"/>
+              <a:t>symmetric</a:t>
+            </a:r>
+            <a:endParaRPr lang="es-ES" dirty="0"/>
+          </a:p>
+        </p:txBody>
+      </p:sp>
+      <p:pic>
+        <p:nvPicPr>
+          <p:cNvPr id="6" name="Picture 5"/>
+          <p:cNvPicPr>
+            <a:picLocks noChangeAspect="1" noChangeArrowheads="1"/>
+          </p:cNvPicPr>
+          <p:nvPr/>
+        </p:nvPicPr>
+        <p:blipFill>
+          <a:blip r:embed="rId2">
+            <a:extLst>
+              <a:ext uri="{28A0092B-C50C-407E-A947-70E740481C1C}">
+                <a14:useLocalDpi xmlns:a14="http://schemas.microsoft.com/office/drawing/2010/main" val="0"/>
+              </a:ext>
+            </a:extLst>
+          </a:blip>
+          <a:srcRect/>
+          <a:stretch>
+            <a:fillRect/>
+          </a:stretch>
+        </p:blipFill>
+        <p:spPr bwMode="auto">
+          <a:xfrm>
+            <a:off x="439948" y="832799"/>
+            <a:ext cx="3985403" cy="1915838"/>
+          </a:xfrm>
+          <a:prstGeom prst="rect">
+            <a:avLst/>
+          </a:prstGeom>
+          <a:noFill/>
+          <a:ln>
+            <a:noFill/>
+          </a:ln>
+          <a:extLst>
+            <a:ext uri="{909E8E84-426E-40DD-AFC4-6F175D3DCCD1}">
+              <a14:hiddenFill xmlns:a14="http://schemas.microsoft.com/office/drawing/2010/main">
+                <a:solidFill>
+                  <a:schemeClr val="accent1"/>
+                </a:solidFill>
+              </a14:hiddenFill>
+            </a:ext>
+            <a:ext uri="{91240B29-F687-4F45-9708-019B960494DF}">
+              <a14:hiddenLine xmlns:a14="http://schemas.microsoft.com/office/drawing/2010/main" w="9525">
+                <a:solidFill>
+                  <a:schemeClr val="tx1"/>
+                </a:solidFill>
+                <a:miter lim="800000"/>
+                <a:headEnd/>
+                <a:tailEnd/>
+              </a14:hiddenLine>
+            </a:ext>
+          </a:extLst>
+        </p:spPr>
+      </p:pic>
+      <p:pic>
+        <p:nvPicPr>
+          <p:cNvPr id="3074" name="Picture 2"/>
+          <p:cNvPicPr>
+            <a:picLocks noChangeAspect="1" noChangeArrowheads="1"/>
+          </p:cNvPicPr>
+          <p:nvPr/>
+        </p:nvPicPr>
+        <p:blipFill>
+          <a:blip r:embed="rId3">
+            <a:extLst>
+              <a:ext uri="{28A0092B-C50C-407E-A947-70E740481C1C}">
+                <a14:useLocalDpi xmlns:a14="http://schemas.microsoft.com/office/drawing/2010/main" val="0"/>
+              </a:ext>
+            </a:extLst>
+          </a:blip>
+          <a:srcRect/>
+          <a:stretch>
+            <a:fillRect/>
+          </a:stretch>
+        </p:blipFill>
+        <p:spPr bwMode="auto">
+          <a:xfrm>
+            <a:off x="4693895" y="832799"/>
+            <a:ext cx="3985404" cy="1915838"/>
+          </a:xfrm>
+          <a:prstGeom prst="rect">
+            <a:avLst/>
+          </a:prstGeom>
+          <a:noFill/>
+          <a:ln>
+            <a:noFill/>
+          </a:ln>
+          <a:extLst>
+            <a:ext uri="{909E8E84-426E-40DD-AFC4-6F175D3DCCD1}">
+              <a14:hiddenFill xmlns:a14="http://schemas.microsoft.com/office/drawing/2010/main">
+                <a:solidFill>
+                  <a:schemeClr val="accent1"/>
+                </a:solidFill>
+              </a14:hiddenFill>
+            </a:ext>
+            <a:ext uri="{91240B29-F687-4F45-9708-019B960494DF}">
+              <a14:hiddenLine xmlns:a14="http://schemas.microsoft.com/office/drawing/2010/main" w="9525">
+                <a:solidFill>
+                  <a:schemeClr val="tx1"/>
+                </a:solidFill>
+                <a:miter lim="800000"/>
+                <a:headEnd/>
+                <a:tailEnd/>
+              </a14:hiddenLine>
+            </a:ext>
+          </a:extLst>
+        </p:spPr>
+      </p:pic>
+      <p:pic>
+        <p:nvPicPr>
+          <p:cNvPr id="3075" name="Picture 3"/>
+          <p:cNvPicPr>
+            <a:picLocks noChangeAspect="1" noChangeArrowheads="1"/>
+          </p:cNvPicPr>
+          <p:nvPr/>
+        </p:nvPicPr>
+        <p:blipFill>
+          <a:blip r:embed="rId4">
+            <a:extLst>
+              <a:ext uri="{28A0092B-C50C-407E-A947-70E740481C1C}">
+                <a14:useLocalDpi xmlns:a14="http://schemas.microsoft.com/office/drawing/2010/main" val="0"/>
+              </a:ext>
+            </a:extLst>
+          </a:blip>
+          <a:srcRect/>
+          <a:stretch>
+            <a:fillRect/>
+          </a:stretch>
+        </p:blipFill>
+        <p:spPr bwMode="auto">
+          <a:xfrm>
+            <a:off x="2589426" y="2917716"/>
+            <a:ext cx="3985402" cy="1915838"/>
+          </a:xfrm>
+          <a:prstGeom prst="rect">
+            <a:avLst/>
+          </a:prstGeom>
+          <a:noFill/>
+          <a:ln>
+            <a:noFill/>
+          </a:ln>
+          <a:extLst>
+            <a:ext uri="{909E8E84-426E-40DD-AFC4-6F175D3DCCD1}">
+              <a14:hiddenFill xmlns:a14="http://schemas.microsoft.com/office/drawing/2010/main">
+                <a:solidFill>
+                  <a:schemeClr val="accent1"/>
+                </a:solidFill>
+              </a14:hiddenFill>
+            </a:ext>
+            <a:ext uri="{91240B29-F687-4F45-9708-019B960494DF}">
+              <a14:hiddenLine xmlns:a14="http://schemas.microsoft.com/office/drawing/2010/main" w="9525">
+                <a:solidFill>
+                  <a:schemeClr val="tx1"/>
+                </a:solidFill>
+                <a:miter lim="800000"/>
+                <a:headEnd/>
+                <a:tailEnd/>
+              </a14:hiddenLine>
             </a:ext>
           </a:extLst>
         </p:spPr>
@@ -38463,7 +39951,530 @@
 </p:sld>
 </file>
 
-<file path=ppt/slides/slide12.xml><?xml version="1.0" encoding="utf-8"?>
+<file path=ppt/slides/slide13.xml><?xml version="1.0" encoding="utf-8"?>
+<p:sld xmlns:a="http://schemas.openxmlformats.org/drawingml/2006/main" xmlns:r="http://schemas.openxmlformats.org/officeDocument/2006/relationships" xmlns:p="http://schemas.openxmlformats.org/presentationml/2006/main">
+  <p:cSld>
+    <p:spTree>
+      <p:nvGrpSpPr>
+        <p:cNvPr id="1" name=""/>
+        <p:cNvGrpSpPr/>
+        <p:nvPr/>
+      </p:nvGrpSpPr>
+      <p:grpSpPr>
+        <a:xfrm>
+          <a:off x="0" y="0"/>
+          <a:ext cx="0" cy="0"/>
+          <a:chOff x="0" y="0"/>
+          <a:chExt cx="0" cy="0"/>
+        </a:xfrm>
+      </p:grpSpPr>
+      <p:sp>
+        <p:nvSpPr>
+          <p:cNvPr id="12" name="11 Título"/>
+          <p:cNvSpPr>
+            <a:spLocks noGrp="1"/>
+          </p:cNvSpPr>
+          <p:nvPr>
+            <p:ph type="title" idx="4294967295"/>
+          </p:nvPr>
+        </p:nvSpPr>
+        <p:spPr>
+          <a:xfrm>
+            <a:off x="684790" y="198293"/>
+            <a:ext cx="7704137" cy="488950"/>
+          </a:xfrm>
+        </p:spPr>
+        <p:txBody>
+          <a:bodyPr/>
+          <a:lstStyle/>
+          <a:p>
+            <a:r>
+              <a:rPr lang="es-ES" dirty="0" err="1" smtClean="0"/>
+              <a:t>Activation</a:t>
+            </a:r>
+            <a:r>
+              <a:rPr lang="es-ES" dirty="0" smtClean="0"/>
+              <a:t> </a:t>
+            </a:r>
+            <a:r>
+              <a:rPr lang="es-ES" dirty="0" err="1" smtClean="0"/>
+              <a:t>logarithm</a:t>
+            </a:r>
+            <a:r>
+              <a:rPr lang="es-ES" dirty="0" smtClean="0"/>
+              <a:t/>
+            </a:r>
+            <a:br>
+              <a:rPr lang="es-ES" dirty="0" smtClean="0"/>
+            </a:br>
+            <a:endParaRPr lang="es-ES" dirty="0"/>
+          </a:p>
+        </p:txBody>
+      </p:sp>
+      <p:pic>
+        <p:nvPicPr>
+          <p:cNvPr id="8" name="Picture 4"/>
+          <p:cNvPicPr>
+            <a:picLocks noChangeAspect="1" noChangeArrowheads="1"/>
+          </p:cNvPicPr>
+          <p:nvPr/>
+        </p:nvPicPr>
+        <p:blipFill>
+          <a:blip r:embed="rId2">
+            <a:extLst>
+              <a:ext uri="{28A0092B-C50C-407E-A947-70E740481C1C}">
+                <a14:useLocalDpi xmlns:a14="http://schemas.microsoft.com/office/drawing/2010/main" val="0"/>
+              </a:ext>
+            </a:extLst>
+          </a:blip>
+          <a:srcRect/>
+          <a:stretch>
+            <a:fillRect/>
+          </a:stretch>
+        </p:blipFill>
+        <p:spPr bwMode="auto">
+          <a:xfrm>
+            <a:off x="439947" y="832799"/>
+            <a:ext cx="3985403" cy="1915837"/>
+          </a:xfrm>
+          <a:prstGeom prst="rect">
+            <a:avLst/>
+          </a:prstGeom>
+          <a:noFill/>
+          <a:ln>
+            <a:noFill/>
+          </a:ln>
+          <a:extLst>
+            <a:ext uri="{909E8E84-426E-40DD-AFC4-6F175D3DCCD1}">
+              <a14:hiddenFill xmlns:a14="http://schemas.microsoft.com/office/drawing/2010/main">
+                <a:solidFill>
+                  <a:schemeClr val="accent1"/>
+                </a:solidFill>
+              </a14:hiddenFill>
+            </a:ext>
+            <a:ext uri="{91240B29-F687-4F45-9708-019B960494DF}">
+              <a14:hiddenLine xmlns:a14="http://schemas.microsoft.com/office/drawing/2010/main" w="9525">
+                <a:solidFill>
+                  <a:schemeClr val="tx1"/>
+                </a:solidFill>
+                <a:miter lim="800000"/>
+                <a:headEnd/>
+                <a:tailEnd/>
+              </a14:hiddenLine>
+            </a:ext>
+          </a:extLst>
+        </p:spPr>
+      </p:pic>
+      <p:pic>
+        <p:nvPicPr>
+          <p:cNvPr id="1027" name="Picture 3"/>
+          <p:cNvPicPr>
+            <a:picLocks noChangeAspect="1" noChangeArrowheads="1"/>
+          </p:cNvPicPr>
+          <p:nvPr/>
+        </p:nvPicPr>
+        <p:blipFill>
+          <a:blip r:embed="rId3">
+            <a:extLst>
+              <a:ext uri="{28A0092B-C50C-407E-A947-70E740481C1C}">
+                <a14:useLocalDpi xmlns:a14="http://schemas.microsoft.com/office/drawing/2010/main" val="0"/>
+              </a:ext>
+            </a:extLst>
+          </a:blip>
+          <a:srcRect/>
+          <a:stretch>
+            <a:fillRect/>
+          </a:stretch>
+        </p:blipFill>
+        <p:spPr bwMode="auto">
+          <a:xfrm>
+            <a:off x="4709798" y="832797"/>
+            <a:ext cx="3985402" cy="1915837"/>
+          </a:xfrm>
+          <a:prstGeom prst="rect">
+            <a:avLst/>
+          </a:prstGeom>
+          <a:noFill/>
+          <a:ln>
+            <a:noFill/>
+          </a:ln>
+          <a:extLst>
+            <a:ext uri="{909E8E84-426E-40DD-AFC4-6F175D3DCCD1}">
+              <a14:hiddenFill xmlns:a14="http://schemas.microsoft.com/office/drawing/2010/main">
+                <a:solidFill>
+                  <a:schemeClr val="accent1"/>
+                </a:solidFill>
+              </a14:hiddenFill>
+            </a:ext>
+            <a:ext uri="{91240B29-F687-4F45-9708-019B960494DF}">
+              <a14:hiddenLine xmlns:a14="http://schemas.microsoft.com/office/drawing/2010/main" w="9525">
+                <a:solidFill>
+                  <a:schemeClr val="tx1"/>
+                </a:solidFill>
+                <a:miter lim="800000"/>
+                <a:headEnd/>
+                <a:tailEnd/>
+              </a14:hiddenLine>
+            </a:ext>
+          </a:extLst>
+        </p:spPr>
+      </p:pic>
+      <p:pic>
+        <p:nvPicPr>
+          <p:cNvPr id="1028" name="Picture 4"/>
+          <p:cNvPicPr>
+            <a:picLocks noChangeAspect="1" noChangeArrowheads="1"/>
+          </p:cNvPicPr>
+          <p:nvPr/>
+        </p:nvPicPr>
+        <p:blipFill>
+          <a:blip r:embed="rId4">
+            <a:extLst>
+              <a:ext uri="{28A0092B-C50C-407E-A947-70E740481C1C}">
+                <a14:useLocalDpi xmlns:a14="http://schemas.microsoft.com/office/drawing/2010/main" val="0"/>
+              </a:ext>
+            </a:extLst>
+          </a:blip>
+          <a:srcRect/>
+          <a:stretch>
+            <a:fillRect/>
+          </a:stretch>
+        </p:blipFill>
+        <p:spPr bwMode="auto">
+          <a:xfrm>
+            <a:off x="439946" y="2916039"/>
+            <a:ext cx="3985403" cy="1915835"/>
+          </a:xfrm>
+          <a:prstGeom prst="rect">
+            <a:avLst/>
+          </a:prstGeom>
+          <a:noFill/>
+          <a:ln>
+            <a:noFill/>
+          </a:ln>
+          <a:extLst>
+            <a:ext uri="{909E8E84-426E-40DD-AFC4-6F175D3DCCD1}">
+              <a14:hiddenFill xmlns:a14="http://schemas.microsoft.com/office/drawing/2010/main">
+                <a:solidFill>
+                  <a:schemeClr val="accent1"/>
+                </a:solidFill>
+              </a14:hiddenFill>
+            </a:ext>
+            <a:ext uri="{91240B29-F687-4F45-9708-019B960494DF}">
+              <a14:hiddenLine xmlns:a14="http://schemas.microsoft.com/office/drawing/2010/main" w="9525">
+                <a:solidFill>
+                  <a:schemeClr val="tx1"/>
+                </a:solidFill>
+                <a:miter lim="800000"/>
+                <a:headEnd/>
+                <a:tailEnd/>
+              </a14:hiddenLine>
+            </a:ext>
+          </a:extLst>
+        </p:spPr>
+      </p:pic>
+      <p:pic>
+        <p:nvPicPr>
+          <p:cNvPr id="1029" name="Picture 5"/>
+          <p:cNvPicPr>
+            <a:picLocks noChangeAspect="1" noChangeArrowheads="1"/>
+          </p:cNvPicPr>
+          <p:nvPr/>
+        </p:nvPicPr>
+        <p:blipFill>
+          <a:blip r:embed="rId5">
+            <a:extLst>
+              <a:ext uri="{28A0092B-C50C-407E-A947-70E740481C1C}">
+                <a14:useLocalDpi xmlns:a14="http://schemas.microsoft.com/office/drawing/2010/main" val="0"/>
+              </a:ext>
+            </a:extLst>
+          </a:blip>
+          <a:srcRect/>
+          <a:stretch>
+            <a:fillRect/>
+          </a:stretch>
+        </p:blipFill>
+        <p:spPr bwMode="auto">
+          <a:xfrm>
+            <a:off x="4709798" y="2916039"/>
+            <a:ext cx="3985403" cy="1915835"/>
+          </a:xfrm>
+          <a:prstGeom prst="rect">
+            <a:avLst/>
+          </a:prstGeom>
+          <a:noFill/>
+          <a:ln>
+            <a:noFill/>
+          </a:ln>
+          <a:extLst>
+            <a:ext uri="{909E8E84-426E-40DD-AFC4-6F175D3DCCD1}">
+              <a14:hiddenFill xmlns:a14="http://schemas.microsoft.com/office/drawing/2010/main">
+                <a:solidFill>
+                  <a:schemeClr val="accent1"/>
+                </a:solidFill>
+              </a14:hiddenFill>
+            </a:ext>
+            <a:ext uri="{91240B29-F687-4F45-9708-019B960494DF}">
+              <a14:hiddenLine xmlns:a14="http://schemas.microsoft.com/office/drawing/2010/main" w="9525">
+                <a:solidFill>
+                  <a:schemeClr val="tx1"/>
+                </a:solidFill>
+                <a:miter lim="800000"/>
+                <a:headEnd/>
+                <a:tailEnd/>
+              </a14:hiddenLine>
+            </a:ext>
+          </a:extLst>
+        </p:spPr>
+      </p:pic>
+    </p:spTree>
+    <p:extLst>
+      <p:ext uri="{BB962C8B-B14F-4D97-AF65-F5344CB8AC3E}">
+        <p14:creationId xmlns:p14="http://schemas.microsoft.com/office/powerpoint/2010/main" val="3639099356"/>
+      </p:ext>
+    </p:extLst>
+  </p:cSld>
+  <p:clrMapOvr>
+    <a:masterClrMapping/>
+  </p:clrMapOvr>
+  <p:timing>
+    <p:tnLst>
+      <p:par>
+        <p:cTn id="1" dur="indefinite" restart="never" nodeType="tmRoot"/>
+      </p:par>
+    </p:tnLst>
+  </p:timing>
+</p:sld>
+</file>
+
+<file path=ppt/slides/slide14.xml><?xml version="1.0" encoding="utf-8"?>
+<p:sld xmlns:a="http://schemas.openxmlformats.org/drawingml/2006/main" xmlns:r="http://schemas.openxmlformats.org/officeDocument/2006/relationships" xmlns:p="http://schemas.openxmlformats.org/presentationml/2006/main">
+  <p:cSld>
+    <p:spTree>
+      <p:nvGrpSpPr>
+        <p:cNvPr id="1" name=""/>
+        <p:cNvGrpSpPr/>
+        <p:nvPr/>
+      </p:nvGrpSpPr>
+      <p:grpSpPr>
+        <a:xfrm>
+          <a:off x="0" y="0"/>
+          <a:ext cx="0" cy="0"/>
+          <a:chOff x="0" y="0"/>
+          <a:chExt cx="0" cy="0"/>
+        </a:xfrm>
+      </p:grpSpPr>
+      <p:sp>
+        <p:nvSpPr>
+          <p:cNvPr id="12" name="11 Título"/>
+          <p:cNvSpPr>
+            <a:spLocks noGrp="1"/>
+          </p:cNvSpPr>
+          <p:nvPr>
+            <p:ph type="title" idx="4294967295"/>
+          </p:nvPr>
+        </p:nvSpPr>
+        <p:spPr>
+          <a:xfrm>
+            <a:off x="684790" y="198293"/>
+            <a:ext cx="7704137" cy="488950"/>
+          </a:xfrm>
+        </p:spPr>
+        <p:txBody>
+          <a:bodyPr/>
+          <a:lstStyle/>
+          <a:p>
+            <a:r>
+              <a:rPr lang="es-ES" dirty="0" smtClean="0"/>
+              <a:t>ACTIVATION LOGARITHM</a:t>
+            </a:r>
+            <a:endParaRPr lang="es-ES" dirty="0"/>
+          </a:p>
+        </p:txBody>
+      </p:sp>
+      <p:pic>
+        <p:nvPicPr>
+          <p:cNvPr id="6" name="Picture 6"/>
+          <p:cNvPicPr>
+            <a:picLocks noChangeAspect="1" noChangeArrowheads="1"/>
+          </p:cNvPicPr>
+          <p:nvPr/>
+        </p:nvPicPr>
+        <p:blipFill>
+          <a:blip r:embed="rId2">
+            <a:extLst>
+              <a:ext uri="{28A0092B-C50C-407E-A947-70E740481C1C}">
+                <a14:useLocalDpi xmlns:a14="http://schemas.microsoft.com/office/drawing/2010/main" val="0"/>
+              </a:ext>
+            </a:extLst>
+          </a:blip>
+          <a:srcRect/>
+          <a:stretch>
+            <a:fillRect/>
+          </a:stretch>
+        </p:blipFill>
+        <p:spPr bwMode="auto">
+          <a:xfrm>
+            <a:off x="439945" y="832799"/>
+            <a:ext cx="3985403" cy="1915837"/>
+          </a:xfrm>
+          <a:prstGeom prst="rect">
+            <a:avLst/>
+          </a:prstGeom>
+          <a:noFill/>
+          <a:ln>
+            <a:noFill/>
+          </a:ln>
+          <a:extLst>
+            <a:ext uri="{909E8E84-426E-40DD-AFC4-6F175D3DCCD1}">
+              <a14:hiddenFill xmlns:a14="http://schemas.microsoft.com/office/drawing/2010/main">
+                <a:solidFill>
+                  <a:schemeClr val="accent1"/>
+                </a:solidFill>
+              </a14:hiddenFill>
+            </a:ext>
+            <a:ext uri="{91240B29-F687-4F45-9708-019B960494DF}">
+              <a14:hiddenLine xmlns:a14="http://schemas.microsoft.com/office/drawing/2010/main" w="9525">
+                <a:solidFill>
+                  <a:schemeClr val="tx1"/>
+                </a:solidFill>
+                <a:miter lim="800000"/>
+                <a:headEnd/>
+                <a:tailEnd/>
+              </a14:hiddenLine>
+            </a:ext>
+          </a:extLst>
+        </p:spPr>
+      </p:pic>
+      <p:pic>
+        <p:nvPicPr>
+          <p:cNvPr id="4098" name="Picture 2"/>
+          <p:cNvPicPr>
+            <a:picLocks noChangeAspect="1" noChangeArrowheads="1"/>
+          </p:cNvPicPr>
+          <p:nvPr/>
+        </p:nvPicPr>
+        <p:blipFill>
+          <a:blip r:embed="rId3">
+            <a:extLst>
+              <a:ext uri="{28A0092B-C50C-407E-A947-70E740481C1C}">
+                <a14:useLocalDpi xmlns:a14="http://schemas.microsoft.com/office/drawing/2010/main" val="0"/>
+              </a:ext>
+            </a:extLst>
+          </a:blip>
+          <a:srcRect/>
+          <a:stretch>
+            <a:fillRect/>
+          </a:stretch>
+        </p:blipFill>
+        <p:spPr bwMode="auto">
+          <a:xfrm>
+            <a:off x="4662086" y="832797"/>
+            <a:ext cx="3985403" cy="1915837"/>
+          </a:xfrm>
+          <a:prstGeom prst="rect">
+            <a:avLst/>
+          </a:prstGeom>
+          <a:noFill/>
+          <a:ln>
+            <a:noFill/>
+          </a:ln>
+          <a:extLst>
+            <a:ext uri="{909E8E84-426E-40DD-AFC4-6F175D3DCCD1}">
+              <a14:hiddenFill xmlns:a14="http://schemas.microsoft.com/office/drawing/2010/main">
+                <a:solidFill>
+                  <a:schemeClr val="accent1"/>
+                </a:solidFill>
+              </a14:hiddenFill>
+            </a:ext>
+            <a:ext uri="{91240B29-F687-4F45-9708-019B960494DF}">
+              <a14:hiddenLine xmlns:a14="http://schemas.microsoft.com/office/drawing/2010/main" w="9525">
+                <a:solidFill>
+                  <a:schemeClr val="tx1"/>
+                </a:solidFill>
+                <a:miter lim="800000"/>
+                <a:headEnd/>
+                <a:tailEnd/>
+              </a14:hiddenLine>
+            </a:ext>
+          </a:extLst>
+        </p:spPr>
+      </p:pic>
+      <p:pic>
+        <p:nvPicPr>
+          <p:cNvPr id="4099" name="Picture 3"/>
+          <p:cNvPicPr>
+            <a:picLocks noChangeAspect="1" noChangeArrowheads="1"/>
+          </p:cNvPicPr>
+          <p:nvPr/>
+        </p:nvPicPr>
+        <p:blipFill>
+          <a:blip r:embed="rId4">
+            <a:extLst>
+              <a:ext uri="{28A0092B-C50C-407E-A947-70E740481C1C}">
+                <a14:useLocalDpi xmlns:a14="http://schemas.microsoft.com/office/drawing/2010/main" val="0"/>
+              </a:ext>
+            </a:extLst>
+          </a:blip>
+          <a:srcRect/>
+          <a:stretch>
+            <a:fillRect/>
+          </a:stretch>
+        </p:blipFill>
+        <p:spPr bwMode="auto">
+          <a:xfrm>
+            <a:off x="2547041" y="2945328"/>
+            <a:ext cx="3985403" cy="1902450"/>
+          </a:xfrm>
+          <a:prstGeom prst="rect">
+            <a:avLst/>
+          </a:prstGeom>
+          <a:noFill/>
+          <a:ln>
+            <a:noFill/>
+          </a:ln>
+          <a:extLst>
+            <a:ext uri="{909E8E84-426E-40DD-AFC4-6F175D3DCCD1}">
+              <a14:hiddenFill xmlns:a14="http://schemas.microsoft.com/office/drawing/2010/main">
+                <a:solidFill>
+                  <a:schemeClr val="accent1"/>
+                </a:solidFill>
+              </a14:hiddenFill>
+            </a:ext>
+            <a:ext uri="{91240B29-F687-4F45-9708-019B960494DF}">
+              <a14:hiddenLine xmlns:a14="http://schemas.microsoft.com/office/drawing/2010/main" w="9525">
+                <a:solidFill>
+                  <a:schemeClr val="tx1"/>
+                </a:solidFill>
+                <a:miter lim="800000"/>
+                <a:headEnd/>
+                <a:tailEnd/>
+              </a14:hiddenLine>
+            </a:ext>
+          </a:extLst>
+        </p:spPr>
+      </p:pic>
+    </p:spTree>
+    <p:extLst>
+      <p:ext uri="{BB962C8B-B14F-4D97-AF65-F5344CB8AC3E}">
+        <p14:creationId xmlns:p14="http://schemas.microsoft.com/office/powerpoint/2010/main" val="1595691637"/>
+      </p:ext>
+    </p:extLst>
+  </p:cSld>
+  <p:clrMapOvr>
+    <a:masterClrMapping/>
+  </p:clrMapOvr>
+  <p:timing>
+    <p:tnLst>
+      <p:par>
+        <p:cTn id="1" dur="indefinite" restart="never" nodeType="tmRoot"/>
+      </p:par>
+    </p:tnLst>
+  </p:timing>
+</p:sld>
+</file>
+
+<file path=ppt/slides/slide15.xml><?xml version="1.0" encoding="utf-8"?>
 <p:sld xmlns:a="http://schemas.openxmlformats.org/drawingml/2006/main" xmlns:r="http://schemas.openxmlformats.org/officeDocument/2006/relationships" xmlns:p="http://schemas.openxmlformats.org/presentationml/2006/main">
   <p:cSld>
     <p:spTree>
@@ -38567,8 +40578,28 @@
               <a:t> </a:t>
             </a:r>
             <a:r>
+              <a:rPr lang="es-ES" dirty="0" smtClean="0"/>
+              <a:t> </a:t>
+            </a:r>
+            <a:r>
               <a:rPr lang="es-ES" dirty="0" err="1" smtClean="0"/>
-              <a:t>number</a:t>
+              <a:t>logarithm</a:t>
+            </a:r>
+            <a:r>
+              <a:rPr lang="es-ES" dirty="0" smtClean="0"/>
+              <a:t> </a:t>
+            </a:r>
+            <a:r>
+              <a:rPr lang="es-ES" dirty="0" err="1" smtClean="0"/>
+              <a:t>plot</a:t>
+            </a:r>
+            <a:r>
+              <a:rPr lang="es-ES" dirty="0" smtClean="0"/>
+              <a:t> </a:t>
+            </a:r>
+            <a:r>
+              <a:rPr lang="es-ES" dirty="0" err="1" smtClean="0"/>
+              <a:t>with</a:t>
             </a:r>
             <a:r>
               <a:rPr lang="es-ES" dirty="0" smtClean="0"/>
@@ -38576,7 +40607,7 @@
             </a:r>
             <a:r>
               <a:rPr lang="es-ES" dirty="0" err="1" smtClean="0"/>
-              <a:t>with</a:t>
+              <a:t>hidden</a:t>
             </a:r>
             <a:r>
               <a:rPr lang="es-ES" dirty="0" smtClean="0"/>
@@ -38584,23 +40615,7 @@
             </a:r>
             <a:r>
               <a:rPr lang="es-ES" dirty="0" err="1" smtClean="0"/>
-              <a:t>Activaiton</a:t>
-            </a:r>
-            <a:r>
-              <a:rPr lang="es-ES" dirty="0" smtClean="0"/>
-              <a:t> </a:t>
-            </a:r>
-            <a:r>
-              <a:rPr lang="es-ES" dirty="0" err="1" smtClean="0"/>
-              <a:t>Elliott</a:t>
-            </a:r>
-            <a:r>
-              <a:rPr lang="es-ES" dirty="0" smtClean="0"/>
-              <a:t> </a:t>
-            </a:r>
-            <a:r>
-              <a:rPr lang="es-ES" dirty="0" err="1" smtClean="0"/>
-              <a:t>Symmetric</a:t>
+              <a:t>neurons</a:t>
             </a:r>
             <a:r>
               <a:rPr lang="es-ES" dirty="0" smtClean="0"/>
@@ -38723,70 +40738,9 @@
               <a:t>iterations</a:t>
             </a:r>
             <a:r>
-              <a:rPr lang="es-ES" dirty="0" smtClean="0"/>
-              <a:t>. </a:t>
+              <a:rPr lang="es-ES" dirty="0"/>
+              <a:t>:</a:t>
             </a:r>
-            <a:r>
-              <a:rPr lang="es-ES" dirty="0" err="1" smtClean="0"/>
-              <a:t>This</a:t>
-            </a:r>
-            <a:r>
-              <a:rPr lang="es-ES" dirty="0" smtClean="0"/>
-              <a:t> </a:t>
-            </a:r>
-            <a:r>
-              <a:rPr lang="es-ES" dirty="0" err="1" smtClean="0"/>
-              <a:t>one</a:t>
-            </a:r>
-            <a:r>
-              <a:rPr lang="es-ES" dirty="0" smtClean="0"/>
-              <a:t> in particular, </a:t>
-            </a:r>
-            <a:r>
-              <a:rPr lang="es-ES" dirty="0" err="1" smtClean="0"/>
-              <a:t>reaches</a:t>
-            </a:r>
-            <a:r>
-              <a:rPr lang="es-ES" dirty="0" smtClean="0"/>
-              <a:t> </a:t>
-            </a:r>
-            <a:r>
-              <a:rPr lang="es-ES" dirty="0" err="1" smtClean="0"/>
-              <a:t>an</a:t>
-            </a:r>
-            <a:r>
-              <a:rPr lang="es-ES" dirty="0" smtClean="0"/>
-              <a:t> error of 0,1 </a:t>
-            </a:r>
-            <a:r>
-              <a:rPr lang="es-ES" dirty="0" err="1" smtClean="0"/>
-              <a:t>with</a:t>
-            </a:r>
-            <a:r>
-              <a:rPr lang="es-ES" dirty="0" smtClean="0"/>
-              <a:t> </a:t>
-            </a:r>
-            <a:r>
-              <a:rPr lang="es-ES" dirty="0" err="1" smtClean="0"/>
-              <a:t>around</a:t>
-            </a:r>
-            <a:r>
-              <a:rPr lang="es-ES" dirty="0" smtClean="0"/>
-              <a:t> 35 </a:t>
-            </a:r>
-            <a:r>
-              <a:rPr lang="es-ES" dirty="0" err="1" smtClean="0"/>
-              <a:t>iterations</a:t>
-            </a:r>
-            <a:r>
-              <a:rPr lang="es-ES" dirty="0" smtClean="0"/>
-              <a:t>.</a:t>
-            </a:r>
-          </a:p>
-          <a:p>
-            <a:pPr marL="127000" indent="0">
-              <a:buNone/>
-            </a:pPr>
             <a:endParaRPr lang="es-ES" dirty="0" smtClean="0"/>
           </a:p>
           <a:p>
@@ -38802,7 +40756,7 @@
       </p:sp>
       <p:pic>
         <p:nvPicPr>
-          <p:cNvPr id="9" name="Picture 4"/>
+          <p:cNvPr id="5122" name="Picture 2"/>
           <p:cNvPicPr>
             <a:picLocks noChangeAspect="1" noChangeArrowheads="1"/>
           </p:cNvPicPr>
@@ -38823,8 +40777,8 @@
         </p:blipFill>
         <p:spPr bwMode="auto">
           <a:xfrm>
-            <a:off x="2168234" y="1786755"/>
-            <a:ext cx="4746585" cy="2813310"/>
+            <a:off x="1622066" y="1719819"/>
+            <a:ext cx="5909426" cy="2883985"/>
           </a:xfrm>
           <a:prstGeom prst="rect">
             <a:avLst/>
@@ -38833,7 +40787,6 @@
           <a:ln>
             <a:noFill/>
           </a:ln>
-          <a:effectLst/>
           <a:extLst>
             <a:ext uri="{909E8E84-426E-40DD-AFC4-6F175D3DCCD1}">
               <a14:hiddenFill xmlns:a14="http://schemas.microsoft.com/office/drawing/2010/main">
@@ -38851,15 +40804,6 @@
                 <a:headEnd/>
                 <a:tailEnd/>
               </a14:hiddenLine>
-            </a:ext>
-            <a:ext uri="{AF507438-7753-43E0-B8FC-AC1667EBCBE1}">
-              <a14:hiddenEffects xmlns:a14="http://schemas.microsoft.com/office/drawing/2010/main">
-                <a:effectLst>
-                  <a:outerShdw dist="35921" dir="2700000" algn="ctr" rotWithShape="0">
-                    <a:schemeClr val="bg2"/>
-                  </a:outerShdw>
-                </a:effectLst>
-              </a14:hiddenEffects>
             </a:ext>
           </a:extLst>
         </p:spPr>
@@ -40606,22 +42550,191 @@
             <p:ph type="body" idx="1"/>
           </p:nvPr>
         </p:nvSpPr>
-        <p:spPr/>
+        <p:spPr>
+          <a:xfrm>
+            <a:off x="672541" y="2122996"/>
+            <a:ext cx="7704000" cy="2449003"/>
+          </a:xfrm>
+        </p:spPr>
         <p:txBody>
           <a:bodyPr/>
           <a:lstStyle/>
           <a:p>
+            <a:pPr marL="127000" indent="0" algn="just">
+              <a:buNone/>
+            </a:pPr>
+            <a:r>
+              <a:rPr lang="en-US" dirty="0"/>
+              <a:t>If you activate the first function new data sets will be generated and stored in the file</a:t>
+            </a:r>
+            <a:r>
+              <a:rPr lang="en-US" dirty="0" smtClean="0"/>
+              <a:t>.</a:t>
+            </a:r>
+          </a:p>
+          <a:p>
+            <a:pPr marL="127000" indent="0" algn="just">
+              <a:buNone/>
+            </a:pPr>
+            <a:endParaRPr lang="en-US" dirty="0"/>
+          </a:p>
+          <a:p>
+            <a:pPr marL="127000" indent="0" algn="just">
+              <a:buNone/>
+            </a:pPr>
+            <a:r>
+              <a:rPr lang="en-US" dirty="0"/>
+              <a:t>If you already have the data and the variable </a:t>
+            </a:r>
+            <a:r>
+              <a:rPr lang="en-US" dirty="0" err="1"/>
+              <a:t>iWantToGenerateNewData</a:t>
+            </a:r>
+            <a:r>
+              <a:rPr lang="en-US" dirty="0"/>
+              <a:t> is set to false the data will be read from the files. It was made to simulate, to some extent, the real data input</a:t>
+            </a:r>
+            <a:r>
+              <a:rPr lang="en-US" dirty="0" smtClean="0"/>
+              <a:t>.</a:t>
+            </a:r>
+          </a:p>
+          <a:p>
+            <a:pPr marL="127000" indent="0" algn="just">
+              <a:buNone/>
+            </a:pPr>
+            <a:endParaRPr lang="en-US" dirty="0"/>
+          </a:p>
+          <a:p>
+            <a:pPr marL="127000" indent="0" algn="just">
+              <a:buNone/>
+            </a:pPr>
+            <a:r>
+              <a:rPr lang="en-US" dirty="0"/>
+              <a:t>Data is processed using methods of the class </a:t>
+            </a:r>
+            <a:r>
+              <a:rPr lang="en-US" dirty="0" smtClean="0"/>
+              <a:t>DataProcessing.java.</a:t>
+            </a:r>
+          </a:p>
+          <a:p>
             <a:pPr marL="127000" indent="0">
               <a:buNone/>
             </a:pPr>
+            <a:endParaRPr lang="en-US" dirty="0" smtClean="0"/>
+          </a:p>
+          <a:p>
+            <a:pPr marL="127000" indent="0">
+              <a:buNone/>
+            </a:pPr>
+            <a:r>
+              <a:rPr lang="en-US" dirty="0" smtClean="0"/>
+              <a:t>If </a:t>
+            </a:r>
+            <a:r>
+              <a:rPr lang="en-US" dirty="0"/>
+              <a:t>you activate the variable </a:t>
+            </a:r>
+            <a:r>
+              <a:rPr lang="en-US" dirty="0" err="1"/>
+              <a:t>iWantToGenerateDataForDrawGraphics</a:t>
+            </a:r>
+            <a:r>
+              <a:rPr lang="en-US" dirty="0"/>
+              <a:t> the NN will be created using different settings and for each model and each epoch the training error and validation error will be stored in the corresponding file. </a:t>
+            </a:r>
+            <a:endParaRPr lang="en-US" dirty="0" smtClean="0"/>
+          </a:p>
+          <a:p>
+            <a:pPr marL="127000" indent="0">
+              <a:buNone/>
+            </a:pPr>
+            <a:endParaRPr lang="en-US" dirty="0"/>
+          </a:p>
+          <a:p>
+            <a:pPr marL="127000" indent="0" algn="just">
+              <a:buNone/>
+            </a:pPr>
+            <a:r>
+              <a:rPr lang="en-US" dirty="0"/>
+              <a:t>It is made this way to provide to the user different options at the time of choosing the right settings based on the generated data, which can be used to visualize in the form of graphics or diagrams each option.</a:t>
+            </a:r>
+            <a:endParaRPr lang="en-US" dirty="0"/>
+          </a:p>
+          <a:p>
+            <a:pPr marL="127000" indent="0">
+              <a:buNone/>
+            </a:pPr>
+            <a:r>
+              <a:rPr lang="en-US" dirty="0"/>
+              <a:t/>
+            </a:r>
+            <a:br>
+              <a:rPr lang="en-US" dirty="0"/>
+            </a:br>
             <a:endParaRPr lang="es-ES" dirty="0"/>
           </a:p>
         </p:txBody>
       </p:sp>
+      <p:pic>
+        <p:nvPicPr>
+          <p:cNvPr id="6146" name="Picture 2"/>
+          <p:cNvPicPr>
+            <a:picLocks noChangeAspect="1" noChangeArrowheads="1"/>
+          </p:cNvPicPr>
+          <p:nvPr/>
+        </p:nvPicPr>
+        <p:blipFill>
+          <a:blip r:embed="rId2">
+            <a:extLst>
+              <a:ext uri="{28A0092B-C50C-407E-A947-70E740481C1C}">
+                <a14:useLocalDpi xmlns:a14="http://schemas.microsoft.com/office/drawing/2010/main" val="0"/>
+              </a:ext>
+            </a:extLst>
+          </a:blip>
+          <a:srcRect/>
+          <a:stretch>
+            <a:fillRect/>
+          </a:stretch>
+        </p:blipFill>
+        <p:spPr bwMode="auto">
+          <a:xfrm>
+            <a:off x="1916762" y="1084237"/>
+            <a:ext cx="5215559" cy="959466"/>
+          </a:xfrm>
+          <a:prstGeom prst="rect">
+            <a:avLst/>
+          </a:prstGeom>
+          <a:noFill/>
+          <a:ln>
+            <a:noFill/>
+          </a:ln>
+          <a:extLst>
+            <a:ext uri="{909E8E84-426E-40DD-AFC4-6F175D3DCCD1}">
+              <a14:hiddenFill xmlns:a14="http://schemas.microsoft.com/office/drawing/2010/main">
+                <a:solidFill>
+                  <a:schemeClr val="accent1"/>
+                </a:solidFill>
+              </a14:hiddenFill>
+            </a:ext>
+            <a:ext uri="{91240B29-F687-4F45-9708-019B960494DF}">
+              <a14:hiddenLine xmlns:a14="http://schemas.microsoft.com/office/drawing/2010/main" w="9525">
+                <a:solidFill>
+                  <a:schemeClr val="tx1"/>
+                </a:solidFill>
+                <a:miter lim="800000"/>
+                <a:headEnd/>
+                <a:tailEnd/>
+              </a14:hiddenLine>
+            </a:ext>
+          </a:extLst>
+        </p:spPr>
+      </p:pic>
     </p:spTree>
     <p:extLst>
       <p:ext uri="{BB962C8B-B14F-4D97-AF65-F5344CB8AC3E}">
-        <p14:creationId xmlns:p14="http://schemas.microsoft.com/office/powerpoint/2010/main" val="3587828505"/>
+        <p14:creationId xmlns:p14="http://schemas.microsoft.com/office/powerpoint/2010/main" val="814595176"/>
       </p:ext>
     </p:extLst>
   </p:cSld>
@@ -40671,8 +42784,16 @@
           <a:lstStyle/>
           <a:p>
             <a:r>
+              <a:rPr lang="es-ES" dirty="0" err="1" smtClean="0"/>
+              <a:t>Program</a:t>
+            </a:r>
+            <a:r>
               <a:rPr lang="es-ES" dirty="0" smtClean="0"/>
-              <a:t>ERROR PLOTS</a:t>
+              <a:t> </a:t>
+            </a:r>
+            <a:r>
+              <a:rPr lang="es-ES" dirty="0" err="1" smtClean="0"/>
+              <a:t>code</a:t>
             </a:r>
             <a:endParaRPr lang="es-ES" dirty="0"/>
           </a:p>
@@ -40690,266 +42811,121 @@
         </p:nvSpPr>
         <p:spPr>
           <a:xfrm>
-            <a:off x="720000" y="1655618"/>
-            <a:ext cx="7704000" cy="413193"/>
+            <a:off x="663762" y="1900363"/>
+            <a:ext cx="7704000" cy="1208598"/>
           </a:xfrm>
         </p:spPr>
         <p:txBody>
           <a:bodyPr/>
           <a:lstStyle/>
           <a:p>
-            <a:pPr marL="127000" indent="0">
+            <a:pPr marL="127000" indent="0" algn="just">
               <a:buNone/>
             </a:pPr>
             <a:r>
-              <a:rPr lang="es-ES" dirty="0" err="1" smtClean="0"/>
-              <a:t>To</a:t>
+              <a:rPr lang="en-US" dirty="0"/>
+              <a:t>You can add to the string array the different activation function in order to test the NN with different settings. </a:t>
+            </a:r>
+            <a:endParaRPr lang="en-US" dirty="0" smtClean="0"/>
+          </a:p>
+          <a:p>
+            <a:pPr marL="127000" indent="0" algn="just">
+              <a:buNone/>
+            </a:pPr>
+            <a:endParaRPr lang="en-US" dirty="0"/>
+          </a:p>
+          <a:p>
+            <a:pPr marL="127000" indent="0" algn="just">
+              <a:buNone/>
+            </a:pPr>
+            <a:r>
+              <a:rPr lang="en-US" dirty="0"/>
+              <a:t>The testing range of the hidden layer can be adjusted changing for loop range</a:t>
             </a:r>
             <a:r>
-              <a:rPr lang="es-ES" dirty="0" smtClean="0"/>
+              <a:rPr lang="en-US" dirty="0" smtClean="0"/>
+              <a:t>.</a:t>
+            </a:r>
+          </a:p>
+          <a:p>
+            <a:pPr marL="127000" indent="0" algn="just">
+              <a:buNone/>
+            </a:pPr>
+            <a:endParaRPr lang="en-US" dirty="0"/>
+          </a:p>
+          <a:p>
+            <a:pPr marL="127000" indent="0" algn="just">
+              <a:buNone/>
+            </a:pPr>
+            <a:r>
+              <a:rPr lang="en-US" dirty="0"/>
+              <a:t>Currently only supports two listed functions, but if you want to add more you need to modify </a:t>
+            </a:r>
+            <a:r>
+              <a:rPr lang="en-US" dirty="0" smtClean="0"/>
+              <a:t>the </a:t>
+            </a:r>
+            <a:r>
+              <a:rPr lang="en-US" dirty="0" err="1" smtClean="0"/>
+              <a:t>ActivationFuncion</a:t>
+            </a:r>
+            <a:r>
+              <a:rPr lang="en-US" dirty="0" smtClean="0"/>
               <a:t> </a:t>
             </a:r>
             <a:r>
-              <a:rPr lang="es-ES" dirty="0" err="1" smtClean="0"/>
-              <a:t>check</a:t>
+              <a:rPr lang="en-US" dirty="0"/>
+              <a:t>method in “method” package, adding a new corresponding case.</a:t>
             </a:r>
-            <a:r>
-              <a:rPr lang="es-ES" dirty="0" smtClean="0"/>
-              <a:t> </a:t>
-            </a:r>
-            <a:r>
-              <a:rPr lang="es-ES" dirty="0" err="1" smtClean="0"/>
-              <a:t>which</a:t>
-            </a:r>
-            <a:r>
-              <a:rPr lang="es-ES" dirty="0" smtClean="0"/>
-              <a:t> </a:t>
-            </a:r>
-            <a:r>
-              <a:rPr lang="es-ES" dirty="0" err="1" smtClean="0"/>
-              <a:t>is</a:t>
-            </a:r>
-            <a:r>
-              <a:rPr lang="es-ES" dirty="0" smtClean="0"/>
-              <a:t> </a:t>
-            </a:r>
-            <a:r>
-              <a:rPr lang="es-ES" dirty="0" err="1" smtClean="0"/>
-              <a:t>the</a:t>
-            </a:r>
-            <a:r>
-              <a:rPr lang="es-ES" dirty="0" smtClean="0"/>
-              <a:t> </a:t>
-            </a:r>
-            <a:r>
-              <a:rPr lang="es-ES" dirty="0" err="1" smtClean="0"/>
-              <a:t>best</a:t>
-            </a:r>
-            <a:r>
-              <a:rPr lang="es-ES" dirty="0" smtClean="0"/>
-              <a:t> </a:t>
-            </a:r>
-            <a:r>
-              <a:rPr lang="es-ES" dirty="0" err="1" smtClean="0"/>
-              <a:t>setting</a:t>
-            </a:r>
-            <a:r>
-              <a:rPr lang="es-ES" dirty="0" smtClean="0"/>
-              <a:t> </a:t>
-            </a:r>
-            <a:r>
-              <a:rPr lang="es-ES" dirty="0" err="1" smtClean="0"/>
-              <a:t>for</a:t>
-            </a:r>
-            <a:r>
-              <a:rPr lang="es-ES" dirty="0" smtClean="0"/>
-              <a:t> </a:t>
-            </a:r>
-            <a:r>
-              <a:rPr lang="es-ES" dirty="0" err="1" smtClean="0"/>
-              <a:t>the</a:t>
-            </a:r>
-            <a:r>
-              <a:rPr lang="es-ES" dirty="0" smtClean="0"/>
-              <a:t> neural </a:t>
-            </a:r>
-            <a:r>
-              <a:rPr lang="es-ES" dirty="0" err="1" smtClean="0"/>
-              <a:t>network</a:t>
-            </a:r>
-            <a:r>
-              <a:rPr lang="es-ES" dirty="0" smtClean="0"/>
-              <a:t>, </a:t>
-            </a:r>
-            <a:r>
-              <a:rPr lang="es-ES" dirty="0" err="1" smtClean="0"/>
-              <a:t>we</a:t>
-            </a:r>
-            <a:r>
-              <a:rPr lang="es-ES" dirty="0" smtClean="0"/>
-              <a:t> </a:t>
-            </a:r>
-            <a:r>
-              <a:rPr lang="es-ES" dirty="0" err="1" smtClean="0"/>
-              <a:t>have</a:t>
-            </a:r>
-            <a:r>
-              <a:rPr lang="es-ES" dirty="0" smtClean="0"/>
-              <a:t> done </a:t>
-            </a:r>
-            <a:r>
-              <a:rPr lang="es-ES" dirty="0" err="1" smtClean="0"/>
-              <a:t>several</a:t>
-            </a:r>
-            <a:r>
-              <a:rPr lang="es-ES" dirty="0" smtClean="0"/>
-              <a:t> error </a:t>
-            </a:r>
-            <a:r>
-              <a:rPr lang="es-ES" dirty="0" err="1" smtClean="0"/>
-              <a:t>plots</a:t>
-            </a:r>
-            <a:r>
-              <a:rPr lang="es-ES" dirty="0" smtClean="0"/>
-              <a:t>. </a:t>
-            </a:r>
-            <a:r>
-              <a:rPr lang="es-ES" dirty="0" err="1" smtClean="0"/>
-              <a:t>We</a:t>
-            </a:r>
-            <a:r>
-              <a:rPr lang="es-ES" dirty="0" smtClean="0"/>
-              <a:t> </a:t>
-            </a:r>
-            <a:r>
-              <a:rPr lang="es-ES" dirty="0" err="1" smtClean="0"/>
-              <a:t>have</a:t>
-            </a:r>
-            <a:r>
-              <a:rPr lang="es-ES" dirty="0" smtClean="0"/>
-              <a:t> </a:t>
-            </a:r>
-            <a:r>
-              <a:rPr lang="es-ES" dirty="0" err="1" smtClean="0"/>
-              <a:t>chosen</a:t>
-            </a:r>
-            <a:r>
-              <a:rPr lang="es-ES" dirty="0" smtClean="0"/>
-              <a:t> </a:t>
-            </a:r>
-            <a:r>
-              <a:rPr lang="es-ES" dirty="0" err="1" smtClean="0"/>
-              <a:t>between</a:t>
-            </a:r>
-            <a:r>
-              <a:rPr lang="es-ES" dirty="0" smtClean="0"/>
-              <a:t> </a:t>
-            </a:r>
-            <a:r>
-              <a:rPr lang="es-ES" dirty="0" err="1" smtClean="0"/>
-              <a:t>two</a:t>
-            </a:r>
-            <a:r>
-              <a:rPr lang="es-ES" dirty="0" smtClean="0"/>
-              <a:t> </a:t>
-            </a:r>
-            <a:r>
-              <a:rPr lang="es-ES" dirty="0" err="1" smtClean="0"/>
-              <a:t>different</a:t>
-            </a:r>
-            <a:r>
-              <a:rPr lang="es-ES" dirty="0" smtClean="0"/>
-              <a:t> </a:t>
-            </a:r>
-            <a:r>
-              <a:rPr lang="es-ES" dirty="0" err="1" smtClean="0"/>
-              <a:t>activation</a:t>
-            </a:r>
-            <a:r>
-              <a:rPr lang="es-ES" dirty="0" smtClean="0"/>
-              <a:t> </a:t>
-            </a:r>
-            <a:r>
-              <a:rPr lang="es-ES" dirty="0" err="1" smtClean="0"/>
-              <a:t>functions</a:t>
-            </a:r>
-            <a:r>
-              <a:rPr lang="es-ES" dirty="0" smtClean="0"/>
-              <a:t>:</a:t>
-            </a:r>
-          </a:p>
-          <a:p>
-            <a:pPr marL="127000" indent="0">
-              <a:buNone/>
-            </a:pPr>
-            <a:endParaRPr lang="es-ES" dirty="0" smtClean="0"/>
+            <a:endParaRPr lang="en-US" dirty="0"/>
           </a:p>
           <a:p>
             <a:pPr marL="127000" indent="0">
               <a:buNone/>
             </a:pPr>
             <a:r>
-              <a:rPr lang="es-ES" dirty="0"/>
-              <a:t>	</a:t>
+              <a:rPr lang="en-US" dirty="0"/>
+              <a:t/>
             </a:r>
+            <a:br>
+              <a:rPr lang="en-US" dirty="0"/>
+            </a:br>
+            <a:r>
+              <a:rPr lang="en-US" dirty="0"/>
+              <a:t/>
+            </a:r>
+            <a:br>
+              <a:rPr lang="en-US" dirty="0"/>
+            </a:br>
+            <a:endParaRPr lang="es-ES" dirty="0"/>
           </a:p>
         </p:txBody>
       </p:sp>
-      <p:sp>
-        <p:nvSpPr>
-          <p:cNvPr id="2" name="1 Flecha derecha"/>
-          <p:cNvSpPr/>
+      <p:pic>
+        <p:nvPicPr>
+          <p:cNvPr id="7170" name="Picture 2"/>
+          <p:cNvPicPr>
+            <a:picLocks noChangeAspect="1" noChangeArrowheads="1"/>
+          </p:cNvPicPr>
           <p:nvPr/>
-        </p:nvSpPr>
-        <p:spPr>
+        </p:nvPicPr>
+        <p:blipFill>
+          <a:blip r:embed="rId2">
+            <a:extLst>
+              <a:ext uri="{28A0092B-C50C-407E-A947-70E740481C1C}">
+                <a14:useLocalDpi xmlns:a14="http://schemas.microsoft.com/office/drawing/2010/main" val="0"/>
+              </a:ext>
+            </a:extLst>
+          </a:blip>
+          <a:srcRect/>
+          <a:stretch>
+            <a:fillRect/>
+          </a:stretch>
+        </p:blipFill>
+        <p:spPr bwMode="auto">
           <a:xfrm>
-            <a:off x="1239982" y="2193502"/>
-            <a:ext cx="401782" cy="318655"/>
-          </a:xfrm>
-          <a:prstGeom prst="rightArrow">
-            <a:avLst/>
-          </a:prstGeom>
-          <a:solidFill>
-            <a:schemeClr val="accent4"/>
-          </a:solidFill>
-        </p:spPr>
-        <p:style>
-          <a:lnRef idx="2">
-            <a:schemeClr val="accent1">
-              <a:shade val="50000"/>
-            </a:schemeClr>
-          </a:lnRef>
-          <a:fillRef idx="1">
-            <a:schemeClr val="accent1"/>
-          </a:fillRef>
-          <a:effectRef idx="0">
-            <a:schemeClr val="accent1"/>
-          </a:effectRef>
-          <a:fontRef idx="minor">
-            <a:schemeClr val="lt1"/>
-          </a:fontRef>
-        </p:style>
-        <p:txBody>
-          <a:bodyPr rtlCol="0" anchor="ctr"/>
-          <a:lstStyle/>
-          <a:p>
-            <a:pPr algn="ctr"/>
-            <a:endParaRPr lang="es-ES"/>
-          </a:p>
-        </p:txBody>
-      </p:sp>
-      <p:sp>
-        <p:nvSpPr>
-          <p:cNvPr id="5" name="12 Marcador de texto"/>
-          <p:cNvSpPr txBox="1">
-            <a:spLocks/>
-          </p:cNvSpPr>
-          <p:nvPr/>
-        </p:nvSpPr>
-        <p:spPr>
-          <a:xfrm>
-            <a:off x="1752163" y="2211431"/>
-            <a:ext cx="1905438" cy="282796"/>
+            <a:off x="706507" y="1070981"/>
+            <a:ext cx="7618510" cy="642963"/>
           </a:xfrm>
           <a:prstGeom prst="rect">
             <a:avLst/>
@@ -40958,1051 +42934,31 @@
           <a:ln>
             <a:noFill/>
           </a:ln>
+          <a:extLst>
+            <a:ext uri="{909E8E84-426E-40DD-AFC4-6F175D3DCCD1}">
+              <a14:hiddenFill xmlns:a14="http://schemas.microsoft.com/office/drawing/2010/main">
+                <a:solidFill>
+                  <a:schemeClr val="accent1"/>
+                </a:solidFill>
+              </a14:hiddenFill>
+            </a:ext>
+            <a:ext uri="{91240B29-F687-4F45-9708-019B960494DF}">
+              <a14:hiddenLine xmlns:a14="http://schemas.microsoft.com/office/drawing/2010/main" w="9525">
+                <a:solidFill>
+                  <a:schemeClr val="tx1"/>
+                </a:solidFill>
+                <a:miter lim="800000"/>
+                <a:headEnd/>
+                <a:tailEnd/>
+              </a14:hiddenLine>
+            </a:ext>
+          </a:extLst>
         </p:spPr>
-        <p:txBody>
-          <a:bodyPr spcFirstLastPara="1" wrap="square" lIns="0" tIns="0" rIns="0" bIns="0" anchor="t" anchorCtr="0">
-            <a:noAutofit/>
-          </a:bodyPr>
-          <a:lstStyle>
-            <a:defPPr marR="0" lvl="0" algn="l" rtl="0">
-              <a:lnSpc>
-                <a:spcPct val="100000"/>
-              </a:lnSpc>
-              <a:spcBef>
-                <a:spcPts val="0"/>
-              </a:spcBef>
-              <a:spcAft>
-                <a:spcPts val="0"/>
-              </a:spcAft>
-            </a:defPPr>
-            <a:lvl1pPr marL="457200" marR="0" lvl="0" indent="-330200" algn="l" rtl="0">
-              <a:lnSpc>
-                <a:spcPct val="100000"/>
-              </a:lnSpc>
-              <a:spcBef>
-                <a:spcPts val="0"/>
-              </a:spcBef>
-              <a:spcAft>
-                <a:spcPts val="0"/>
-              </a:spcAft>
-              <a:buClr>
-                <a:schemeClr val="dk2"/>
-              </a:buClr>
-              <a:buSzPts val="1600"/>
-              <a:buFont typeface="Roboto"/>
-              <a:buChar char="●"/>
-              <a:defRPr sz="1200" b="0" i="0" u="none" strike="noStrike" cap="none">
-                <a:solidFill>
-                  <a:schemeClr val="dk1"/>
-                </a:solidFill>
-                <a:latin typeface="Roboto"/>
-                <a:ea typeface="Roboto"/>
-                <a:cs typeface="Roboto"/>
-                <a:sym typeface="Roboto"/>
-              </a:defRPr>
-            </a:lvl1pPr>
-            <a:lvl2pPr marL="914400" marR="0" lvl="1" indent="-330200" algn="l" rtl="0">
-              <a:lnSpc>
-                <a:spcPct val="115000"/>
-              </a:lnSpc>
-              <a:spcBef>
-                <a:spcPts val="1600"/>
-              </a:spcBef>
-              <a:spcAft>
-                <a:spcPts val="0"/>
-              </a:spcAft>
-              <a:buClr>
-                <a:schemeClr val="dk1"/>
-              </a:buClr>
-              <a:buSzPts val="1600"/>
-              <a:buFont typeface="Roboto"/>
-              <a:buChar char="○"/>
-              <a:defRPr sz="1600" b="0" i="0" u="none" strike="noStrike" cap="none">
-                <a:solidFill>
-                  <a:schemeClr val="dk1"/>
-                </a:solidFill>
-                <a:latin typeface="Roboto"/>
-                <a:ea typeface="Roboto"/>
-                <a:cs typeface="Roboto"/>
-                <a:sym typeface="Roboto"/>
-              </a:defRPr>
-            </a:lvl2pPr>
-            <a:lvl3pPr marL="1371600" marR="0" lvl="2" indent="-330200" algn="l" rtl="0">
-              <a:lnSpc>
-                <a:spcPct val="115000"/>
-              </a:lnSpc>
-              <a:spcBef>
-                <a:spcPts val="1600"/>
-              </a:spcBef>
-              <a:spcAft>
-                <a:spcPts val="0"/>
-              </a:spcAft>
-              <a:buClr>
-                <a:schemeClr val="dk1"/>
-              </a:buClr>
-              <a:buSzPts val="1600"/>
-              <a:buFont typeface="Roboto"/>
-              <a:buChar char="■"/>
-              <a:defRPr sz="1600" b="0" i="0" u="none" strike="noStrike" cap="none">
-                <a:solidFill>
-                  <a:schemeClr val="dk1"/>
-                </a:solidFill>
-                <a:latin typeface="Roboto"/>
-                <a:ea typeface="Roboto"/>
-                <a:cs typeface="Roboto"/>
-                <a:sym typeface="Roboto"/>
-              </a:defRPr>
-            </a:lvl3pPr>
-            <a:lvl4pPr marL="1828800" marR="0" lvl="3" indent="-330200" algn="l" rtl="0">
-              <a:lnSpc>
-                <a:spcPct val="115000"/>
-              </a:lnSpc>
-              <a:spcBef>
-                <a:spcPts val="1600"/>
-              </a:spcBef>
-              <a:spcAft>
-                <a:spcPts val="0"/>
-              </a:spcAft>
-              <a:buClr>
-                <a:schemeClr val="dk1"/>
-              </a:buClr>
-              <a:buSzPts val="1600"/>
-              <a:buFont typeface="Roboto"/>
-              <a:buChar char="●"/>
-              <a:defRPr sz="1600" b="0" i="0" u="none" strike="noStrike" cap="none">
-                <a:solidFill>
-                  <a:schemeClr val="dk1"/>
-                </a:solidFill>
-                <a:latin typeface="Roboto"/>
-                <a:ea typeface="Roboto"/>
-                <a:cs typeface="Roboto"/>
-                <a:sym typeface="Roboto"/>
-              </a:defRPr>
-            </a:lvl4pPr>
-            <a:lvl5pPr marL="2286000" marR="0" lvl="4" indent="-330200" algn="l" rtl="0">
-              <a:lnSpc>
-                <a:spcPct val="115000"/>
-              </a:lnSpc>
-              <a:spcBef>
-                <a:spcPts val="1600"/>
-              </a:spcBef>
-              <a:spcAft>
-                <a:spcPts val="0"/>
-              </a:spcAft>
-              <a:buClr>
-                <a:schemeClr val="dk1"/>
-              </a:buClr>
-              <a:buSzPts val="1600"/>
-              <a:buFont typeface="Roboto"/>
-              <a:buChar char="○"/>
-              <a:defRPr sz="1600" b="0" i="0" u="none" strike="noStrike" cap="none">
-                <a:solidFill>
-                  <a:schemeClr val="dk1"/>
-                </a:solidFill>
-                <a:latin typeface="Roboto"/>
-                <a:ea typeface="Roboto"/>
-                <a:cs typeface="Roboto"/>
-                <a:sym typeface="Roboto"/>
-              </a:defRPr>
-            </a:lvl5pPr>
-            <a:lvl6pPr marL="2743200" marR="0" lvl="5" indent="-330200" algn="l" rtl="0">
-              <a:lnSpc>
-                <a:spcPct val="115000"/>
-              </a:lnSpc>
-              <a:spcBef>
-                <a:spcPts val="1600"/>
-              </a:spcBef>
-              <a:spcAft>
-                <a:spcPts val="0"/>
-              </a:spcAft>
-              <a:buClr>
-                <a:schemeClr val="dk1"/>
-              </a:buClr>
-              <a:buSzPts val="1600"/>
-              <a:buFont typeface="Roboto"/>
-              <a:buChar char="■"/>
-              <a:defRPr sz="1600" b="0" i="0" u="none" strike="noStrike" cap="none">
-                <a:solidFill>
-                  <a:schemeClr val="dk1"/>
-                </a:solidFill>
-                <a:latin typeface="Roboto"/>
-                <a:ea typeface="Roboto"/>
-                <a:cs typeface="Roboto"/>
-                <a:sym typeface="Roboto"/>
-              </a:defRPr>
-            </a:lvl6pPr>
-            <a:lvl7pPr marL="3200400" marR="0" lvl="6" indent="-330200" algn="l" rtl="0">
-              <a:lnSpc>
-                <a:spcPct val="115000"/>
-              </a:lnSpc>
-              <a:spcBef>
-                <a:spcPts val="1600"/>
-              </a:spcBef>
-              <a:spcAft>
-                <a:spcPts val="0"/>
-              </a:spcAft>
-              <a:buClr>
-                <a:schemeClr val="dk1"/>
-              </a:buClr>
-              <a:buSzPts val="1600"/>
-              <a:buFont typeface="Roboto"/>
-              <a:buChar char="●"/>
-              <a:defRPr sz="1600" b="0" i="0" u="none" strike="noStrike" cap="none">
-                <a:solidFill>
-                  <a:schemeClr val="dk1"/>
-                </a:solidFill>
-                <a:latin typeface="Roboto"/>
-                <a:ea typeface="Roboto"/>
-                <a:cs typeface="Roboto"/>
-                <a:sym typeface="Roboto"/>
-              </a:defRPr>
-            </a:lvl7pPr>
-            <a:lvl8pPr marL="3657600" marR="0" lvl="7" indent="-330200" algn="l" rtl="0">
-              <a:lnSpc>
-                <a:spcPct val="115000"/>
-              </a:lnSpc>
-              <a:spcBef>
-                <a:spcPts val="1600"/>
-              </a:spcBef>
-              <a:spcAft>
-                <a:spcPts val="0"/>
-              </a:spcAft>
-              <a:buClr>
-                <a:schemeClr val="dk1"/>
-              </a:buClr>
-              <a:buSzPts val="1600"/>
-              <a:buFont typeface="Roboto"/>
-              <a:buChar char="○"/>
-              <a:defRPr sz="1600" b="0" i="0" u="none" strike="noStrike" cap="none">
-                <a:solidFill>
-                  <a:schemeClr val="dk1"/>
-                </a:solidFill>
-                <a:latin typeface="Roboto"/>
-                <a:ea typeface="Roboto"/>
-                <a:cs typeface="Roboto"/>
-                <a:sym typeface="Roboto"/>
-              </a:defRPr>
-            </a:lvl8pPr>
-            <a:lvl9pPr marL="4114800" marR="0" lvl="8" indent="-330200" algn="l" rtl="0">
-              <a:lnSpc>
-                <a:spcPct val="115000"/>
-              </a:lnSpc>
-              <a:spcBef>
-                <a:spcPts val="1600"/>
-              </a:spcBef>
-              <a:spcAft>
-                <a:spcPts val="1600"/>
-              </a:spcAft>
-              <a:buClr>
-                <a:schemeClr val="dk1"/>
-              </a:buClr>
-              <a:buSzPts val="1600"/>
-              <a:buFont typeface="Roboto"/>
-              <a:buChar char="■"/>
-              <a:defRPr sz="1600" b="0" i="0" u="none" strike="noStrike" cap="none">
-                <a:solidFill>
-                  <a:schemeClr val="dk1"/>
-                </a:solidFill>
-                <a:latin typeface="Roboto"/>
-                <a:ea typeface="Roboto"/>
-                <a:cs typeface="Roboto"/>
-                <a:sym typeface="Roboto"/>
-              </a:defRPr>
-            </a:lvl9pPr>
-          </a:lstStyle>
-          <a:p>
-            <a:pPr marL="127000" indent="0">
-              <a:buFont typeface="Roboto"/>
-              <a:buNone/>
-            </a:pPr>
-            <a:r>
-              <a:rPr lang="es-ES" sz="1800" dirty="0" err="1" smtClean="0">
-                <a:latin typeface="Bebas Neue" charset="0"/>
-              </a:rPr>
-              <a:t>Activation</a:t>
-            </a:r>
-            <a:r>
-              <a:rPr lang="es-ES" sz="1800" dirty="0" smtClean="0">
-                <a:latin typeface="Bebas Neue" charset="0"/>
-              </a:rPr>
-              <a:t> LOGARITHM </a:t>
-            </a:r>
-          </a:p>
-          <a:p>
-            <a:pPr marL="127000" indent="0">
-              <a:buFont typeface="Roboto"/>
-              <a:buNone/>
-            </a:pPr>
-            <a:r>
-              <a:rPr lang="es-ES" dirty="0" smtClean="0"/>
-              <a:t>	</a:t>
-            </a:r>
-            <a:endParaRPr lang="es-ES" dirty="0"/>
-          </a:p>
-        </p:txBody>
-      </p:sp>
-      <p:sp>
-        <p:nvSpPr>
-          <p:cNvPr id="6" name="5 Flecha derecha"/>
-          <p:cNvSpPr/>
-          <p:nvPr/>
-        </p:nvSpPr>
-        <p:spPr>
-          <a:xfrm>
-            <a:off x="1239982" y="2616066"/>
-            <a:ext cx="401782" cy="318655"/>
-          </a:xfrm>
-          <a:prstGeom prst="rightArrow">
-            <a:avLst/>
-          </a:prstGeom>
-          <a:solidFill>
-            <a:schemeClr val="accent4"/>
-          </a:solidFill>
-        </p:spPr>
-        <p:style>
-          <a:lnRef idx="2">
-            <a:schemeClr val="accent1">
-              <a:shade val="50000"/>
-            </a:schemeClr>
-          </a:lnRef>
-          <a:fillRef idx="1">
-            <a:schemeClr val="accent1"/>
-          </a:fillRef>
-          <a:effectRef idx="0">
-            <a:schemeClr val="accent1"/>
-          </a:effectRef>
-          <a:fontRef idx="minor">
-            <a:schemeClr val="lt1"/>
-          </a:fontRef>
-        </p:style>
-        <p:txBody>
-          <a:bodyPr rtlCol="0" anchor="ctr"/>
-          <a:lstStyle/>
-          <a:p>
-            <a:pPr algn="ctr"/>
-            <a:endParaRPr lang="es-ES"/>
-          </a:p>
-        </p:txBody>
-      </p:sp>
-      <p:sp>
-        <p:nvSpPr>
-          <p:cNvPr id="7" name="12 Marcador de texto"/>
-          <p:cNvSpPr txBox="1">
-            <a:spLocks/>
-          </p:cNvSpPr>
-          <p:nvPr/>
-        </p:nvSpPr>
-        <p:spPr>
-          <a:xfrm>
-            <a:off x="1752163" y="2633995"/>
-            <a:ext cx="1905438" cy="282796"/>
-          </a:xfrm>
-          <a:prstGeom prst="rect">
-            <a:avLst/>
-          </a:prstGeom>
-          <a:noFill/>
-          <a:ln>
-            <a:noFill/>
-          </a:ln>
-        </p:spPr>
-        <p:txBody>
-          <a:bodyPr spcFirstLastPara="1" wrap="square" lIns="0" tIns="0" rIns="0" bIns="0" anchor="t" anchorCtr="0">
-            <a:noAutofit/>
-          </a:bodyPr>
-          <a:lstStyle>
-            <a:defPPr marR="0" lvl="0" algn="l" rtl="0">
-              <a:lnSpc>
-                <a:spcPct val="100000"/>
-              </a:lnSpc>
-              <a:spcBef>
-                <a:spcPts val="0"/>
-              </a:spcBef>
-              <a:spcAft>
-                <a:spcPts val="0"/>
-              </a:spcAft>
-            </a:defPPr>
-            <a:lvl1pPr marL="457200" marR="0" lvl="0" indent="-330200" algn="l" rtl="0">
-              <a:lnSpc>
-                <a:spcPct val="100000"/>
-              </a:lnSpc>
-              <a:spcBef>
-                <a:spcPts val="0"/>
-              </a:spcBef>
-              <a:spcAft>
-                <a:spcPts val="0"/>
-              </a:spcAft>
-              <a:buClr>
-                <a:schemeClr val="dk2"/>
-              </a:buClr>
-              <a:buSzPts val="1600"/>
-              <a:buFont typeface="Roboto"/>
-              <a:buChar char="●"/>
-              <a:defRPr sz="1200" b="0" i="0" u="none" strike="noStrike" cap="none">
-                <a:solidFill>
-                  <a:schemeClr val="dk1"/>
-                </a:solidFill>
-                <a:latin typeface="Roboto"/>
-                <a:ea typeface="Roboto"/>
-                <a:cs typeface="Roboto"/>
-                <a:sym typeface="Roboto"/>
-              </a:defRPr>
-            </a:lvl1pPr>
-            <a:lvl2pPr marL="914400" marR="0" lvl="1" indent="-330200" algn="l" rtl="0">
-              <a:lnSpc>
-                <a:spcPct val="115000"/>
-              </a:lnSpc>
-              <a:spcBef>
-                <a:spcPts val="1600"/>
-              </a:spcBef>
-              <a:spcAft>
-                <a:spcPts val="0"/>
-              </a:spcAft>
-              <a:buClr>
-                <a:schemeClr val="dk1"/>
-              </a:buClr>
-              <a:buSzPts val="1600"/>
-              <a:buFont typeface="Roboto"/>
-              <a:buChar char="○"/>
-              <a:defRPr sz="1600" b="0" i="0" u="none" strike="noStrike" cap="none">
-                <a:solidFill>
-                  <a:schemeClr val="dk1"/>
-                </a:solidFill>
-                <a:latin typeface="Roboto"/>
-                <a:ea typeface="Roboto"/>
-                <a:cs typeface="Roboto"/>
-                <a:sym typeface="Roboto"/>
-              </a:defRPr>
-            </a:lvl2pPr>
-            <a:lvl3pPr marL="1371600" marR="0" lvl="2" indent="-330200" algn="l" rtl="0">
-              <a:lnSpc>
-                <a:spcPct val="115000"/>
-              </a:lnSpc>
-              <a:spcBef>
-                <a:spcPts val="1600"/>
-              </a:spcBef>
-              <a:spcAft>
-                <a:spcPts val="0"/>
-              </a:spcAft>
-              <a:buClr>
-                <a:schemeClr val="dk1"/>
-              </a:buClr>
-              <a:buSzPts val="1600"/>
-              <a:buFont typeface="Roboto"/>
-              <a:buChar char="■"/>
-              <a:defRPr sz="1600" b="0" i="0" u="none" strike="noStrike" cap="none">
-                <a:solidFill>
-                  <a:schemeClr val="dk1"/>
-                </a:solidFill>
-                <a:latin typeface="Roboto"/>
-                <a:ea typeface="Roboto"/>
-                <a:cs typeface="Roboto"/>
-                <a:sym typeface="Roboto"/>
-              </a:defRPr>
-            </a:lvl3pPr>
-            <a:lvl4pPr marL="1828800" marR="0" lvl="3" indent="-330200" algn="l" rtl="0">
-              <a:lnSpc>
-                <a:spcPct val="115000"/>
-              </a:lnSpc>
-              <a:spcBef>
-                <a:spcPts val="1600"/>
-              </a:spcBef>
-              <a:spcAft>
-                <a:spcPts val="0"/>
-              </a:spcAft>
-              <a:buClr>
-                <a:schemeClr val="dk1"/>
-              </a:buClr>
-              <a:buSzPts val="1600"/>
-              <a:buFont typeface="Roboto"/>
-              <a:buChar char="●"/>
-              <a:defRPr sz="1600" b="0" i="0" u="none" strike="noStrike" cap="none">
-                <a:solidFill>
-                  <a:schemeClr val="dk1"/>
-                </a:solidFill>
-                <a:latin typeface="Roboto"/>
-                <a:ea typeface="Roboto"/>
-                <a:cs typeface="Roboto"/>
-                <a:sym typeface="Roboto"/>
-              </a:defRPr>
-            </a:lvl4pPr>
-            <a:lvl5pPr marL="2286000" marR="0" lvl="4" indent="-330200" algn="l" rtl="0">
-              <a:lnSpc>
-                <a:spcPct val="115000"/>
-              </a:lnSpc>
-              <a:spcBef>
-                <a:spcPts val="1600"/>
-              </a:spcBef>
-              <a:spcAft>
-                <a:spcPts val="0"/>
-              </a:spcAft>
-              <a:buClr>
-                <a:schemeClr val="dk1"/>
-              </a:buClr>
-              <a:buSzPts val="1600"/>
-              <a:buFont typeface="Roboto"/>
-              <a:buChar char="○"/>
-              <a:defRPr sz="1600" b="0" i="0" u="none" strike="noStrike" cap="none">
-                <a:solidFill>
-                  <a:schemeClr val="dk1"/>
-                </a:solidFill>
-                <a:latin typeface="Roboto"/>
-                <a:ea typeface="Roboto"/>
-                <a:cs typeface="Roboto"/>
-                <a:sym typeface="Roboto"/>
-              </a:defRPr>
-            </a:lvl5pPr>
-            <a:lvl6pPr marL="2743200" marR="0" lvl="5" indent="-330200" algn="l" rtl="0">
-              <a:lnSpc>
-                <a:spcPct val="115000"/>
-              </a:lnSpc>
-              <a:spcBef>
-                <a:spcPts val="1600"/>
-              </a:spcBef>
-              <a:spcAft>
-                <a:spcPts val="0"/>
-              </a:spcAft>
-              <a:buClr>
-                <a:schemeClr val="dk1"/>
-              </a:buClr>
-              <a:buSzPts val="1600"/>
-              <a:buFont typeface="Roboto"/>
-              <a:buChar char="■"/>
-              <a:defRPr sz="1600" b="0" i="0" u="none" strike="noStrike" cap="none">
-                <a:solidFill>
-                  <a:schemeClr val="dk1"/>
-                </a:solidFill>
-                <a:latin typeface="Roboto"/>
-                <a:ea typeface="Roboto"/>
-                <a:cs typeface="Roboto"/>
-                <a:sym typeface="Roboto"/>
-              </a:defRPr>
-            </a:lvl6pPr>
-            <a:lvl7pPr marL="3200400" marR="0" lvl="6" indent="-330200" algn="l" rtl="0">
-              <a:lnSpc>
-                <a:spcPct val="115000"/>
-              </a:lnSpc>
-              <a:spcBef>
-                <a:spcPts val="1600"/>
-              </a:spcBef>
-              <a:spcAft>
-                <a:spcPts val="0"/>
-              </a:spcAft>
-              <a:buClr>
-                <a:schemeClr val="dk1"/>
-              </a:buClr>
-              <a:buSzPts val="1600"/>
-              <a:buFont typeface="Roboto"/>
-              <a:buChar char="●"/>
-              <a:defRPr sz="1600" b="0" i="0" u="none" strike="noStrike" cap="none">
-                <a:solidFill>
-                  <a:schemeClr val="dk1"/>
-                </a:solidFill>
-                <a:latin typeface="Roboto"/>
-                <a:ea typeface="Roboto"/>
-                <a:cs typeface="Roboto"/>
-                <a:sym typeface="Roboto"/>
-              </a:defRPr>
-            </a:lvl7pPr>
-            <a:lvl8pPr marL="3657600" marR="0" lvl="7" indent="-330200" algn="l" rtl="0">
-              <a:lnSpc>
-                <a:spcPct val="115000"/>
-              </a:lnSpc>
-              <a:spcBef>
-                <a:spcPts val="1600"/>
-              </a:spcBef>
-              <a:spcAft>
-                <a:spcPts val="0"/>
-              </a:spcAft>
-              <a:buClr>
-                <a:schemeClr val="dk1"/>
-              </a:buClr>
-              <a:buSzPts val="1600"/>
-              <a:buFont typeface="Roboto"/>
-              <a:buChar char="○"/>
-              <a:defRPr sz="1600" b="0" i="0" u="none" strike="noStrike" cap="none">
-                <a:solidFill>
-                  <a:schemeClr val="dk1"/>
-                </a:solidFill>
-                <a:latin typeface="Roboto"/>
-                <a:ea typeface="Roboto"/>
-                <a:cs typeface="Roboto"/>
-                <a:sym typeface="Roboto"/>
-              </a:defRPr>
-            </a:lvl8pPr>
-            <a:lvl9pPr marL="4114800" marR="0" lvl="8" indent="-330200" algn="l" rtl="0">
-              <a:lnSpc>
-                <a:spcPct val="115000"/>
-              </a:lnSpc>
-              <a:spcBef>
-                <a:spcPts val="1600"/>
-              </a:spcBef>
-              <a:spcAft>
-                <a:spcPts val="1600"/>
-              </a:spcAft>
-              <a:buClr>
-                <a:schemeClr val="dk1"/>
-              </a:buClr>
-              <a:buSzPts val="1600"/>
-              <a:buFont typeface="Roboto"/>
-              <a:buChar char="■"/>
-              <a:defRPr sz="1600" b="0" i="0" u="none" strike="noStrike" cap="none">
-                <a:solidFill>
-                  <a:schemeClr val="dk1"/>
-                </a:solidFill>
-                <a:latin typeface="Roboto"/>
-                <a:ea typeface="Roboto"/>
-                <a:cs typeface="Roboto"/>
-                <a:sym typeface="Roboto"/>
-              </a:defRPr>
-            </a:lvl9pPr>
-          </a:lstStyle>
-          <a:p>
-            <a:pPr marL="127000" indent="0">
-              <a:buFont typeface="Roboto"/>
-              <a:buNone/>
-            </a:pPr>
-            <a:r>
-              <a:rPr lang="es-ES" sz="1800" dirty="0" smtClean="0">
-                <a:latin typeface="Bebas Neue" charset="0"/>
-              </a:rPr>
-              <a:t>ELLIOTT SYMMETRIC</a:t>
-            </a:r>
-          </a:p>
-          <a:p>
-            <a:pPr marL="127000" indent="0">
-              <a:buFont typeface="Roboto"/>
-              <a:buNone/>
-            </a:pPr>
-            <a:r>
-              <a:rPr lang="es-ES" dirty="0" smtClean="0"/>
-              <a:t>	</a:t>
-            </a:r>
-            <a:endParaRPr lang="es-ES" dirty="0"/>
-          </a:p>
-        </p:txBody>
-      </p:sp>
-      <p:sp>
-        <p:nvSpPr>
-          <p:cNvPr id="8" name="12 Marcador de texto"/>
-          <p:cNvSpPr txBox="1">
-            <a:spLocks/>
-          </p:cNvSpPr>
-          <p:nvPr/>
-        </p:nvSpPr>
-        <p:spPr>
-          <a:xfrm>
-            <a:off x="782345" y="3013363"/>
-            <a:ext cx="7704000" cy="413193"/>
-          </a:xfrm>
-          <a:prstGeom prst="rect">
-            <a:avLst/>
-          </a:prstGeom>
-          <a:noFill/>
-          <a:ln>
-            <a:noFill/>
-          </a:ln>
-        </p:spPr>
-        <p:txBody>
-          <a:bodyPr spcFirstLastPara="1" wrap="square" lIns="0" tIns="0" rIns="0" bIns="0" anchor="t" anchorCtr="0">
-            <a:noAutofit/>
-          </a:bodyPr>
-          <a:lstStyle>
-            <a:defPPr marR="0" lvl="0" algn="l" rtl="0">
-              <a:lnSpc>
-                <a:spcPct val="100000"/>
-              </a:lnSpc>
-              <a:spcBef>
-                <a:spcPts val="0"/>
-              </a:spcBef>
-              <a:spcAft>
-                <a:spcPts val="0"/>
-              </a:spcAft>
-            </a:defPPr>
-            <a:lvl1pPr marL="457200" marR="0" lvl="0" indent="-330200" algn="l" rtl="0">
-              <a:lnSpc>
-                <a:spcPct val="100000"/>
-              </a:lnSpc>
-              <a:spcBef>
-                <a:spcPts val="0"/>
-              </a:spcBef>
-              <a:spcAft>
-                <a:spcPts val="0"/>
-              </a:spcAft>
-              <a:buClr>
-                <a:schemeClr val="dk2"/>
-              </a:buClr>
-              <a:buSzPts val="1600"/>
-              <a:buFont typeface="Roboto"/>
-              <a:buChar char="●"/>
-              <a:defRPr sz="1200" b="0" i="0" u="none" strike="noStrike" cap="none">
-                <a:solidFill>
-                  <a:schemeClr val="dk1"/>
-                </a:solidFill>
-                <a:latin typeface="Roboto"/>
-                <a:ea typeface="Roboto"/>
-                <a:cs typeface="Roboto"/>
-                <a:sym typeface="Roboto"/>
-              </a:defRPr>
-            </a:lvl1pPr>
-            <a:lvl2pPr marL="914400" marR="0" lvl="1" indent="-330200" algn="l" rtl="0">
-              <a:lnSpc>
-                <a:spcPct val="115000"/>
-              </a:lnSpc>
-              <a:spcBef>
-                <a:spcPts val="1600"/>
-              </a:spcBef>
-              <a:spcAft>
-                <a:spcPts val="0"/>
-              </a:spcAft>
-              <a:buClr>
-                <a:schemeClr val="dk1"/>
-              </a:buClr>
-              <a:buSzPts val="1600"/>
-              <a:buFont typeface="Roboto"/>
-              <a:buChar char="○"/>
-              <a:defRPr sz="1600" b="0" i="0" u="none" strike="noStrike" cap="none">
-                <a:solidFill>
-                  <a:schemeClr val="dk1"/>
-                </a:solidFill>
-                <a:latin typeface="Roboto"/>
-                <a:ea typeface="Roboto"/>
-                <a:cs typeface="Roboto"/>
-                <a:sym typeface="Roboto"/>
-              </a:defRPr>
-            </a:lvl2pPr>
-            <a:lvl3pPr marL="1371600" marR="0" lvl="2" indent="-330200" algn="l" rtl="0">
-              <a:lnSpc>
-                <a:spcPct val="115000"/>
-              </a:lnSpc>
-              <a:spcBef>
-                <a:spcPts val="1600"/>
-              </a:spcBef>
-              <a:spcAft>
-                <a:spcPts val="0"/>
-              </a:spcAft>
-              <a:buClr>
-                <a:schemeClr val="dk1"/>
-              </a:buClr>
-              <a:buSzPts val="1600"/>
-              <a:buFont typeface="Roboto"/>
-              <a:buChar char="■"/>
-              <a:defRPr sz="1600" b="0" i="0" u="none" strike="noStrike" cap="none">
-                <a:solidFill>
-                  <a:schemeClr val="dk1"/>
-                </a:solidFill>
-                <a:latin typeface="Roboto"/>
-                <a:ea typeface="Roboto"/>
-                <a:cs typeface="Roboto"/>
-                <a:sym typeface="Roboto"/>
-              </a:defRPr>
-            </a:lvl3pPr>
-            <a:lvl4pPr marL="1828800" marR="0" lvl="3" indent="-330200" algn="l" rtl="0">
-              <a:lnSpc>
-                <a:spcPct val="115000"/>
-              </a:lnSpc>
-              <a:spcBef>
-                <a:spcPts val="1600"/>
-              </a:spcBef>
-              <a:spcAft>
-                <a:spcPts val="0"/>
-              </a:spcAft>
-              <a:buClr>
-                <a:schemeClr val="dk1"/>
-              </a:buClr>
-              <a:buSzPts val="1600"/>
-              <a:buFont typeface="Roboto"/>
-              <a:buChar char="●"/>
-              <a:defRPr sz="1600" b="0" i="0" u="none" strike="noStrike" cap="none">
-                <a:solidFill>
-                  <a:schemeClr val="dk1"/>
-                </a:solidFill>
-                <a:latin typeface="Roboto"/>
-                <a:ea typeface="Roboto"/>
-                <a:cs typeface="Roboto"/>
-                <a:sym typeface="Roboto"/>
-              </a:defRPr>
-            </a:lvl4pPr>
-            <a:lvl5pPr marL="2286000" marR="0" lvl="4" indent="-330200" algn="l" rtl="0">
-              <a:lnSpc>
-                <a:spcPct val="115000"/>
-              </a:lnSpc>
-              <a:spcBef>
-                <a:spcPts val="1600"/>
-              </a:spcBef>
-              <a:spcAft>
-                <a:spcPts val="0"/>
-              </a:spcAft>
-              <a:buClr>
-                <a:schemeClr val="dk1"/>
-              </a:buClr>
-              <a:buSzPts val="1600"/>
-              <a:buFont typeface="Roboto"/>
-              <a:buChar char="○"/>
-              <a:defRPr sz="1600" b="0" i="0" u="none" strike="noStrike" cap="none">
-                <a:solidFill>
-                  <a:schemeClr val="dk1"/>
-                </a:solidFill>
-                <a:latin typeface="Roboto"/>
-                <a:ea typeface="Roboto"/>
-                <a:cs typeface="Roboto"/>
-                <a:sym typeface="Roboto"/>
-              </a:defRPr>
-            </a:lvl5pPr>
-            <a:lvl6pPr marL="2743200" marR="0" lvl="5" indent="-330200" algn="l" rtl="0">
-              <a:lnSpc>
-                <a:spcPct val="115000"/>
-              </a:lnSpc>
-              <a:spcBef>
-                <a:spcPts val="1600"/>
-              </a:spcBef>
-              <a:spcAft>
-                <a:spcPts val="0"/>
-              </a:spcAft>
-              <a:buClr>
-                <a:schemeClr val="dk1"/>
-              </a:buClr>
-              <a:buSzPts val="1600"/>
-              <a:buFont typeface="Roboto"/>
-              <a:buChar char="■"/>
-              <a:defRPr sz="1600" b="0" i="0" u="none" strike="noStrike" cap="none">
-                <a:solidFill>
-                  <a:schemeClr val="dk1"/>
-                </a:solidFill>
-                <a:latin typeface="Roboto"/>
-                <a:ea typeface="Roboto"/>
-                <a:cs typeface="Roboto"/>
-                <a:sym typeface="Roboto"/>
-              </a:defRPr>
-            </a:lvl6pPr>
-            <a:lvl7pPr marL="3200400" marR="0" lvl="6" indent="-330200" algn="l" rtl="0">
-              <a:lnSpc>
-                <a:spcPct val="115000"/>
-              </a:lnSpc>
-              <a:spcBef>
-                <a:spcPts val="1600"/>
-              </a:spcBef>
-              <a:spcAft>
-                <a:spcPts val="0"/>
-              </a:spcAft>
-              <a:buClr>
-                <a:schemeClr val="dk1"/>
-              </a:buClr>
-              <a:buSzPts val="1600"/>
-              <a:buFont typeface="Roboto"/>
-              <a:buChar char="●"/>
-              <a:defRPr sz="1600" b="0" i="0" u="none" strike="noStrike" cap="none">
-                <a:solidFill>
-                  <a:schemeClr val="dk1"/>
-                </a:solidFill>
-                <a:latin typeface="Roboto"/>
-                <a:ea typeface="Roboto"/>
-                <a:cs typeface="Roboto"/>
-                <a:sym typeface="Roboto"/>
-              </a:defRPr>
-            </a:lvl7pPr>
-            <a:lvl8pPr marL="3657600" marR="0" lvl="7" indent="-330200" algn="l" rtl="0">
-              <a:lnSpc>
-                <a:spcPct val="115000"/>
-              </a:lnSpc>
-              <a:spcBef>
-                <a:spcPts val="1600"/>
-              </a:spcBef>
-              <a:spcAft>
-                <a:spcPts val="0"/>
-              </a:spcAft>
-              <a:buClr>
-                <a:schemeClr val="dk1"/>
-              </a:buClr>
-              <a:buSzPts val="1600"/>
-              <a:buFont typeface="Roboto"/>
-              <a:buChar char="○"/>
-              <a:defRPr sz="1600" b="0" i="0" u="none" strike="noStrike" cap="none">
-                <a:solidFill>
-                  <a:schemeClr val="dk1"/>
-                </a:solidFill>
-                <a:latin typeface="Roboto"/>
-                <a:ea typeface="Roboto"/>
-                <a:cs typeface="Roboto"/>
-                <a:sym typeface="Roboto"/>
-              </a:defRPr>
-            </a:lvl8pPr>
-            <a:lvl9pPr marL="4114800" marR="0" lvl="8" indent="-330200" algn="l" rtl="0">
-              <a:lnSpc>
-                <a:spcPct val="115000"/>
-              </a:lnSpc>
-              <a:spcBef>
-                <a:spcPts val="1600"/>
-              </a:spcBef>
-              <a:spcAft>
-                <a:spcPts val="1600"/>
-              </a:spcAft>
-              <a:buClr>
-                <a:schemeClr val="dk1"/>
-              </a:buClr>
-              <a:buSzPts val="1600"/>
-              <a:buFont typeface="Roboto"/>
-              <a:buChar char="■"/>
-              <a:defRPr sz="1600" b="0" i="0" u="none" strike="noStrike" cap="none">
-                <a:solidFill>
-                  <a:schemeClr val="dk1"/>
-                </a:solidFill>
-                <a:latin typeface="Roboto"/>
-                <a:ea typeface="Roboto"/>
-                <a:cs typeface="Roboto"/>
-                <a:sym typeface="Roboto"/>
-              </a:defRPr>
-            </a:lvl9pPr>
-          </a:lstStyle>
-          <a:p>
-            <a:pPr marL="127000" indent="0">
-              <a:buFont typeface="Roboto"/>
-              <a:buNone/>
-            </a:pPr>
-            <a:r>
-              <a:rPr lang="es-ES" dirty="0" err="1" smtClean="0"/>
-              <a:t>After</a:t>
-            </a:r>
-            <a:r>
-              <a:rPr lang="es-ES" dirty="0" smtClean="0"/>
-              <a:t> </a:t>
-            </a:r>
-            <a:r>
-              <a:rPr lang="es-ES" dirty="0" err="1" smtClean="0"/>
-              <a:t>seeing</a:t>
-            </a:r>
-            <a:r>
-              <a:rPr lang="es-ES" dirty="0" smtClean="0"/>
-              <a:t> </a:t>
-            </a:r>
-            <a:r>
-              <a:rPr lang="es-ES" dirty="0" err="1" smtClean="0"/>
-              <a:t>all</a:t>
-            </a:r>
-            <a:r>
-              <a:rPr lang="es-ES" dirty="0" smtClean="0"/>
-              <a:t> </a:t>
-            </a:r>
-            <a:r>
-              <a:rPr lang="es-ES" dirty="0" err="1" smtClean="0"/>
-              <a:t>possible</a:t>
-            </a:r>
-            <a:r>
-              <a:rPr lang="es-ES" dirty="0" smtClean="0"/>
-              <a:t> </a:t>
-            </a:r>
-            <a:r>
-              <a:rPr lang="es-ES" dirty="0" err="1" smtClean="0"/>
-              <a:t>plots</a:t>
-            </a:r>
-            <a:r>
-              <a:rPr lang="es-ES" dirty="0" smtClean="0"/>
-              <a:t>, </a:t>
-            </a:r>
-            <a:r>
-              <a:rPr lang="es-ES" dirty="0" err="1" smtClean="0"/>
-              <a:t>we</a:t>
-            </a:r>
-            <a:r>
-              <a:rPr lang="es-ES" dirty="0" smtClean="0"/>
-              <a:t> </a:t>
-            </a:r>
-            <a:r>
-              <a:rPr lang="es-ES" dirty="0" err="1" smtClean="0"/>
-              <a:t>choose</a:t>
-            </a:r>
-            <a:r>
-              <a:rPr lang="es-ES" dirty="0" smtClean="0"/>
-              <a:t> </a:t>
-            </a:r>
-            <a:r>
-              <a:rPr lang="es-ES" dirty="0" err="1" smtClean="0"/>
-              <a:t>the</a:t>
-            </a:r>
-            <a:r>
-              <a:rPr lang="es-ES" dirty="0" smtClean="0"/>
-              <a:t> </a:t>
-            </a:r>
-            <a:r>
-              <a:rPr lang="es-ES" dirty="0" err="1" smtClean="0"/>
-              <a:t>one</a:t>
-            </a:r>
-            <a:r>
-              <a:rPr lang="es-ES" dirty="0" smtClean="0"/>
-              <a:t> </a:t>
-            </a:r>
-            <a:r>
-              <a:rPr lang="es-ES" dirty="0" err="1" smtClean="0"/>
-              <a:t>which</a:t>
-            </a:r>
-            <a:r>
-              <a:rPr lang="es-ES" dirty="0"/>
-              <a:t> </a:t>
-            </a:r>
-            <a:r>
-              <a:rPr lang="es-ES" dirty="0" err="1" smtClean="0"/>
-              <a:t>adapts</a:t>
-            </a:r>
-            <a:r>
-              <a:rPr lang="es-ES" dirty="0" smtClean="0"/>
-              <a:t> </a:t>
-            </a:r>
-            <a:r>
-              <a:rPr lang="es-ES" dirty="0" err="1" smtClean="0"/>
-              <a:t>better</a:t>
-            </a:r>
-            <a:r>
-              <a:rPr lang="es-ES" dirty="0" smtClean="0"/>
-              <a:t> </a:t>
-            </a:r>
-            <a:r>
-              <a:rPr lang="es-ES" dirty="0" err="1" smtClean="0"/>
-              <a:t>to</a:t>
-            </a:r>
-            <a:r>
-              <a:rPr lang="es-ES" dirty="0" smtClean="0"/>
-              <a:t> </a:t>
-            </a:r>
-            <a:r>
-              <a:rPr lang="es-ES" dirty="0" err="1" smtClean="0"/>
-              <a:t>our</a:t>
-            </a:r>
-            <a:r>
-              <a:rPr lang="es-ES" dirty="0" smtClean="0"/>
-              <a:t> </a:t>
-            </a:r>
-            <a:r>
-              <a:rPr lang="es-ES" dirty="0" err="1" smtClean="0"/>
-              <a:t>requirements</a:t>
-            </a:r>
-            <a:r>
-              <a:rPr lang="es-ES" dirty="0" smtClean="0"/>
-              <a:t>.</a:t>
-            </a:r>
-          </a:p>
-          <a:p>
-            <a:pPr marL="127000" indent="0">
-              <a:buFont typeface="Roboto"/>
-              <a:buNone/>
-            </a:pPr>
-            <a:endParaRPr lang="es-ES" dirty="0" smtClean="0"/>
-          </a:p>
-          <a:p>
-            <a:pPr marL="127000" indent="0">
-              <a:buFont typeface="Roboto"/>
-              <a:buNone/>
-            </a:pPr>
-            <a:r>
-              <a:rPr lang="es-ES" dirty="0" smtClean="0"/>
-              <a:t>	</a:t>
-            </a:r>
-            <a:endParaRPr lang="es-ES" dirty="0"/>
-          </a:p>
-        </p:txBody>
-      </p:sp>
+      </p:pic>
     </p:spTree>
     <p:extLst>
       <p:ext uri="{BB962C8B-B14F-4D97-AF65-F5344CB8AC3E}">
-        <p14:creationId xmlns:p14="http://schemas.microsoft.com/office/powerpoint/2010/main" val="4019915314"/>
+        <p14:creationId xmlns:p14="http://schemas.microsoft.com/office/powerpoint/2010/main" val="2853438419"/>
       </p:ext>
     </p:extLst>
   </p:cSld>
@@ -42043,22 +42999,17 @@
             <a:spLocks noGrp="1"/>
           </p:cNvSpPr>
           <p:nvPr>
-            <p:ph type="title" idx="4294967295"/>
+            <p:ph type="title"/>
           </p:nvPr>
         </p:nvSpPr>
-        <p:spPr>
-          <a:xfrm>
-            <a:off x="684790" y="198293"/>
-            <a:ext cx="7704137" cy="488950"/>
-          </a:xfrm>
-        </p:spPr>
+        <p:spPr/>
         <p:txBody>
           <a:bodyPr/>
           <a:lstStyle/>
           <a:p>
             <a:r>
               <a:rPr lang="es-ES" dirty="0" err="1" smtClean="0"/>
-              <a:t>Activation</a:t>
+              <a:t>Program</a:t>
             </a:r>
             <a:r>
               <a:rPr lang="es-ES" dirty="0" smtClean="0"/>
@@ -42066,14 +43017,150 @@
             </a:r>
             <a:r>
               <a:rPr lang="es-ES" dirty="0" err="1" smtClean="0"/>
-              <a:t>logarithm</a:t>
+              <a:t>code</a:t>
+            </a:r>
+            <a:endParaRPr lang="es-ES" dirty="0"/>
+          </a:p>
+        </p:txBody>
+      </p:sp>
+      <p:sp>
+        <p:nvSpPr>
+          <p:cNvPr id="13" name="12 Marcador de texto"/>
+          <p:cNvSpPr>
+            <a:spLocks noGrp="1"/>
+          </p:cNvSpPr>
+          <p:nvPr>
+            <p:ph type="body" idx="1"/>
+          </p:nvPr>
+        </p:nvSpPr>
+        <p:spPr>
+          <a:xfrm>
+            <a:off x="3717234" y="1001864"/>
+            <a:ext cx="5224007" cy="4078025"/>
+          </a:xfrm>
+        </p:spPr>
+        <p:txBody>
+          <a:bodyPr/>
+          <a:lstStyle/>
+          <a:p>
+            <a:pPr marL="127000" indent="0" algn="just">
+              <a:buNone/>
+            </a:pPr>
+            <a:r>
+              <a:rPr lang="en-US" dirty="0"/>
+              <a:t>The creation of NN is done in </a:t>
             </a:r>
             <a:r>
-              <a:rPr lang="es-ES" dirty="0" smtClean="0"/>
+              <a:rPr lang="en-US" dirty="0" smtClean="0"/>
+              <a:t>the next method from NeuralNetwork.java class in “method” package:</a:t>
+            </a:r>
+            <a:r>
+              <a:rPr lang="en-US" dirty="0"/>
               <a:t/>
             </a:r>
             <a:br>
-              <a:rPr lang="es-ES" dirty="0" smtClean="0"/>
+              <a:rPr lang="en-US" dirty="0"/>
+            </a:br>
+            <a:endParaRPr lang="en-US" dirty="0" smtClean="0"/>
+          </a:p>
+          <a:p>
+            <a:pPr marL="127000" indent="0">
+              <a:buNone/>
+            </a:pPr>
+            <a:endParaRPr lang="en-US" dirty="0" smtClean="0"/>
+          </a:p>
+          <a:p>
+            <a:pPr marL="127000" indent="0" algn="just">
+              <a:buNone/>
+            </a:pPr>
+            <a:r>
+              <a:rPr lang="en-US" dirty="0" smtClean="0"/>
+              <a:t>After </a:t>
+            </a:r>
+            <a:r>
+              <a:rPr lang="en-US" dirty="0"/>
+              <a:t>analyzing the generated data in the training step, it was observed that the number of epochs does have a positive impact on the NN prediction capabilities. The generated curves show that the very large number of epochs does not give substantial improvement, but at the same time creates unnecessary load to the hardware of the machine. Was decided to aim for </a:t>
+            </a:r>
+            <a:r>
+              <a:rPr lang="en-US" dirty="0" smtClean="0"/>
+              <a:t>2% </a:t>
+            </a:r>
+            <a:r>
+              <a:rPr lang="en-US" dirty="0"/>
+              <a:t>accuracy and then about 750 epochs were needed for the NN that has 2 hidden layers with 10 neurons on each level with a Logarithmic activation function</a:t>
+            </a:r>
+            <a:r>
+              <a:rPr lang="en-US" dirty="0" smtClean="0"/>
+              <a:t>.</a:t>
+            </a:r>
+          </a:p>
+          <a:p>
+            <a:pPr marL="127000" indent="0" algn="just">
+              <a:buNone/>
+            </a:pPr>
+            <a:endParaRPr lang="en-US" dirty="0"/>
+          </a:p>
+          <a:p>
+            <a:pPr marL="127000" indent="0" algn="just">
+              <a:buNone/>
+            </a:pPr>
+            <a:r>
+              <a:rPr lang="en-US" dirty="0"/>
+              <a:t>To calculate error </a:t>
+            </a:r>
+            <a:r>
+              <a:rPr lang="en-US" dirty="0" smtClean="0"/>
+              <a:t>the next method from NeuralNetwork.java </a:t>
+            </a:r>
+            <a:r>
+              <a:rPr lang="en-US" dirty="0"/>
+              <a:t>class in  “method” </a:t>
+            </a:r>
+            <a:r>
+              <a:rPr lang="en-US" dirty="0" smtClean="0"/>
+              <a:t>package:</a:t>
+            </a:r>
+          </a:p>
+          <a:p>
+            <a:pPr marL="127000" indent="0" algn="just">
+              <a:buNone/>
+            </a:pPr>
+            <a:endParaRPr lang="en-US" dirty="0"/>
+          </a:p>
+          <a:p>
+            <a:pPr marL="127000" indent="0" algn="just">
+              <a:buNone/>
+            </a:pPr>
+            <a:endParaRPr lang="en-US" dirty="0" smtClean="0"/>
+          </a:p>
+          <a:p>
+            <a:pPr marL="127000" indent="0" algn="just">
+              <a:buNone/>
+            </a:pPr>
+            <a:r>
+              <a:rPr lang="en-US" dirty="0"/>
+              <a:t>It rather straightforward application of the MSE formula 1N*0N-1(y'-y)2 implemented in java language. Where ‘y’ is the real output of the formula provided in </a:t>
+            </a:r>
+            <a:r>
+              <a:rPr lang="en-US" dirty="0" err="1"/>
+              <a:t>validationY</a:t>
+            </a:r>
+            <a:r>
+              <a:rPr lang="en-US" dirty="0"/>
+              <a:t> dataset, ‘y’’ is the calculated by NN output.</a:t>
+            </a:r>
+            <a:endParaRPr lang="en-US" dirty="0"/>
+          </a:p>
+          <a:p>
+            <a:pPr marL="127000" indent="0">
+              <a:buNone/>
+            </a:pPr>
+            <a:r>
+              <a:rPr lang="en-US" dirty="0"/>
+              <a:t/>
+            </a:r>
+            <a:br>
+              <a:rPr lang="en-US" dirty="0"/>
             </a:br>
             <a:endParaRPr lang="es-ES" dirty="0"/>
           </a:p>
@@ -42081,7 +43168,7 @@
       </p:sp>
       <p:pic>
         <p:nvPicPr>
-          <p:cNvPr id="2053" name="Picture 5"/>
+          <p:cNvPr id="8194" name="Picture 2"/>
           <p:cNvPicPr>
             <a:picLocks noChangeAspect="1" noChangeArrowheads="1"/>
           </p:cNvPicPr>
@@ -42102,8 +43189,8 @@
         </p:blipFill>
         <p:spPr bwMode="auto">
           <a:xfrm>
-            <a:off x="841660" y="846244"/>
-            <a:ext cx="3202933" cy="1841535"/>
+            <a:off x="181428" y="1689653"/>
+            <a:ext cx="3492073" cy="2215462"/>
           </a:xfrm>
           <a:prstGeom prst="rect">
             <a:avLst/>
@@ -42112,7 +43199,6 @@
           <a:ln>
             <a:noFill/>
           </a:ln>
-          <a:effectLst/>
           <a:extLst>
             <a:ext uri="{909E8E84-426E-40DD-AFC4-6F175D3DCCD1}">
               <a14:hiddenFill xmlns:a14="http://schemas.microsoft.com/office/drawing/2010/main">
@@ -42131,21 +43217,12 @@
                 <a:tailEnd/>
               </a14:hiddenLine>
             </a:ext>
-            <a:ext uri="{AF507438-7753-43E0-B8FC-AC1667EBCBE1}">
-              <a14:hiddenEffects xmlns:a14="http://schemas.microsoft.com/office/drawing/2010/main">
-                <a:effectLst>
-                  <a:outerShdw dist="35921" dir="2700000" algn="ctr" rotWithShape="0">
-                    <a:schemeClr val="bg2"/>
-                  </a:outerShdw>
-                </a:effectLst>
-              </a14:hiddenEffects>
-            </a:ext>
           </a:extLst>
         </p:spPr>
       </p:pic>
       <p:pic>
         <p:nvPicPr>
-          <p:cNvPr id="2054" name="Picture 6"/>
+          <p:cNvPr id="8195" name="Picture 3"/>
           <p:cNvPicPr>
             <a:picLocks noChangeAspect="1" noChangeArrowheads="1"/>
           </p:cNvPicPr>
@@ -42166,8 +43243,8 @@
         </p:blipFill>
         <p:spPr bwMode="auto">
           <a:xfrm>
-            <a:off x="4990847" y="846245"/>
-            <a:ext cx="3250616" cy="1841535"/>
+            <a:off x="4015407" y="1486287"/>
+            <a:ext cx="4627659" cy="135577"/>
           </a:xfrm>
           <a:prstGeom prst="rect">
             <a:avLst/>
@@ -42176,7 +43253,6 @@
           <a:ln>
             <a:noFill/>
           </a:ln>
-          <a:effectLst/>
           <a:extLst>
             <a:ext uri="{909E8E84-426E-40DD-AFC4-6F175D3DCCD1}">
               <a14:hiddenFill xmlns:a14="http://schemas.microsoft.com/office/drawing/2010/main">
@@ -42195,21 +43271,12 @@
                 <a:tailEnd/>
               </a14:hiddenLine>
             </a:ext>
-            <a:ext uri="{AF507438-7753-43E0-B8FC-AC1667EBCBE1}">
-              <a14:hiddenEffects xmlns:a14="http://schemas.microsoft.com/office/drawing/2010/main">
-                <a:effectLst>
-                  <a:outerShdw dist="35921" dir="2700000" algn="ctr" rotWithShape="0">
-                    <a:schemeClr val="bg2"/>
-                  </a:outerShdw>
-                </a:effectLst>
-              </a14:hiddenEffects>
-            </a:ext>
           </a:extLst>
         </p:spPr>
       </p:pic>
       <p:pic>
         <p:nvPicPr>
-          <p:cNvPr id="2055" name="Picture 7"/>
+          <p:cNvPr id="8196" name="Picture 4"/>
           <p:cNvPicPr>
             <a:picLocks noChangeAspect="1" noChangeArrowheads="1"/>
           </p:cNvPicPr>
@@ -42230,8 +43297,8 @@
         </p:blipFill>
         <p:spPr bwMode="auto">
           <a:xfrm>
-            <a:off x="887735" y="2952137"/>
-            <a:ext cx="3110784" cy="1841534"/>
+            <a:off x="4015408" y="3802431"/>
+            <a:ext cx="4627659" cy="207415"/>
           </a:xfrm>
           <a:prstGeom prst="rect">
             <a:avLst/>
@@ -42240,7 +43307,6 @@
           <a:ln>
             <a:noFill/>
           </a:ln>
-          <a:effectLst/>
           <a:extLst>
             <a:ext uri="{909E8E84-426E-40DD-AFC4-6F175D3DCCD1}">
               <a14:hiddenFill xmlns:a14="http://schemas.microsoft.com/office/drawing/2010/main">
@@ -42259,86 +43325,13 @@
                 <a:tailEnd/>
               </a14:hiddenLine>
             </a:ext>
-            <a:ext uri="{AF507438-7753-43E0-B8FC-AC1667EBCBE1}">
-              <a14:hiddenEffects xmlns:a14="http://schemas.microsoft.com/office/drawing/2010/main">
-                <a:effectLst>
-                  <a:outerShdw dist="35921" dir="2700000" algn="ctr" rotWithShape="0">
-                    <a:schemeClr val="bg2"/>
-                  </a:outerShdw>
-                </a:effectLst>
-              </a14:hiddenEffects>
-            </a:ext>
-          </a:extLst>
-        </p:spPr>
-      </p:pic>
-      <p:pic>
-        <p:nvPicPr>
-          <p:cNvPr id="2056" name="Picture 8"/>
-          <p:cNvPicPr>
-            <a:picLocks noChangeAspect="1" noChangeArrowheads="1"/>
-          </p:cNvPicPr>
-          <p:nvPr/>
-        </p:nvPicPr>
-        <p:blipFill>
-          <a:blip r:embed="rId5">
-            <a:extLst>
-              <a:ext uri="{28A0092B-C50C-407E-A947-70E740481C1C}">
-                <a14:useLocalDpi xmlns:a14="http://schemas.microsoft.com/office/drawing/2010/main" val="0"/>
-              </a:ext>
-            </a:extLst>
-          </a:blip>
-          <a:srcRect/>
-          <a:stretch>
-            <a:fillRect/>
-          </a:stretch>
-        </p:blipFill>
-        <p:spPr bwMode="auto">
-          <a:xfrm>
-            <a:off x="4949535" y="2952137"/>
-            <a:ext cx="3333241" cy="1841534"/>
-          </a:xfrm>
-          <a:prstGeom prst="rect">
-            <a:avLst/>
-          </a:prstGeom>
-          <a:noFill/>
-          <a:ln>
-            <a:noFill/>
-          </a:ln>
-          <a:effectLst/>
-          <a:extLst>
-            <a:ext uri="{909E8E84-426E-40DD-AFC4-6F175D3DCCD1}">
-              <a14:hiddenFill xmlns:a14="http://schemas.microsoft.com/office/drawing/2010/main">
-                <a:solidFill>
-                  <a:schemeClr val="accent1"/>
-                </a:solidFill>
-              </a14:hiddenFill>
-            </a:ext>
-            <a:ext uri="{91240B29-F687-4F45-9708-019B960494DF}">
-              <a14:hiddenLine xmlns:a14="http://schemas.microsoft.com/office/drawing/2010/main" w="9525">
-                <a:solidFill>
-                  <a:schemeClr val="tx1"/>
-                </a:solidFill>
-                <a:miter lim="800000"/>
-                <a:headEnd/>
-                <a:tailEnd/>
-              </a14:hiddenLine>
-            </a:ext>
-            <a:ext uri="{AF507438-7753-43E0-B8FC-AC1667EBCBE1}">
-              <a14:hiddenEffects xmlns:a14="http://schemas.microsoft.com/office/drawing/2010/main">
-                <a:effectLst>
-                  <a:outerShdw dist="35921" dir="2700000" algn="ctr" rotWithShape="0">
-                    <a:schemeClr val="bg2"/>
-                  </a:outerShdw>
-                </a:effectLst>
-              </a14:hiddenEffects>
-            </a:ext>
           </a:extLst>
         </p:spPr>
       </p:pic>
     </p:spTree>
     <p:extLst>
       <p:ext uri="{BB962C8B-B14F-4D97-AF65-F5344CB8AC3E}">
-        <p14:creationId xmlns:p14="http://schemas.microsoft.com/office/powerpoint/2010/main" val="3639099356"/>
+        <p14:creationId xmlns:p14="http://schemas.microsoft.com/office/powerpoint/2010/main" val="3587828505"/>
       </p:ext>
     </p:extLst>
   </p:cSld>
@@ -42379,223 +43372,144 @@
             <a:spLocks noGrp="1"/>
           </p:cNvSpPr>
           <p:nvPr>
-            <p:ph type="title" idx="4294967295"/>
+            <p:ph type="title"/>
+          </p:nvPr>
+        </p:nvSpPr>
+        <p:spPr/>
+        <p:txBody>
+          <a:bodyPr/>
+          <a:lstStyle/>
+          <a:p>
+            <a:r>
+              <a:rPr lang="es-ES" dirty="0" err="1" smtClean="0"/>
+              <a:t>Program</a:t>
+            </a:r>
+            <a:r>
+              <a:rPr lang="es-ES" dirty="0" smtClean="0"/>
+              <a:t> </a:t>
+            </a:r>
+            <a:r>
+              <a:rPr lang="es-ES" dirty="0" err="1" smtClean="0"/>
+              <a:t>code</a:t>
+            </a:r>
+            <a:endParaRPr lang="es-ES" dirty="0"/>
+          </a:p>
+        </p:txBody>
+      </p:sp>
+      <p:sp>
+        <p:nvSpPr>
+          <p:cNvPr id="13" name="12 Marcador de texto"/>
+          <p:cNvSpPr>
+            <a:spLocks noGrp="1"/>
+          </p:cNvSpPr>
+          <p:nvPr>
+            <p:ph type="body" idx="1"/>
           </p:nvPr>
         </p:nvSpPr>
         <p:spPr>
           <a:xfrm>
-            <a:off x="684790" y="198293"/>
-            <a:ext cx="7704137" cy="488950"/>
+            <a:off x="647859" y="1009817"/>
+            <a:ext cx="7704000" cy="1518698"/>
           </a:xfrm>
         </p:spPr>
         <p:txBody>
           <a:bodyPr/>
           <a:lstStyle/>
           <a:p>
+            <a:pPr marL="127000" indent="0" algn="just">
+              <a:buNone/>
+            </a:pPr>
             <a:r>
-              <a:rPr lang="es-ES" dirty="0" smtClean="0"/>
-              <a:t>ACTIVATION LOGARITHM</a:t>
+              <a:rPr lang="en-US" dirty="0"/>
+              <a:t>If you deactivate the variable </a:t>
             </a:r>
+            <a:r>
+              <a:rPr lang="en-US" i="1" dirty="0" err="1"/>
+              <a:t>iWantToGenerateDataForDrawGraphics</a:t>
+            </a:r>
+            <a:r>
+              <a:rPr lang="en-US" i="1" dirty="0"/>
+              <a:t> </a:t>
+            </a:r>
+            <a:r>
+              <a:rPr lang="en-US" dirty="0"/>
+              <a:t>the program will jump directly to the analysis of the test set. </a:t>
+            </a:r>
+            <a:endParaRPr lang="en-US" dirty="0" smtClean="0"/>
+          </a:p>
+          <a:p>
+            <a:pPr marL="127000" indent="0" algn="just">
+              <a:buNone/>
+            </a:pPr>
+            <a:endParaRPr lang="en-US" dirty="0"/>
+          </a:p>
+          <a:p>
+            <a:pPr marL="127000" indent="0" algn="just">
+              <a:buNone/>
+            </a:pPr>
+            <a:r>
+              <a:rPr lang="en-US" dirty="0"/>
+              <a:t>Was decided to use manual </a:t>
+            </a:r>
+            <a:r>
+              <a:rPr lang="en-US" dirty="0" err="1"/>
+              <a:t>setted</a:t>
+            </a:r>
+            <a:r>
+              <a:rPr lang="en-US" dirty="0"/>
+              <a:t> parameters for the final model of the neural network in order to provide consistent output. </a:t>
+            </a:r>
+            <a:endParaRPr lang="en-US" dirty="0" smtClean="0"/>
+          </a:p>
+          <a:p>
+            <a:pPr marL="127000" indent="0" algn="just">
+              <a:buNone/>
+            </a:pPr>
+            <a:endParaRPr lang="en-US" dirty="0"/>
+          </a:p>
+          <a:p>
+            <a:pPr marL="127000" indent="0" algn="just">
+              <a:buNone/>
+            </a:pPr>
+            <a:r>
+              <a:rPr lang="en-US" dirty="0"/>
+              <a:t>The network being trained using given parameters and the test set data is given to for the analysis. The results are documented and used to build the 3-dimensional plot.</a:t>
+            </a:r>
+            <a:endParaRPr lang="en-US" dirty="0"/>
+          </a:p>
+          <a:p>
+            <a:pPr marL="127000" indent="0">
+              <a:buNone/>
+            </a:pPr>
+            <a:r>
+              <a:rPr lang="en-US" dirty="0"/>
+              <a:t/>
+            </a:r>
+            <a:br>
+              <a:rPr lang="en-US" dirty="0"/>
+            </a:br>
+            <a:r>
+              <a:rPr lang="en-US" dirty="0"/>
+              <a:t/>
+            </a:r>
+            <a:br>
+              <a:rPr lang="en-US" dirty="0"/>
+            </a:br>
+            <a:r>
+              <a:rPr lang="en-US" dirty="0"/>
+              <a:t/>
+            </a:r>
+            <a:br>
+              <a:rPr lang="en-US" dirty="0"/>
+            </a:br>
             <a:endParaRPr lang="es-ES" dirty="0"/>
           </a:p>
         </p:txBody>
       </p:sp>
-      <p:pic>
-        <p:nvPicPr>
-          <p:cNvPr id="3074" name="Picture 2"/>
-          <p:cNvPicPr>
-            <a:picLocks noChangeAspect="1" noChangeArrowheads="1"/>
-          </p:cNvPicPr>
-          <p:nvPr/>
-        </p:nvPicPr>
-        <p:blipFill>
-          <a:blip r:embed="rId2">
-            <a:extLst>
-              <a:ext uri="{28A0092B-C50C-407E-A947-70E740481C1C}">
-                <a14:useLocalDpi xmlns:a14="http://schemas.microsoft.com/office/drawing/2010/main" val="0"/>
-              </a:ext>
-            </a:extLst>
-          </a:blip>
-          <a:srcRect/>
-          <a:stretch>
-            <a:fillRect/>
-          </a:stretch>
-        </p:blipFill>
-        <p:spPr bwMode="auto">
-          <a:xfrm>
-            <a:off x="730436" y="872122"/>
-            <a:ext cx="3432601" cy="1834610"/>
-          </a:xfrm>
-          <a:prstGeom prst="rect">
-            <a:avLst/>
-          </a:prstGeom>
-          <a:noFill/>
-          <a:ln>
-            <a:noFill/>
-          </a:ln>
-          <a:effectLst/>
-          <a:extLst>
-            <a:ext uri="{909E8E84-426E-40DD-AFC4-6F175D3DCCD1}">
-              <a14:hiddenFill xmlns:a14="http://schemas.microsoft.com/office/drawing/2010/main">
-                <a:solidFill>
-                  <a:schemeClr val="accent1"/>
-                </a:solidFill>
-              </a14:hiddenFill>
-            </a:ext>
-            <a:ext uri="{91240B29-F687-4F45-9708-019B960494DF}">
-              <a14:hiddenLine xmlns:a14="http://schemas.microsoft.com/office/drawing/2010/main" w="9525">
-                <a:solidFill>
-                  <a:schemeClr val="tx1"/>
-                </a:solidFill>
-                <a:miter lim="800000"/>
-                <a:headEnd/>
-                <a:tailEnd/>
-              </a14:hiddenLine>
-            </a:ext>
-            <a:ext uri="{AF507438-7753-43E0-B8FC-AC1667EBCBE1}">
-              <a14:hiddenEffects xmlns:a14="http://schemas.microsoft.com/office/drawing/2010/main">
-                <a:effectLst>
-                  <a:outerShdw dist="35921" dir="2700000" algn="ctr" rotWithShape="0">
-                    <a:schemeClr val="bg2"/>
-                  </a:outerShdw>
-                </a:effectLst>
-              </a14:hiddenEffects>
-            </a:ext>
-          </a:extLst>
-        </p:spPr>
-      </p:pic>
-      <p:pic>
-        <p:nvPicPr>
-          <p:cNvPr id="3075" name="Picture 3"/>
-          <p:cNvPicPr>
-            <a:picLocks noChangeAspect="1" noChangeArrowheads="1"/>
-          </p:cNvPicPr>
-          <p:nvPr/>
-        </p:nvPicPr>
-        <p:blipFill>
-          <a:blip r:embed="rId3">
-            <a:extLst>
-              <a:ext uri="{28A0092B-C50C-407E-A947-70E740481C1C}">
-                <a14:useLocalDpi xmlns:a14="http://schemas.microsoft.com/office/drawing/2010/main" val="0"/>
-              </a:ext>
-            </a:extLst>
-          </a:blip>
-          <a:srcRect/>
-          <a:stretch>
-            <a:fillRect/>
-          </a:stretch>
-        </p:blipFill>
-        <p:spPr bwMode="auto">
-          <a:xfrm>
-            <a:off x="4914509" y="872122"/>
-            <a:ext cx="3093637" cy="1839707"/>
-          </a:xfrm>
-          <a:prstGeom prst="rect">
-            <a:avLst/>
-          </a:prstGeom>
-          <a:noFill/>
-          <a:ln>
-            <a:noFill/>
-          </a:ln>
-          <a:effectLst/>
-          <a:extLst>
-            <a:ext uri="{909E8E84-426E-40DD-AFC4-6F175D3DCCD1}">
-              <a14:hiddenFill xmlns:a14="http://schemas.microsoft.com/office/drawing/2010/main">
-                <a:solidFill>
-                  <a:schemeClr val="accent1"/>
-                </a:solidFill>
-              </a14:hiddenFill>
-            </a:ext>
-            <a:ext uri="{91240B29-F687-4F45-9708-019B960494DF}">
-              <a14:hiddenLine xmlns:a14="http://schemas.microsoft.com/office/drawing/2010/main" w="9525">
-                <a:solidFill>
-                  <a:schemeClr val="tx1"/>
-                </a:solidFill>
-                <a:miter lim="800000"/>
-                <a:headEnd/>
-                <a:tailEnd/>
-              </a14:hiddenLine>
-            </a:ext>
-            <a:ext uri="{AF507438-7753-43E0-B8FC-AC1667EBCBE1}">
-              <a14:hiddenEffects xmlns:a14="http://schemas.microsoft.com/office/drawing/2010/main">
-                <a:effectLst>
-                  <a:outerShdw dist="35921" dir="2700000" algn="ctr" rotWithShape="0">
-                    <a:schemeClr val="bg2"/>
-                  </a:outerShdw>
-                </a:effectLst>
-              </a14:hiddenEffects>
-            </a:ext>
-          </a:extLst>
-        </p:spPr>
-      </p:pic>
-      <p:pic>
-        <p:nvPicPr>
-          <p:cNvPr id="3076" name="Picture 4"/>
-          <p:cNvPicPr>
-            <a:picLocks noChangeAspect="1" noChangeArrowheads="1"/>
-          </p:cNvPicPr>
-          <p:nvPr/>
-        </p:nvPicPr>
-        <p:blipFill>
-          <a:blip r:embed="rId4">
-            <a:extLst>
-              <a:ext uri="{28A0092B-C50C-407E-A947-70E740481C1C}">
-                <a14:useLocalDpi xmlns:a14="http://schemas.microsoft.com/office/drawing/2010/main" val="0"/>
-              </a:ext>
-            </a:extLst>
-          </a:blip>
-          <a:srcRect/>
-          <a:stretch>
-            <a:fillRect/>
-          </a:stretch>
-        </p:blipFill>
-        <p:spPr bwMode="auto">
-          <a:xfrm>
-            <a:off x="2898371" y="2929519"/>
-            <a:ext cx="3239238" cy="1940351"/>
-          </a:xfrm>
-          <a:prstGeom prst="rect">
-            <a:avLst/>
-          </a:prstGeom>
-          <a:noFill/>
-          <a:ln>
-            <a:noFill/>
-          </a:ln>
-          <a:effectLst/>
-          <a:extLst>
-            <a:ext uri="{909E8E84-426E-40DD-AFC4-6F175D3DCCD1}">
-              <a14:hiddenFill xmlns:a14="http://schemas.microsoft.com/office/drawing/2010/main">
-                <a:solidFill>
-                  <a:schemeClr val="accent1"/>
-                </a:solidFill>
-              </a14:hiddenFill>
-            </a:ext>
-            <a:ext uri="{91240B29-F687-4F45-9708-019B960494DF}">
-              <a14:hiddenLine xmlns:a14="http://schemas.microsoft.com/office/drawing/2010/main" w="9525">
-                <a:solidFill>
-                  <a:schemeClr val="tx1"/>
-                </a:solidFill>
-                <a:miter lim="800000"/>
-                <a:headEnd/>
-                <a:tailEnd/>
-              </a14:hiddenLine>
-            </a:ext>
-            <a:ext uri="{AF507438-7753-43E0-B8FC-AC1667EBCBE1}">
-              <a14:hiddenEffects xmlns:a14="http://schemas.microsoft.com/office/drawing/2010/main">
-                <a:effectLst>
-                  <a:outerShdw dist="35921" dir="2700000" algn="ctr" rotWithShape="0">
-                    <a:schemeClr val="bg2"/>
-                  </a:outerShdw>
-                </a:effectLst>
-              </a14:hiddenEffects>
-            </a:ext>
-          </a:extLst>
-        </p:spPr>
-      </p:pic>
     </p:spTree>
     <p:extLst>
       <p:ext uri="{BB962C8B-B14F-4D97-AF65-F5344CB8AC3E}">
-        <p14:creationId xmlns:p14="http://schemas.microsoft.com/office/powerpoint/2010/main" val="1595691637"/>
+        <p14:creationId xmlns:p14="http://schemas.microsoft.com/office/powerpoint/2010/main" val="3144484832"/>
       </p:ext>
     </p:extLst>
   </p:cSld>

--- a/Neural Networks.pptx
+++ b/Neural Networks.pptx
@@ -270,7 +270,7 @@
   </p:defaultTextStyle>
   <p:extLst>
     <p:ext uri="{EFAFB233-063F-42B5-8137-9DF3F51BA10A}">
-      <p15:sldGuideLst xmlns:ahyp="http://schemas.microsoft.com/office/drawing/2018/hyperlinkcolor" xmlns:p15="http://schemas.microsoft.com/office/powerpoint/2012/main" xmlns:p14="http://schemas.microsoft.com/office/powerpoint/2010/main" xmlns:com="http://schemas.openxmlformats.org/drawingml/2006/compatibility" xmlns:pvml="urn:schemas-microsoft-com:office:powerpoint" xmlns:v="urn:schemas-microsoft-com:vml" xmlns:o="urn:schemas-microsoft-com:office:office" xmlns:dgm="http://schemas.openxmlformats.org/drawingml/2006/diagram" xmlns:c="http://schemas.openxmlformats.org/drawingml/2006/chart" xmlns:mv="urn:schemas-microsoft-com:mac:vml" xmlns:mc="http://schemas.openxmlformats.org/markup-compatibility/2006" xmlns="">
+      <p15:sldGuideLst xmlns="" xmlns:mc="http://schemas.openxmlformats.org/markup-compatibility/2006" xmlns:mv="urn:schemas-microsoft-com:mac:vml" xmlns:c="http://schemas.openxmlformats.org/drawingml/2006/chart" xmlns:dgm="http://schemas.openxmlformats.org/drawingml/2006/diagram" xmlns:o="urn:schemas-microsoft-com:office:office" xmlns:v="urn:schemas-microsoft-com:vml" xmlns:pvml="urn:schemas-microsoft-com:office:powerpoint" xmlns:com="http://schemas.openxmlformats.org/drawingml/2006/compatibility" xmlns:p14="http://schemas.microsoft.com/office/powerpoint/2010/main" xmlns:p15="http://schemas.microsoft.com/office/powerpoint/2012/main" xmlns:ahyp="http://schemas.microsoft.com/office/drawing/2018/hyperlinkcolor">
         <p15:guide id="1" orient="horz" pos="340">
           <p15:clr>
             <a:srgbClr val="9AA0A6"/>
@@ -36647,7 +36647,7 @@
   </p:txStyles>
   <p:extLst>
     <p:ext uri="{27BBF7A9-308A-43DC-89C8-2F10F3537804}">
-      <p15:sldGuideLst xmlns:ahyp="http://schemas.microsoft.com/office/drawing/2018/hyperlinkcolor" xmlns:p15="http://schemas.microsoft.com/office/powerpoint/2012/main" xmlns:p14="http://schemas.microsoft.com/office/powerpoint/2010/main" xmlns:com="http://schemas.openxmlformats.org/drawingml/2006/compatibility" xmlns:pvml="urn:schemas-microsoft-com:office:powerpoint" xmlns:v="urn:schemas-microsoft-com:vml" xmlns:o="urn:schemas-microsoft-com:office:office" xmlns:dgm="http://schemas.openxmlformats.org/drawingml/2006/diagram" xmlns:c="http://schemas.openxmlformats.org/drawingml/2006/chart" xmlns:mv="urn:schemas-microsoft-com:mac:vml" xmlns:mc="http://schemas.openxmlformats.org/markup-compatibility/2006" xmlns="">
+      <p15:sldGuideLst xmlns="" xmlns:mc="http://schemas.openxmlformats.org/markup-compatibility/2006" xmlns:mv="urn:schemas-microsoft-com:mac:vml" xmlns:c="http://schemas.openxmlformats.org/drawingml/2006/chart" xmlns:dgm="http://schemas.openxmlformats.org/drawingml/2006/diagram" xmlns:o="urn:schemas-microsoft-com:office:office" xmlns:v="urn:schemas-microsoft-com:vml" xmlns:pvml="urn:schemas-microsoft-com:office:powerpoint" xmlns:com="http://schemas.openxmlformats.org/drawingml/2006/compatibility" xmlns:p14="http://schemas.microsoft.com/office/powerpoint/2010/main" xmlns:p15="http://schemas.microsoft.com/office/powerpoint/2012/main" xmlns:ahyp="http://schemas.microsoft.com/office/drawing/2018/hyperlinkcolor">
         <p15:guide id="1" orient="horz" pos="1620">
           <p15:clr>
             <a:srgbClr val="EA4335"/>
@@ -36741,7 +36741,23 @@
                   <a:schemeClr val="dk2"/>
                 </a:solidFill>
               </a:rPr>
-              <a:t>NEURAL NETWORKS PROJECT</a:t>
+              <a:t>NEURAL </a:t>
+            </a:r>
+            <a:r>
+              <a:rPr lang="en" smtClean="0">
+                <a:solidFill>
+                  <a:schemeClr val="dk2"/>
+                </a:solidFill>
+              </a:rPr>
+              <a:t>NETWORKS </a:t>
+            </a:r>
+            <a:r>
+              <a:rPr lang="en" smtClean="0">
+                <a:solidFill>
+                  <a:schemeClr val="dk2"/>
+                </a:solidFill>
+              </a:rPr>
+              <a:t>PROJECT</a:t>
             </a:r>
             <a:endParaRPr dirty="0">
               <a:solidFill>
@@ -38173,11 +38189,7 @@
             </a:r>
             <a:r>
               <a:rPr lang="es-ES" dirty="0" err="1" smtClean="0"/>
-              <a:t>fro</a:t>
-            </a:r>
-            <a:r>
-              <a:rPr lang="es-ES" dirty="0" err="1" smtClean="0"/>
-              <a:t>m</a:t>
+              <a:t>from</a:t>
             </a:r>
             <a:r>
               <a:rPr lang="es-ES" dirty="0" smtClean="0"/>
@@ -38597,9 +38609,6 @@
               </a:rPr>
               <a:t> ELLIOTT SYMMETRIC</a:t>
             </a:r>
-            <a:endParaRPr lang="es-ES" sz="1800" dirty="0" smtClean="0">
-              <a:latin typeface="Bebas Neue" charset="0"/>
-            </a:endParaRPr>
           </a:p>
           <a:p>
             <a:pPr marL="127000" indent="0">
@@ -40575,11 +40584,7 @@
             </a:r>
             <a:r>
               <a:rPr lang="es-ES" dirty="0" smtClean="0"/>
-              <a:t> </a:t>
-            </a:r>
-            <a:r>
-              <a:rPr lang="es-ES" dirty="0" smtClean="0"/>
-              <a:t> </a:t>
+              <a:t>  </a:t>
             </a:r>
             <a:r>
               <a:rPr lang="es-ES" dirty="0" err="1" smtClean="0"/>
@@ -42660,7 +42665,6 @@
               <a:rPr lang="en-US" dirty="0"/>
               <a:t>It is made this way to provide to the user different options at the time of choosing the right settings based on the generated data, which can be used to visualize in the form of graphics or diagrams each option.</a:t>
             </a:r>
-            <a:endParaRPr lang="en-US" dirty="0"/>
           </a:p>
           <a:p>
             <a:pPr marL="127000" indent="0">
@@ -42877,7 +42881,6 @@
               <a:rPr lang="en-US" dirty="0"/>
               <a:t>method in “method” package, adding a new corresponding case.</a:t>
             </a:r>
-            <a:endParaRPr lang="en-US" dirty="0"/>
           </a:p>
           <a:p>
             <a:pPr marL="127000" indent="0">
@@ -43149,7 +43152,6 @@
               <a:rPr lang="en-US" dirty="0"/>
               <a:t> dataset, ‘y’’ is the calculated by NN output.</a:t>
             </a:r>
-            <a:endParaRPr lang="en-US" dirty="0"/>
           </a:p>
           <a:p>
             <a:pPr marL="127000" indent="0">
@@ -43475,7 +43477,6 @@
               <a:rPr lang="en-US" dirty="0"/>
               <a:t>The network being trained using given parameters and the test set data is given to for the analysis. The results are documented and used to build the 3-dimensional plot.</a:t>
             </a:r>
-            <a:endParaRPr lang="en-US" dirty="0"/>
           </a:p>
           <a:p>
             <a:pPr marL="127000" indent="0">

--- a/Neural Networks.pptx
+++ b/Neural Networks.pptx
@@ -5,7 +5,7 @@
     <p:sldMasterId id="2147483671" r:id="rId1"/>
   </p:sldMasterIdLst>
   <p:notesMasterIdLst>
-    <p:notesMasterId r:id="rId17"/>
+    <p:notesMasterId r:id="rId18"/>
   </p:notesMasterIdLst>
   <p:sldIdLst>
     <p:sldId id="256" r:id="rId2"/>
@@ -23,20 +23,25 @@
     <p:sldId id="313" r:id="rId14"/>
     <p:sldId id="314" r:id="rId15"/>
     <p:sldId id="318" r:id="rId16"/>
+    <p:sldId id="322" r:id="rId17"/>
   </p:sldIdLst>
   <p:sldSz cx="9144000" cy="5143500" type="screen16x9"/>
   <p:notesSz cx="6858000" cy="9144000"/>
   <p:embeddedFontLst>
     <p:embeddedFont>
-      <p:font typeface="Bebas Neue" panose="020B0604020202020204" charset="0"/>
-      <p:regular r:id="rId18"/>
+      <p:font typeface="Bebas Neue" charset="0"/>
+      <p:regular r:id="rId19"/>
     </p:embeddedFont>
     <p:embeddedFont>
-      <p:font typeface="Roboto" panose="020B0604020202020204" charset="0"/>
-      <p:regular r:id="rId19"/>
-      <p:bold r:id="rId20"/>
-      <p:italic r:id="rId21"/>
-      <p:boldItalic r:id="rId22"/>
+      <p:font typeface="Roboto" charset="0"/>
+      <p:regular r:id="rId20"/>
+      <p:bold r:id="rId21"/>
+      <p:italic r:id="rId22"/>
+      <p:boldItalic r:id="rId23"/>
+    </p:embeddedFont>
+    <p:embeddedFont>
+      <p:font typeface="Cambria Math" pitchFamily="18" charset="0"/>
+      <p:regular r:id="rId24"/>
     </p:embeddedFont>
   </p:embeddedFontLst>
   <p:defaultTextStyle>
@@ -270,7 +275,7 @@
   </p:defaultTextStyle>
   <p:extLst>
     <p:ext uri="{EFAFB233-063F-42B5-8137-9DF3F51BA10A}">
-      <p15:sldGuideLst xmlns="" xmlns:mc="http://schemas.openxmlformats.org/markup-compatibility/2006" xmlns:mv="urn:schemas-microsoft-com:mac:vml" xmlns:c="http://schemas.openxmlformats.org/drawingml/2006/chart" xmlns:dgm="http://schemas.openxmlformats.org/drawingml/2006/diagram" xmlns:o="urn:schemas-microsoft-com:office:office" xmlns:v="urn:schemas-microsoft-com:vml" xmlns:pvml="urn:schemas-microsoft-com:office:powerpoint" xmlns:com="http://schemas.openxmlformats.org/drawingml/2006/compatibility" xmlns:p14="http://schemas.microsoft.com/office/powerpoint/2010/main" xmlns:p15="http://schemas.microsoft.com/office/powerpoint/2012/main" xmlns:ahyp="http://schemas.microsoft.com/office/drawing/2018/hyperlinkcolor">
+      <p15:sldGuideLst xmlns:ahyp="http://schemas.microsoft.com/office/drawing/2018/hyperlinkcolor" xmlns:p15="http://schemas.microsoft.com/office/powerpoint/2012/main" xmlns:p14="http://schemas.microsoft.com/office/powerpoint/2010/main" xmlns:com="http://schemas.openxmlformats.org/drawingml/2006/compatibility" xmlns:pvml="urn:schemas-microsoft-com:office:powerpoint" xmlns:v="urn:schemas-microsoft-com:vml" xmlns:o="urn:schemas-microsoft-com:office:office" xmlns:dgm="http://schemas.openxmlformats.org/drawingml/2006/diagram" xmlns:c="http://schemas.openxmlformats.org/drawingml/2006/chart" xmlns:mv="urn:schemas-microsoft-com:mac:vml" xmlns:mc="http://schemas.openxmlformats.org/markup-compatibility/2006" xmlns="">
         <p15:guide id="1" orient="horz" pos="340">
           <p15:clr>
             <a:srgbClr val="9AA0A6"/>
@@ -36647,7 +36652,7 @@
   </p:txStyles>
   <p:extLst>
     <p:ext uri="{27BBF7A9-308A-43DC-89C8-2F10F3537804}">
-      <p15:sldGuideLst xmlns="" xmlns:mc="http://schemas.openxmlformats.org/markup-compatibility/2006" xmlns:mv="urn:schemas-microsoft-com:mac:vml" xmlns:c="http://schemas.openxmlformats.org/drawingml/2006/chart" xmlns:dgm="http://schemas.openxmlformats.org/drawingml/2006/diagram" xmlns:o="urn:schemas-microsoft-com:office:office" xmlns:v="urn:schemas-microsoft-com:vml" xmlns:pvml="urn:schemas-microsoft-com:office:powerpoint" xmlns:com="http://schemas.openxmlformats.org/drawingml/2006/compatibility" xmlns:p14="http://schemas.microsoft.com/office/powerpoint/2010/main" xmlns:p15="http://schemas.microsoft.com/office/powerpoint/2012/main" xmlns:ahyp="http://schemas.microsoft.com/office/drawing/2018/hyperlinkcolor">
+      <p15:sldGuideLst xmlns:ahyp="http://schemas.microsoft.com/office/drawing/2018/hyperlinkcolor" xmlns:p15="http://schemas.microsoft.com/office/powerpoint/2012/main" xmlns:p14="http://schemas.microsoft.com/office/powerpoint/2010/main" xmlns:com="http://schemas.openxmlformats.org/drawingml/2006/compatibility" xmlns:pvml="urn:schemas-microsoft-com:office:powerpoint" xmlns:v="urn:schemas-microsoft-com:vml" xmlns:o="urn:schemas-microsoft-com:office:office" xmlns:dgm="http://schemas.openxmlformats.org/drawingml/2006/diagram" xmlns:c="http://schemas.openxmlformats.org/drawingml/2006/chart" xmlns:mv="urn:schemas-microsoft-com:mac:vml" xmlns:mc="http://schemas.openxmlformats.org/markup-compatibility/2006" xmlns="">
         <p15:guide id="1" orient="horz" pos="1620">
           <p15:clr>
             <a:srgbClr val="EA4335"/>
@@ -36749,15 +36754,7 @@
                   <a:schemeClr val="dk2"/>
                 </a:solidFill>
               </a:rPr>
-              <a:t>NETWORKS </a:t>
-            </a:r>
-            <a:r>
-              <a:rPr lang="en" smtClean="0">
-                <a:solidFill>
-                  <a:schemeClr val="dk2"/>
-                </a:solidFill>
-              </a:rPr>
-              <a:t>PROJECT</a:t>
+              <a:t>NETWORKS PROJECT</a:t>
             </a:r>
             <a:endParaRPr dirty="0">
               <a:solidFill>
@@ -38089,27 +38086,27 @@
             </a:r>
             <a:r>
               <a:rPr lang="es-ES" dirty="0" smtClean="0"/>
-              <a:t> and </a:t>
+              <a:t>. </a:t>
             </a:r>
             <a:r>
               <a:rPr lang="es-ES" dirty="0" err="1" smtClean="0"/>
-              <a:t>number</a:t>
+              <a:t>We</a:t>
             </a:r>
             <a:r>
               <a:rPr lang="es-ES" dirty="0" smtClean="0"/>
-              <a:t> of </a:t>
+              <a:t> </a:t>
             </a:r>
             <a:r>
               <a:rPr lang="es-ES" dirty="0" err="1" smtClean="0"/>
-              <a:t>neurons</a:t>
+              <a:t>used</a:t>
             </a:r>
             <a:r>
               <a:rPr lang="es-ES" dirty="0" smtClean="0"/>
-              <a:t> in </a:t>
+              <a:t> </a:t>
             </a:r>
             <a:r>
               <a:rPr lang="es-ES" dirty="0" err="1" smtClean="0"/>
-              <a:t>the</a:t>
+              <a:t>two</a:t>
             </a:r>
             <a:r>
               <a:rPr lang="es-ES" dirty="0" smtClean="0"/>
@@ -38125,7 +38122,39 @@
             </a:r>
             <a:r>
               <a:rPr lang="es-ES" dirty="0" err="1" smtClean="0"/>
-              <a:t>layer</a:t>
+              <a:t>layers</a:t>
+            </a:r>
+            <a:r>
+              <a:rPr lang="es-ES" dirty="0" smtClean="0"/>
+              <a:t> </a:t>
+            </a:r>
+            <a:r>
+              <a:rPr lang="es-ES" dirty="0" err="1" smtClean="0"/>
+              <a:t>with</a:t>
+            </a:r>
+            <a:r>
+              <a:rPr lang="es-ES" dirty="0" smtClean="0"/>
+              <a:t> </a:t>
+            </a:r>
+            <a:r>
+              <a:rPr lang="es-ES" dirty="0" err="1" smtClean="0"/>
+              <a:t>different</a:t>
+            </a:r>
+            <a:r>
+              <a:rPr lang="es-ES" dirty="0" smtClean="0"/>
+              <a:t> </a:t>
+            </a:r>
+            <a:r>
+              <a:rPr lang="es-ES" dirty="0" err="1" smtClean="0"/>
+              <a:t>number</a:t>
+            </a:r>
+            <a:r>
+              <a:rPr lang="es-ES" dirty="0" smtClean="0"/>
+              <a:t> of </a:t>
+            </a:r>
+            <a:r>
+              <a:rPr lang="es-ES" dirty="0" err="1" smtClean="0"/>
+              <a:t>neurons</a:t>
             </a:r>
             <a:r>
               <a:rPr lang="es-ES" dirty="0" smtClean="0"/>
@@ -38173,7 +38202,7 @@
             </a:r>
             <a:r>
               <a:rPr lang="es-ES" dirty="0" err="1" smtClean="0"/>
-              <a:t>layer</a:t>
+              <a:t>layers</a:t>
             </a:r>
             <a:r>
               <a:rPr lang="es-ES" dirty="0" smtClean="0"/>
@@ -38181,7 +38210,7 @@
             </a:r>
             <a:r>
               <a:rPr lang="es-ES" dirty="0" err="1" smtClean="0"/>
-              <a:t>goes</a:t>
+              <a:t>go</a:t>
             </a:r>
             <a:r>
               <a:rPr lang="es-ES" dirty="0" smtClean="0"/>
@@ -40833,6 +40862,134 @@
 </p:sld>
 </file>
 
+<file path=ppt/slides/slide16.xml><?xml version="1.0" encoding="utf-8"?>
+<p:sld xmlns:a="http://schemas.openxmlformats.org/drawingml/2006/main" xmlns:r="http://schemas.openxmlformats.org/officeDocument/2006/relationships" xmlns:p="http://schemas.openxmlformats.org/presentationml/2006/main">
+  <p:cSld>
+    <p:spTree>
+      <p:nvGrpSpPr>
+        <p:cNvPr id="1" name=""/>
+        <p:cNvGrpSpPr/>
+        <p:nvPr/>
+      </p:nvGrpSpPr>
+      <p:grpSpPr>
+        <a:xfrm>
+          <a:off x="0" y="0"/>
+          <a:ext cx="0" cy="0"/>
+          <a:chOff x="0" y="0"/>
+          <a:chExt cx="0" cy="0"/>
+        </a:xfrm>
+      </p:grpSpPr>
+      <p:sp>
+        <p:nvSpPr>
+          <p:cNvPr id="12" name="11 Título"/>
+          <p:cNvSpPr>
+            <a:spLocks noGrp="1"/>
+          </p:cNvSpPr>
+          <p:nvPr>
+            <p:ph type="title"/>
+          </p:nvPr>
+        </p:nvSpPr>
+        <p:spPr/>
+        <p:txBody>
+          <a:bodyPr/>
+          <a:lstStyle/>
+          <a:p>
+            <a:r>
+              <a:rPr lang="es-ES" dirty="0" smtClean="0"/>
+              <a:t>3D GRAPH</a:t>
+            </a:r>
+            <a:endParaRPr lang="es-ES" dirty="0"/>
+          </a:p>
+        </p:txBody>
+      </p:sp>
+      <p:sp>
+        <p:nvSpPr>
+          <p:cNvPr id="13" name="12 Marcador de texto"/>
+          <p:cNvSpPr>
+            <a:spLocks noGrp="1"/>
+          </p:cNvSpPr>
+          <p:nvPr>
+            <p:ph type="body" idx="1"/>
+          </p:nvPr>
+        </p:nvSpPr>
+        <p:spPr>
+          <a:xfrm>
+            <a:off x="689526" y="1039091"/>
+            <a:ext cx="7704000" cy="623454"/>
+          </a:xfrm>
+        </p:spPr>
+        <p:txBody>
+          <a:bodyPr/>
+          <a:lstStyle/>
+          <a:p>
+            <a:pPr marL="127000" indent="0">
+              <a:buNone/>
+            </a:pPr>
+            <a:r>
+              <a:rPr lang="es-ES" dirty="0" err="1" smtClean="0"/>
+              <a:t>We</a:t>
+            </a:r>
+            <a:r>
+              <a:rPr lang="es-ES" dirty="0" smtClean="0"/>
+              <a:t> </a:t>
+            </a:r>
+            <a:r>
+              <a:rPr lang="es-ES" dirty="0" err="1" smtClean="0"/>
+              <a:t>generated</a:t>
+            </a:r>
+            <a:r>
+              <a:rPr lang="es-ES" dirty="0" smtClean="0"/>
+              <a:t> a 3D </a:t>
+            </a:r>
+            <a:r>
+              <a:rPr lang="es-ES" dirty="0" err="1" smtClean="0"/>
+              <a:t>graph</a:t>
+            </a:r>
+            <a:r>
+              <a:rPr lang="es-ES" dirty="0" smtClean="0"/>
+              <a:t> </a:t>
+            </a:r>
+            <a:r>
+              <a:rPr lang="en-US" dirty="0"/>
+              <a:t>with the true function and the learned </a:t>
+            </a:r>
+            <a:r>
+              <a:rPr lang="en-US" dirty="0" smtClean="0"/>
+              <a:t>function to compare our solution with the ideal one.</a:t>
+            </a:r>
+            <a:endParaRPr lang="es-ES" dirty="0" smtClean="0"/>
+          </a:p>
+          <a:p>
+            <a:pPr marL="127000" indent="0">
+              <a:buNone/>
+            </a:pPr>
+            <a:r>
+              <a:rPr lang="es-ES" dirty="0"/>
+              <a:t>	</a:t>
+            </a:r>
+          </a:p>
+        </p:txBody>
+      </p:sp>
+    </p:spTree>
+    <p:extLst>
+      <p:ext uri="{BB962C8B-B14F-4D97-AF65-F5344CB8AC3E}">
+        <p14:creationId xmlns:p14="http://schemas.microsoft.com/office/powerpoint/2010/main" val="128231485"/>
+      </p:ext>
+    </p:extLst>
+  </p:cSld>
+  <p:clrMapOvr>
+    <a:masterClrMapping/>
+  </p:clrMapOvr>
+  <p:timing>
+    <p:tnLst>
+      <p:par>
+        <p:cTn id="1" dur="indefinite" restart="never" nodeType="tmRoot"/>
+      </p:par>
+    </p:tnLst>
+  </p:timing>
+</p:sld>
+</file>
+
 <file path=ppt/slides/slide2.xml><?xml version="1.0" encoding="utf-8"?>
 <p:sld xmlns:a="http://schemas.openxmlformats.org/drawingml/2006/main" xmlns:r="http://schemas.openxmlformats.org/officeDocument/2006/relationships" xmlns:p="http://schemas.openxmlformats.org/presentationml/2006/main">
   <p:cSld>
@@ -42305,7 +42462,7 @@
         </p:nvSpPr>
         <p:spPr>
           <a:xfrm>
-            <a:off x="6606540" y="2845190"/>
+            <a:off x="6600190" y="2838840"/>
             <a:ext cx="1600200" cy="645300"/>
           </a:xfrm>
           <a:prstGeom prst="rect">
@@ -42321,7 +42478,11 @@
             <a:pPr lvl="0" algn="ctr"/>
             <a:r>
               <a:rPr lang="en-US" sz="1400" dirty="0" smtClean="0"/>
-              <a:t>Generate error plots</a:t>
+              <a:t>Generate error </a:t>
+            </a:r>
+            <a:r>
+              <a:rPr lang="en-US" sz="1400" dirty="0" smtClean="0"/>
+              <a:t>plots &amp; 3D Graph</a:t>
             </a:r>
             <a:endParaRPr dirty="0"/>
           </a:p>
@@ -42455,8 +42616,8 @@
         </p:nvSpPr>
         <p:spPr>
           <a:xfrm>
-            <a:off x="6595007" y="3450474"/>
-            <a:ext cx="1642212" cy="716280"/>
+            <a:off x="6165850" y="3450474"/>
+            <a:ext cx="2476499" cy="716280"/>
           </a:xfrm>
           <a:prstGeom prst="rect">
             <a:avLst/>
@@ -42471,7 +42632,73 @@
             <a:pPr marL="0" lvl="0" indent="0" algn="ctr"/>
             <a:r>
               <a:rPr lang="en-US" sz="1050" dirty="0"/>
-              <a:t>Generate a plot to show the evolution of the training error and the validation error at each training epoch</a:t>
+              <a:t>Generate a plot to show the evolution of the training error and the validation error at each training </a:t>
+            </a:r>
+            <a:r>
+              <a:rPr lang="en-US" sz="1050" dirty="0" smtClean="0"/>
+              <a:t>epoch</a:t>
+            </a:r>
+            <a:endParaRPr sz="1050" dirty="0"/>
+          </a:p>
+        </p:txBody>
+      </p:sp>
+      <p:sp>
+        <p:nvSpPr>
+          <p:cNvPr id="12" name="Google Shape;1904;p30"/>
+          <p:cNvSpPr txBox="1">
+            <a:spLocks noGrp="1"/>
+          </p:cNvSpPr>
+          <p:nvPr>
+            <p:ph type="subTitle" idx="1"/>
+          </p:nvPr>
+        </p:nvSpPr>
+        <p:spPr>
+          <a:xfrm>
+            <a:off x="6191250" y="4148974"/>
+            <a:ext cx="2330450" cy="716280"/>
+          </a:xfrm>
+          <a:prstGeom prst="rect">
+            <a:avLst/>
+          </a:prstGeom>
+        </p:spPr>
+        <p:txBody>
+          <a:bodyPr spcFirstLastPara="1" wrap="square" lIns="0" tIns="0" rIns="0" bIns="0" anchor="ctr" anchorCtr="0">
+            <a:noAutofit/>
+          </a:bodyPr>
+          <a:lstStyle/>
+          <a:p>
+            <a:pPr marL="0" lvl="0" indent="0" algn="ctr"/>
+            <a:r>
+              <a:rPr lang="en-US" sz="1050" dirty="0"/>
+              <a:t>Generate a 3D </a:t>
+            </a:r>
+            <a:r>
+              <a:rPr lang="en-US" sz="1050"/>
+              <a:t>figure </a:t>
+            </a:r>
+            <a:r>
+              <a:rPr lang="en-US" sz="1050" smtClean="0"/>
+              <a:t>with the true function and the learned function. </a:t>
+            </a:r>
+            <a:r>
+              <a:rPr lang="en-US" sz="1050" dirty="0"/>
+              <a:t>Both must be plotted on a grid of 100x100 points on the square [-</a:t>
+            </a:r>
+            <a:r>
+              <a:rPr lang="en-US" sz="1050" dirty="0" err="1"/>
+              <a:t>pi,pi</a:t>
+            </a:r>
+            <a:r>
+              <a:rPr lang="en-US" sz="1050" dirty="0"/>
+              <a:t>] x [-</a:t>
+            </a:r>
+            <a:r>
+              <a:rPr lang="en-US" sz="1050" dirty="0" err="1"/>
+              <a:t>pi,pi</a:t>
+            </a:r>
+            <a:r>
+              <a:rPr lang="en-US" sz="1050" dirty="0" smtClean="0"/>
+              <a:t>]</a:t>
             </a:r>
             <a:endParaRPr sz="1050" dirty="0"/>
           </a:p>
@@ -42569,8 +42796,16 @@
               <a:buNone/>
             </a:pPr>
             <a:r>
+              <a:rPr lang="en-US" dirty="0" smtClean="0"/>
+              <a:t>When</a:t>
+            </a:r>
+            <a:r>
+              <a:rPr lang="en-US" dirty="0" smtClean="0"/>
+              <a:t> </a:t>
+            </a:r>
+            <a:r>
               <a:rPr lang="en-US" dirty="0"/>
-              <a:t>If you activate the first function new data sets will be generated and stored in the file</a:t>
+              <a:t>you activate the first function new data sets will be generated and stored in the file</a:t>
             </a:r>
             <a:r>
               <a:rPr lang="en-US" dirty="0" smtClean="0"/>
@@ -42597,7 +42832,15 @@
             </a:r>
             <a:r>
               <a:rPr lang="en-US" dirty="0"/>
-              <a:t> is set to false the data will be read from the files. It was made to simulate, to some extent, the real data input</a:t>
+              <a:t> is set to </a:t>
+            </a:r>
+            <a:r>
+              <a:rPr lang="en-US" dirty="0" smtClean="0"/>
+              <a:t>false, </a:t>
+            </a:r>
+            <a:r>
+              <a:rPr lang="en-US" dirty="0"/>
+              <a:t>the data will be read from the files. It was made to simulate, to some extent, the real data input</a:t>
             </a:r>
             <a:r>
               <a:rPr lang="en-US" dirty="0" smtClean="0"/>
@@ -42635,7 +42878,7 @@
             </a:pPr>
             <a:r>
               <a:rPr lang="en-US" dirty="0" smtClean="0"/>
-              <a:t>If </a:t>
+              <a:t>When </a:t>
             </a:r>
             <a:r>
               <a:rPr lang="en-US" dirty="0"/>
@@ -42647,7 +42890,23 @@
             </a:r>
             <a:r>
               <a:rPr lang="en-US" dirty="0"/>
-              <a:t> the NN will be created using different settings and for each model and each epoch the training error and validation error will be stored in the corresponding file. </a:t>
+              <a:t> the NN will be created using different </a:t>
+            </a:r>
+            <a:r>
+              <a:rPr lang="en-US" dirty="0" smtClean="0"/>
+              <a:t>settings. </a:t>
+            </a:r>
+            <a:r>
+              <a:rPr lang="en-US" dirty="0"/>
+              <a:t>F</a:t>
+            </a:r>
+            <a:r>
+              <a:rPr lang="en-US" dirty="0" smtClean="0"/>
+              <a:t>or </a:t>
+            </a:r>
+            <a:r>
+              <a:rPr lang="en-US" dirty="0"/>
+              <a:t>each model and each epoch the training error and validation error will be stored in the corresponding file. </a:t>
             </a:r>
             <a:endParaRPr lang="en-US" dirty="0" smtClean="0"/>
           </a:p>
@@ -42663,8 +42922,57 @@
             </a:pPr>
             <a:r>
               <a:rPr lang="en-US" dirty="0"/>
-              <a:t>It is made this way to provide to the user different options at the time of choosing the right settings based on the generated data, which can be used to visualize in the form of graphics or diagrams each option.</a:t>
+              <a:t>It </a:t>
             </a:r>
+            <a:r>
+              <a:rPr lang="en-US" dirty="0" smtClean="0"/>
+              <a:t>is done this </a:t>
+            </a:r>
+            <a:r>
+              <a:rPr lang="en-US" dirty="0"/>
+              <a:t>way to </a:t>
+            </a:r>
+            <a:r>
+              <a:rPr lang="en-US" dirty="0" smtClean="0"/>
+              <a:t>provide </a:t>
+            </a:r>
+            <a:r>
+              <a:rPr lang="en-US" dirty="0"/>
+              <a:t>the user different options </a:t>
+            </a:r>
+            <a:r>
+              <a:rPr lang="en-US" dirty="0" smtClean="0"/>
+              <a:t>when</a:t>
+            </a:r>
+            <a:r>
+              <a:rPr lang="en-US" dirty="0" smtClean="0"/>
+              <a:t> </a:t>
+            </a:r>
+            <a:r>
+              <a:rPr lang="en-US" dirty="0"/>
+              <a:t>choosing the right settings based on the generated </a:t>
+            </a:r>
+            <a:r>
+              <a:rPr lang="en-US" dirty="0" smtClean="0"/>
+              <a:t>data. </a:t>
+            </a:r>
+            <a:r>
+              <a:rPr lang="en-US" dirty="0" smtClean="0"/>
+              <a:t>We can visualize this generated data </a:t>
+            </a:r>
+            <a:r>
+              <a:rPr lang="en-US" dirty="0" smtClean="0"/>
+              <a:t>in </a:t>
+            </a:r>
+            <a:r>
+              <a:rPr lang="en-US" dirty="0"/>
+              <a:t>the form of graphics or </a:t>
+            </a:r>
+            <a:r>
+              <a:rPr lang="en-US" dirty="0" smtClean="0"/>
+              <a:t>diagrams.</a:t>
+            </a:r>
+            <a:endParaRPr lang="en-US" dirty="0"/>
           </a:p>
           <a:p>
             <a:pPr marL="127000" indent="0">
@@ -42815,7 +43123,7 @@
         </p:nvSpPr>
         <p:spPr>
           <a:xfrm>
-            <a:off x="663762" y="1900363"/>
+            <a:off x="663762" y="2522663"/>
             <a:ext cx="7704000" cy="1208598"/>
           </a:xfrm>
         </p:spPr>
@@ -42844,7 +43152,15 @@
             </a:pPr>
             <a:r>
               <a:rPr lang="en-US" dirty="0"/>
-              <a:t>The testing range of the hidden layer can be adjusted changing for loop range</a:t>
+              <a:t>The testing range of the hidden layer can be adjusted changing </a:t>
+            </a:r>
+            <a:r>
+              <a:rPr lang="en-US" dirty="0" smtClean="0"/>
+              <a:t>the for-loop </a:t>
+            </a:r>
+            <a:r>
+              <a:rPr lang="en-US" dirty="0"/>
+              <a:t>range</a:t>
             </a:r>
             <a:r>
               <a:rPr lang="en-US" dirty="0" smtClean="0"/>
@@ -42862,8 +43178,12 @@
               <a:buNone/>
             </a:pPr>
             <a:r>
+              <a:rPr lang="en-US" dirty="0" smtClean="0"/>
+              <a:t>Currently it only </a:t>
+            </a:r>
+            <a:r>
               <a:rPr lang="en-US" dirty="0"/>
-              <a:t>Currently only supports two listed functions, but if you want to add more you need to modify </a:t>
+              <a:t>supports two listed functions, but if you want to add more you need to modify </a:t>
             </a:r>
             <a:r>
               <a:rPr lang="en-US" dirty="0" smtClean="0"/>
@@ -42927,7 +43247,7 @@
         </p:blipFill>
         <p:spPr bwMode="auto">
           <a:xfrm>
-            <a:off x="706507" y="1070981"/>
+            <a:off x="706507" y="1547231"/>
             <a:ext cx="7618510" cy="642963"/>
           </a:xfrm>
           <a:prstGeom prst="rect">
@@ -43026,148 +43346,388 @@
           </a:p>
         </p:txBody>
       </p:sp>
-      <p:sp>
-        <p:nvSpPr>
-          <p:cNvPr id="13" name="12 Marcador de texto"/>
-          <p:cNvSpPr>
-            <a:spLocks noGrp="1"/>
-          </p:cNvSpPr>
-          <p:nvPr>
-            <p:ph type="body" idx="1"/>
-          </p:nvPr>
-        </p:nvSpPr>
-        <p:spPr>
-          <a:xfrm>
-            <a:off x="3717234" y="1001864"/>
-            <a:ext cx="5224007" cy="4078025"/>
-          </a:xfrm>
-        </p:spPr>
-        <p:txBody>
-          <a:bodyPr/>
-          <a:lstStyle/>
-          <a:p>
-            <a:pPr marL="127000" indent="0" algn="just">
-              <a:buNone/>
-            </a:pPr>
-            <a:r>
-              <a:rPr lang="en-US" dirty="0"/>
-              <a:t>The creation of NN is done in </a:t>
-            </a:r>
-            <a:r>
-              <a:rPr lang="en-US" dirty="0" smtClean="0"/>
-              <a:t>the next method from NeuralNetwork.java class in “method” package:</a:t>
-            </a:r>
-            <a:r>
-              <a:rPr lang="en-US" dirty="0"/>
-              <a:t/>
-            </a:r>
-            <a:br>
-              <a:rPr lang="en-US" dirty="0"/>
-            </a:br>
-            <a:endParaRPr lang="en-US" dirty="0" smtClean="0"/>
-          </a:p>
-          <a:p>
-            <a:pPr marL="127000" indent="0">
-              <a:buNone/>
-            </a:pPr>
-            <a:endParaRPr lang="en-US" dirty="0" smtClean="0"/>
-          </a:p>
-          <a:p>
-            <a:pPr marL="127000" indent="0" algn="just">
-              <a:buNone/>
-            </a:pPr>
-            <a:r>
-              <a:rPr lang="en-US" dirty="0" smtClean="0"/>
-              <a:t>After </a:t>
-            </a:r>
-            <a:r>
-              <a:rPr lang="en-US" dirty="0"/>
-              <a:t>analyzing the generated data in the training step, it was observed that the number of epochs does have a positive impact on the NN prediction capabilities. The generated curves show that the very large number of epochs does not give substantial improvement, but at the same time creates unnecessary load to the hardware of the machine. Was decided to aim for </a:t>
-            </a:r>
-            <a:r>
-              <a:rPr lang="en-US" dirty="0" smtClean="0"/>
-              <a:t>2% </a:t>
-            </a:r>
-            <a:r>
-              <a:rPr lang="en-US" dirty="0"/>
-              <a:t>accuracy and then about 750 epochs were needed for the NN that has 2 hidden layers with 10 neurons on each level with a Logarithmic activation function</a:t>
-            </a:r>
-            <a:r>
-              <a:rPr lang="en-US" dirty="0" smtClean="0"/>
-              <a:t>.</a:t>
-            </a:r>
-          </a:p>
-          <a:p>
-            <a:pPr marL="127000" indent="0" algn="just">
-              <a:buNone/>
-            </a:pPr>
-            <a:endParaRPr lang="en-US" dirty="0"/>
-          </a:p>
-          <a:p>
-            <a:pPr marL="127000" indent="0" algn="just">
-              <a:buNone/>
-            </a:pPr>
-            <a:r>
-              <a:rPr lang="en-US" dirty="0"/>
-              <a:t>To calculate error </a:t>
-            </a:r>
-            <a:r>
-              <a:rPr lang="en-US" dirty="0" smtClean="0"/>
-              <a:t>the next method from NeuralNetwork.java </a:t>
-            </a:r>
-            <a:r>
-              <a:rPr lang="en-US" dirty="0"/>
-              <a:t>class in  “method” </a:t>
-            </a:r>
-            <a:r>
-              <a:rPr lang="en-US" dirty="0" smtClean="0"/>
-              <a:t>package:</a:t>
-            </a:r>
-          </a:p>
-          <a:p>
-            <a:pPr marL="127000" indent="0" algn="just">
-              <a:buNone/>
-            </a:pPr>
-            <a:endParaRPr lang="en-US" dirty="0"/>
-          </a:p>
-          <a:p>
-            <a:pPr marL="127000" indent="0" algn="just">
-              <a:buNone/>
-            </a:pPr>
-            <a:endParaRPr lang="en-US" dirty="0" smtClean="0"/>
-          </a:p>
-          <a:p>
-            <a:pPr marL="127000" indent="0" algn="just">
-              <a:buNone/>
-            </a:pPr>
-            <a:r>
-              <a:rPr lang="en-US" dirty="0"/>
-              <a:t>It rather straightforward application of the MSE formula 1N*0N-1(y'-y)2 implemented in java language. Where ‘y’ is the real output of the formula provided in </a:t>
-            </a:r>
-            <a:r>
-              <a:rPr lang="en-US" dirty="0" err="1"/>
-              <a:t>validationY</a:t>
-            </a:r>
-            <a:r>
-              <a:rPr lang="en-US" dirty="0"/>
-              <a:t> dataset, ‘y’’ is the calculated by NN output.</a:t>
-            </a:r>
-          </a:p>
-          <a:p>
-            <a:pPr marL="127000" indent="0">
-              <a:buNone/>
-            </a:pPr>
-            <a:r>
-              <a:rPr lang="en-US" dirty="0"/>
-              <a:t/>
-            </a:r>
-            <a:br>
-              <a:rPr lang="en-US" dirty="0"/>
-            </a:br>
-            <a:endParaRPr lang="es-ES" dirty="0"/>
-          </a:p>
-        </p:txBody>
-      </p:sp>
+      <mc:AlternateContent xmlns:mc="http://schemas.openxmlformats.org/markup-compatibility/2006">
+        <mc:Choice xmlns:a14="http://schemas.microsoft.com/office/drawing/2010/main" Requires="a14">
+          <p:sp>
+            <p:nvSpPr>
+              <p:cNvPr id="13" name="12 Marcador de texto"/>
+              <p:cNvSpPr>
+                <a:spLocks noGrp="1"/>
+              </p:cNvSpPr>
+              <p:nvPr>
+                <p:ph type="body" idx="1"/>
+              </p:nvPr>
+            </p:nvSpPr>
+            <p:spPr>
+              <a:xfrm>
+                <a:off x="3717233" y="957414"/>
+                <a:ext cx="5224007" cy="4078025"/>
+              </a:xfrm>
+            </p:spPr>
+            <p:txBody>
+              <a:bodyPr/>
+              <a:lstStyle/>
+              <a:p>
+                <a:pPr marL="127000" indent="0">
+                  <a:buNone/>
+                </a:pPr>
+                <a:r>
+                  <a:rPr lang="en-US" dirty="0" smtClean="0"/>
+                  <a:t>The creation of NN is done in </a:t>
+                </a:r>
+                <a:r>
+                  <a:rPr lang="en-US" dirty="0" smtClean="0"/>
+                  <a:t>the next method from NeuralNetwork.java class in “method” package:</a:t>
+                </a:r>
+                <a:r>
+                  <a:rPr lang="en-US" dirty="0"/>
+                  <a:t/>
+                </a:r>
+                <a:br>
+                  <a:rPr lang="en-US" dirty="0"/>
+                </a:br>
+                <a:endParaRPr lang="en-US" dirty="0" smtClean="0"/>
+              </a:p>
+              <a:p>
+                <a:pPr marL="127000" indent="0">
+                  <a:buNone/>
+                </a:pPr>
+                <a:endParaRPr lang="en-US" dirty="0" smtClean="0"/>
+              </a:p>
+              <a:p>
+                <a:pPr marL="127000" indent="0" algn="just">
+                  <a:buNone/>
+                </a:pPr>
+                <a:r>
+                  <a:rPr lang="en-US" dirty="0" smtClean="0"/>
+                  <a:t>After </a:t>
+                </a:r>
+                <a:r>
+                  <a:rPr lang="en-US" dirty="0"/>
+                  <a:t>analyzing the generated data in the training step, it was observed that the number of </a:t>
+                </a:r>
+                <a:r>
+                  <a:rPr lang="en-US" dirty="0" smtClean="0"/>
+                  <a:t>epochs </a:t>
+                </a:r>
+                <a:r>
+                  <a:rPr lang="en-US" dirty="0"/>
+                  <a:t>have a positive impact on the NN prediction capabilities. The generated curves show that the very large number of epochs </a:t>
+                </a:r>
+                <a:r>
+                  <a:rPr lang="en-US" dirty="0" smtClean="0"/>
+                  <a:t>do </a:t>
+                </a:r>
+                <a:r>
+                  <a:rPr lang="en-US" dirty="0"/>
+                  <a:t>not give substantial improvement, but at the same time creates unnecessary load to the hardware of the machine. </a:t>
+                </a:r>
+                <a:r>
+                  <a:rPr lang="en-US" dirty="0" smtClean="0"/>
+                  <a:t>It wa</a:t>
+                </a:r>
+                <a:r>
+                  <a:rPr lang="en-US" dirty="0" smtClean="0"/>
+                  <a:t>s </a:t>
+                </a:r>
+                <a:r>
+                  <a:rPr lang="en-US" dirty="0"/>
+                  <a:t>decided to aim for </a:t>
+                </a:r>
+                <a:r>
+                  <a:rPr lang="en-US" dirty="0" smtClean="0"/>
+                  <a:t>2% </a:t>
+                </a:r>
+                <a:r>
+                  <a:rPr lang="en-US" dirty="0"/>
+                  <a:t>accuracy and </a:t>
+                </a:r>
+                <a:r>
+                  <a:rPr lang="en-US" dirty="0" smtClean="0"/>
+                  <a:t>then, </a:t>
+                </a:r>
+                <a:r>
+                  <a:rPr lang="en-US" dirty="0"/>
+                  <a:t>about 750 epochs were needed for the </a:t>
+                </a:r>
+                <a:r>
+                  <a:rPr lang="en-US" dirty="0" smtClean="0"/>
+                  <a:t>NN. The NN </a:t>
+                </a:r>
+                <a:r>
+                  <a:rPr lang="en-US" dirty="0"/>
+                  <a:t>has 2 hidden layers with 10 neurons on each level with a Logarithmic activation function</a:t>
+                </a:r>
+                <a:r>
+                  <a:rPr lang="en-US" dirty="0" smtClean="0"/>
+                  <a:t>.</a:t>
+                </a:r>
+              </a:p>
+              <a:p>
+                <a:pPr marL="127000" indent="0" algn="just">
+                  <a:buNone/>
+                </a:pPr>
+                <a:endParaRPr lang="en-US" dirty="0"/>
+              </a:p>
+              <a:p>
+                <a:pPr marL="127000" indent="0" algn="just">
+                  <a:buNone/>
+                </a:pPr>
+                <a:r>
+                  <a:rPr lang="en-US" dirty="0"/>
+                  <a:t>To calculate </a:t>
+                </a:r>
+                <a:r>
+                  <a:rPr lang="en-US" dirty="0" smtClean="0"/>
+                  <a:t>the error we use the </a:t>
+                </a:r>
+                <a:r>
+                  <a:rPr lang="en-US" dirty="0" smtClean="0"/>
+                  <a:t>next method from NeuralNetwork.java </a:t>
+                </a:r>
+                <a:r>
+                  <a:rPr lang="en-US" dirty="0"/>
+                  <a:t>class in  “method” </a:t>
+                </a:r>
+                <a:r>
+                  <a:rPr lang="en-US" dirty="0" smtClean="0"/>
+                  <a:t>package:</a:t>
+                </a:r>
+              </a:p>
+              <a:p>
+                <a:pPr marL="127000" indent="0" algn="just">
+                  <a:buNone/>
+                </a:pPr>
+                <a:endParaRPr lang="en-US" dirty="0"/>
+              </a:p>
+              <a:p>
+                <a:pPr marL="127000" indent="0" algn="just">
+                  <a:buNone/>
+                </a:pPr>
+                <a:endParaRPr lang="en-US" dirty="0"/>
+              </a:p>
+              <a:p>
+                <a:pPr marL="127000" indent="0" algn="just">
+                  <a:buNone/>
+                </a:pPr>
+                <a:r>
+                  <a:rPr lang="en-US" dirty="0" smtClean="0"/>
+                  <a:t>We used a straightforward application </a:t>
+                </a:r>
+                <a:r>
+                  <a:rPr lang="en-US" dirty="0"/>
+                  <a:t>of the MSE formula </a:t>
+                </a:r>
+                <a14:m>
+                  <m:oMath xmlns:m="http://schemas.openxmlformats.org/officeDocument/2006/math">
+                    <m:f>
+                      <m:fPr>
+                        <m:ctrlPr>
+                          <a:rPr lang="es-ES" b="0" i="1" smtClean="0">
+                            <a:latin typeface="Cambria Math"/>
+                          </a:rPr>
+                        </m:ctrlPr>
+                      </m:fPr>
+                      <m:num>
+                        <m:r>
+                          <a:rPr lang="es-ES" b="0" i="1" smtClean="0">
+                            <a:latin typeface="Cambria Math"/>
+                          </a:rPr>
+                          <m:t>1</m:t>
+                        </m:r>
+                      </m:num>
+                      <m:den>
+                        <m:r>
+                          <a:rPr lang="es-ES" b="0" i="1" smtClean="0">
+                            <a:latin typeface="Cambria Math"/>
+                          </a:rPr>
+                          <m:t>𝑁</m:t>
+                        </m:r>
+                      </m:den>
+                    </m:f>
+                    <m:r>
+                      <a:rPr lang="es-ES" b="0" i="1" smtClean="0">
+                        <a:latin typeface="Cambria Math"/>
+                      </a:rPr>
+                      <m:t> ∗ </m:t>
+                    </m:r>
+                    <m:nary>
+                      <m:naryPr>
+                        <m:chr m:val="∑"/>
+                        <m:ctrlPr>
+                          <a:rPr lang="es-ES" b="0" i="1" smtClean="0">
+                            <a:latin typeface="Cambria Math"/>
+                          </a:rPr>
+                        </m:ctrlPr>
+                      </m:naryPr>
+                      <m:sub>
+                        <m:r>
+                          <m:rPr>
+                            <m:brk m:alnAt="23"/>
+                          </m:rPr>
+                          <a:rPr lang="es-ES" b="0" i="1" smtClean="0">
+                            <a:latin typeface="Cambria Math"/>
+                          </a:rPr>
+                          <m:t>0</m:t>
+                        </m:r>
+                      </m:sub>
+                      <m:sup>
+                        <m:r>
+                          <a:rPr lang="es-ES" b="0" i="1" smtClean="0">
+                            <a:latin typeface="Cambria Math"/>
+                          </a:rPr>
+                          <m:t>𝑁</m:t>
+                        </m:r>
+                        <m:r>
+                          <a:rPr lang="es-ES" b="0" i="1" smtClean="0">
+                            <a:latin typeface="Cambria Math"/>
+                          </a:rPr>
+                          <m:t>−1</m:t>
+                        </m:r>
+                      </m:sup>
+                      <m:e>
+                        <m:sSup>
+                          <m:sSupPr>
+                            <m:ctrlPr>
+                              <a:rPr lang="es-ES" b="0" i="1" smtClean="0">
+                                <a:latin typeface="Cambria Math"/>
+                              </a:rPr>
+                            </m:ctrlPr>
+                          </m:sSupPr>
+                          <m:e>
+                            <m:d>
+                              <m:dPr>
+                                <m:ctrlPr>
+                                  <a:rPr lang="es-ES" b="0" i="1" smtClean="0">
+                                    <a:latin typeface="Cambria Math"/>
+                                  </a:rPr>
+                                </m:ctrlPr>
+                              </m:dPr>
+                              <m:e>
+                                <m:sSup>
+                                  <m:sSupPr>
+                                    <m:ctrlPr>
+                                      <a:rPr lang="es-ES" b="0" i="1" smtClean="0">
+                                        <a:latin typeface="Cambria Math"/>
+                                      </a:rPr>
+                                    </m:ctrlPr>
+                                  </m:sSupPr>
+                                  <m:e>
+                                    <m:r>
+                                      <a:rPr lang="es-ES" b="0" i="1" smtClean="0">
+                                        <a:latin typeface="Cambria Math"/>
+                                      </a:rPr>
+                                      <m:t>𝑦</m:t>
+                                    </m:r>
+                                  </m:e>
+                                  <m:sup>
+                                    <m:r>
+                                      <a:rPr lang="es-ES" b="0" i="1" smtClean="0">
+                                        <a:latin typeface="Cambria Math"/>
+                                      </a:rPr>
+                                      <m:t>′</m:t>
+                                    </m:r>
+                                  </m:sup>
+                                </m:sSup>
+                                <m:r>
+                                  <a:rPr lang="es-ES" b="0" i="1" smtClean="0">
+                                    <a:latin typeface="Cambria Math"/>
+                                  </a:rPr>
+                                  <m:t>−</m:t>
+                                </m:r>
+                                <m:r>
+                                  <a:rPr lang="es-ES" b="0" i="1" smtClean="0">
+                                    <a:latin typeface="Cambria Math"/>
+                                  </a:rPr>
+                                  <m:t>𝑦</m:t>
+                                </m:r>
+                              </m:e>
+                            </m:d>
+                          </m:e>
+                          <m:sup>
+                            <m:r>
+                              <a:rPr lang="es-ES" b="0" i="1" smtClean="0">
+                                <a:latin typeface="Cambria Math"/>
+                              </a:rPr>
+                              <m:t>2</m:t>
+                            </m:r>
+                          </m:sup>
+                        </m:sSup>
+                      </m:e>
+                    </m:nary>
+                  </m:oMath>
+                </a14:m>
+                <a:r>
+                  <a:rPr lang="en-US" dirty="0" smtClean="0"/>
+                  <a:t>implemented </a:t>
+                </a:r>
+                <a:r>
+                  <a:rPr lang="en-US" dirty="0"/>
+                  <a:t>in java language. Where ‘y’ is the real output of the formula provided in </a:t>
+                </a:r>
+                <a:r>
+                  <a:rPr lang="en-US" dirty="0" err="1"/>
+                  <a:t>validationY</a:t>
+                </a:r>
+                <a:r>
+                  <a:rPr lang="en-US" dirty="0"/>
+                  <a:t> dataset, ‘y’’ is the calculated by NN output.</a:t>
+                </a:r>
+              </a:p>
+              <a:p>
+                <a:pPr marL="127000" indent="0">
+                  <a:buNone/>
+                </a:pPr>
+                <a:r>
+                  <a:rPr lang="en-US" dirty="0"/>
+                  <a:t/>
+                </a:r>
+                <a:br>
+                  <a:rPr lang="en-US" dirty="0"/>
+                </a:br>
+                <a:endParaRPr lang="es-ES" dirty="0"/>
+              </a:p>
+            </p:txBody>
+          </p:sp>
+        </mc:Choice>
+        <mc:Fallback>
+          <p:sp>
+            <p:nvSpPr>
+              <p:cNvPr id="13" name="12 Marcador de texto"/>
+              <p:cNvSpPr>
+                <a:spLocks noGrp="1" noRot="1" noChangeAspect="1" noMove="1" noResize="1" noEditPoints="1" noAdjustHandles="1" noChangeArrowheads="1" noChangeShapeType="1" noTextEdit="1"/>
+              </p:cNvSpPr>
+              <p:nvPr>
+                <p:ph type="body" idx="1"/>
+              </p:nvPr>
+            </p:nvSpPr>
+            <p:spPr>
+              <a:xfrm>
+                <a:off x="3717233" y="957414"/>
+                <a:ext cx="5224007" cy="4078025"/>
+              </a:xfrm>
+              <a:blipFill rotWithShape="1">
+                <a:blip r:embed="rId2"/>
+                <a:stretch>
+                  <a:fillRect t="-1046" r="-1750"/>
+                </a:stretch>
+              </a:blipFill>
+            </p:spPr>
+            <p:txBody>
+              <a:bodyPr/>
+              <a:lstStyle/>
+              <a:p>
+                <a:r>
+                  <a:rPr lang="es-ES">
+                    <a:noFill/>
+                  </a:rPr>
+                  <a:t> </a:t>
+                </a:r>
+              </a:p>
+            </p:txBody>
+          </p:sp>
+        </mc:Fallback>
+      </mc:AlternateContent>
       <p:pic>
         <p:nvPicPr>
           <p:cNvPr id="8194" name="Picture 2"/>
@@ -43177,7 +43737,7 @@
           <p:nvPr/>
         </p:nvPicPr>
         <p:blipFill>
-          <a:blip r:embed="rId2">
+          <a:blip r:embed="rId3">
             <a:extLst>
               <a:ext uri="{28A0092B-C50C-407E-A947-70E740481C1C}">
                 <a14:useLocalDpi xmlns:a14="http://schemas.microsoft.com/office/drawing/2010/main" val="0"/>
@@ -43231,7 +43791,7 @@
           <p:nvPr/>
         </p:nvPicPr>
         <p:blipFill>
-          <a:blip r:embed="rId3">
+          <a:blip r:embed="rId4">
             <a:extLst>
               <a:ext uri="{28A0092B-C50C-407E-A947-70E740481C1C}">
                 <a14:useLocalDpi xmlns:a14="http://schemas.microsoft.com/office/drawing/2010/main" val="0"/>
@@ -43285,7 +43845,7 @@
           <p:nvPr/>
         </p:nvPicPr>
         <p:blipFill>
-          <a:blip r:embed="rId4">
+          <a:blip r:embed="rId5">
             <a:extLst>
               <a:ext uri="{28A0092B-C50C-407E-A947-70E740481C1C}">
                 <a14:useLocalDpi xmlns:a14="http://schemas.microsoft.com/office/drawing/2010/main" val="0"/>
@@ -43410,8 +43970,8 @@
         </p:nvSpPr>
         <p:spPr>
           <a:xfrm>
-            <a:off x="647859" y="1009817"/>
-            <a:ext cx="7704000" cy="1518698"/>
+            <a:off x="647859" y="1860716"/>
+            <a:ext cx="7704000" cy="1733383"/>
           </a:xfrm>
         </p:spPr>
         <p:txBody>
@@ -43450,8 +44010,16 @@
               <a:buNone/>
             </a:pPr>
             <a:r>
+              <a:rPr lang="en-US" dirty="0" smtClean="0"/>
+              <a:t>It was</a:t>
+            </a:r>
+            <a:r>
+              <a:rPr lang="en-US" dirty="0" smtClean="0"/>
+              <a:t> </a:t>
+            </a:r>
+            <a:r>
               <a:rPr lang="en-US" dirty="0"/>
-              <a:t>Was decided to use manual </a:t>
+              <a:t>decided to use manual </a:t>
             </a:r>
             <a:r>
               <a:rPr lang="en-US" dirty="0" err="1"/>
@@ -43459,7 +44027,15 @@
             </a:r>
             <a:r>
               <a:rPr lang="en-US" dirty="0"/>
-              <a:t> parameters for the final model of the neural network in order to provide consistent output. </a:t>
+              <a:t> parameters for the final model of the neural </a:t>
+            </a:r>
+            <a:r>
+              <a:rPr lang="en-US" dirty="0" smtClean="0"/>
+              <a:t>network, </a:t>
+            </a:r>
+            <a:r>
+              <a:rPr lang="en-US" dirty="0"/>
+              <a:t>in order to provide consistent output. </a:t>
             </a:r>
             <a:endParaRPr lang="en-US" dirty="0" smtClean="0"/>
           </a:p>
@@ -43475,7 +44051,38 @@
             </a:pPr>
             <a:r>
               <a:rPr lang="en-US" dirty="0"/>
-              <a:t>The network being trained using given parameters and the test set data is given to for the analysis. The results are documented and used to build the 3-dimensional plot.</a:t>
+              <a:t>The network being trained using given parameters and the test set data is </a:t>
+            </a:r>
+            <a:r>
+              <a:rPr lang="en-US" dirty="0" smtClean="0"/>
+              <a:t>given </a:t>
+            </a:r>
+            <a:r>
+              <a:rPr lang="en-US" dirty="0"/>
+              <a:t>for the </a:t>
+            </a:r>
+            <a:r>
+              <a:rPr lang="en-US" dirty="0" smtClean="0"/>
+              <a:t>analysis.</a:t>
+            </a:r>
+          </a:p>
+          <a:p>
+            <a:pPr marL="127000" indent="0" algn="just">
+              <a:buNone/>
+            </a:pPr>
+            <a:endParaRPr lang="en-US" dirty="0"/>
+          </a:p>
+          <a:p>
+            <a:pPr marL="127000" indent="0" algn="just">
+              <a:buNone/>
+            </a:pPr>
+            <a:r>
+              <a:rPr lang="en-US" dirty="0" smtClean="0"/>
+              <a:t>The </a:t>
+            </a:r>
+            <a:r>
+              <a:rPr lang="en-US" dirty="0"/>
+              <a:t>results are documented and used to build the 3-dimensional plot.</a:t>
             </a:r>
           </a:p>
           <a:p>
